--- a/trunk/ITERACION 5/SUB ITERACION 2/PRESENTACION02/PPT TP3 PRES03.pptx
+++ b/trunk/ITERACION 5/SUB ITERACION 2/PRESENTACION02/PPT TP3 PRES03.pptx
@@ -5,7 +5,7 @@
     <p:sldMasterId id="2147483660" r:id="rId1"/>
   </p:sldMasterIdLst>
   <p:notesMasterIdLst>
-    <p:notesMasterId r:id="rId20"/>
+    <p:notesMasterId r:id="rId27"/>
   </p:notesMasterIdLst>
   <p:sldIdLst>
     <p:sldId id="256" r:id="rId2"/>
@@ -13,19 +13,26 @@
     <p:sldId id="420" r:id="rId4"/>
     <p:sldId id="421" r:id="rId5"/>
     <p:sldId id="419" r:id="rId6"/>
-    <p:sldId id="324" r:id="rId7"/>
-    <p:sldId id="408" r:id="rId8"/>
-    <p:sldId id="422" r:id="rId9"/>
-    <p:sldId id="423" r:id="rId10"/>
-    <p:sldId id="424" r:id="rId11"/>
-    <p:sldId id="425" r:id="rId12"/>
-    <p:sldId id="413" r:id="rId13"/>
-    <p:sldId id="409" r:id="rId14"/>
-    <p:sldId id="412" r:id="rId15"/>
-    <p:sldId id="410" r:id="rId16"/>
-    <p:sldId id="411" r:id="rId17"/>
-    <p:sldId id="417" r:id="rId18"/>
-    <p:sldId id="379" r:id="rId19"/>
+    <p:sldId id="422" r:id="rId7"/>
+    <p:sldId id="423" r:id="rId8"/>
+    <p:sldId id="426" r:id="rId9"/>
+    <p:sldId id="432" r:id="rId10"/>
+    <p:sldId id="427" r:id="rId11"/>
+    <p:sldId id="424" r:id="rId12"/>
+    <p:sldId id="428" r:id="rId13"/>
+    <p:sldId id="433" r:id="rId14"/>
+    <p:sldId id="429" r:id="rId15"/>
+    <p:sldId id="434" r:id="rId16"/>
+    <p:sldId id="425" r:id="rId17"/>
+    <p:sldId id="430" r:id="rId18"/>
+    <p:sldId id="431" r:id="rId19"/>
+    <p:sldId id="413" r:id="rId20"/>
+    <p:sldId id="409" r:id="rId21"/>
+    <p:sldId id="412" r:id="rId22"/>
+    <p:sldId id="410" r:id="rId23"/>
+    <p:sldId id="411" r:id="rId24"/>
+    <p:sldId id="417" r:id="rId25"/>
+    <p:sldId id="379" r:id="rId26"/>
   </p:sldIdLst>
   <p:sldSz cx="9144000" cy="6858000" type="screen4x3"/>
   <p:notesSz cx="6858000" cy="9144000"/>
@@ -259,12 +266,12 @@
             <a:pPr>
               <a:defRPr/>
             </a:pPr>
-            <a:fld id="{B9DE54A9-799C-4323-87B1-025044153999}" type="datetimeFigureOut">
+            <a:fld id="{241BFED2-3A8E-44F8-95E3-4302E3A6658B}" type="datetimeFigureOut">
               <a:rPr lang="es-PE"/>
               <a:pPr>
                 <a:defRPr/>
               </a:pPr>
-              <a:t>16/01/2013</a:t>
+              <a:t>17/01/2013</a:t>
             </a:fld>
             <a:endParaRPr lang="es-PE"/>
           </a:p>
@@ -446,7 +453,7 @@
             <a:pPr>
               <a:defRPr/>
             </a:pPr>
-            <a:fld id="{ECE97157-3165-4826-B8A5-4D4E5A45C795}" type="slidenum">
+            <a:fld id="{D9F64565-63ED-48FE-8615-82C8D6F859DD}" type="slidenum">
               <a:rPr lang="es-PE"/>
               <a:pPr>
                 <a:defRPr/>
@@ -2445,12 +2452,12 @@
             <a:pPr>
               <a:defRPr/>
             </a:pPr>
-            <a:fld id="{E965ED14-C2F2-42C7-8DCE-A91326992792}" type="datetimeFigureOut">
+            <a:fld id="{07C6E9A9-5391-4A89-8F2D-7FE9808281FE}" type="datetimeFigureOut">
               <a:rPr lang="es-PE"/>
               <a:pPr>
                 <a:defRPr/>
               </a:pPr>
-              <a:t>16/01/2013</a:t>
+              <a:t>17/01/2013</a:t>
             </a:fld>
             <a:endParaRPr lang="es-PE"/>
           </a:p>
@@ -2504,7 +2511,7 @@
             <a:pPr>
               <a:defRPr/>
             </a:pPr>
-            <a:fld id="{8348277E-B283-4396-B44F-DD9671387828}" type="slidenum">
+            <a:fld id="{856BD01F-70CF-44F2-9069-4D5DC7DDF807}" type="slidenum">
               <a:rPr lang="es-PE"/>
               <a:pPr>
                 <a:defRPr/>
@@ -2653,12 +2660,12 @@
             <a:pPr>
               <a:defRPr/>
             </a:pPr>
-            <a:fld id="{5C30BE6F-D421-4C39-845D-A693F31FAD9B}" type="datetimeFigureOut">
+            <a:fld id="{10085A01-A30B-4D1A-A488-654821E0B5EC}" type="datetimeFigureOut">
               <a:rPr lang="es-PE"/>
               <a:pPr>
                 <a:defRPr/>
               </a:pPr>
-              <a:t>16/01/2013</a:t>
+              <a:t>17/01/2013</a:t>
             </a:fld>
             <a:endParaRPr lang="es-PE"/>
           </a:p>
@@ -2712,7 +2719,7 @@
             <a:pPr>
               <a:defRPr/>
             </a:pPr>
-            <a:fld id="{64C54750-7740-4ECA-84C5-56F6917C826C}" type="slidenum">
+            <a:fld id="{F1F731A4-FC55-48C4-99B4-2C7B7EAC2A25}" type="slidenum">
               <a:rPr lang="es-PE"/>
               <a:pPr>
                 <a:defRPr/>
@@ -4558,12 +4565,12 @@
             <a:pPr>
               <a:defRPr/>
             </a:pPr>
-            <a:fld id="{50EEA64E-5140-45E7-ABB3-EDBB259C5958}" type="datetimeFigureOut">
+            <a:fld id="{5689A8E0-F15D-4B9E-BADC-F10740FF0016}" type="datetimeFigureOut">
               <a:rPr lang="es-PE"/>
               <a:pPr>
                 <a:defRPr/>
               </a:pPr>
-              <a:t>16/01/2013</a:t>
+              <a:t>17/01/2013</a:t>
             </a:fld>
             <a:endParaRPr lang="es-PE"/>
           </a:p>
@@ -4617,7 +4624,7 @@
             <a:pPr>
               <a:defRPr/>
             </a:pPr>
-            <a:fld id="{50669CCB-2724-43F5-9101-BD97FA66A4F8}" type="slidenum">
+            <a:fld id="{CF05CE9F-AD93-497C-9EB4-DEA4C2EBA89B}" type="slidenum">
               <a:rPr lang="es-PE"/>
               <a:pPr>
                 <a:defRPr/>
@@ -4675,12 +4682,12 @@
             <a:pPr>
               <a:defRPr/>
             </a:pPr>
-            <a:fld id="{7DFF6298-DAB0-4E7A-8944-94E8FB27D70E}" type="datetimeFigureOut">
+            <a:fld id="{839E108B-B3CC-445D-8723-BF502D1164BC}" type="datetimeFigureOut">
               <a:rPr lang="es-PE"/>
               <a:pPr>
                 <a:defRPr/>
               </a:pPr>
-              <a:t>16/01/2013</a:t>
+              <a:t>17/01/2013</a:t>
             </a:fld>
             <a:endParaRPr lang="es-PE"/>
           </a:p>
@@ -4734,7 +4741,7 @@
             <a:pPr>
               <a:defRPr/>
             </a:pPr>
-            <a:fld id="{153C328A-2E8B-4A36-9D40-838558120977}" type="slidenum">
+            <a:fld id="{D775238C-E33E-430D-8448-A3445963EC1B}" type="slidenum">
               <a:rPr lang="es-PE"/>
               <a:pPr>
                 <a:defRPr/>
@@ -4867,12 +4874,12 @@
             <a:pPr>
               <a:defRPr/>
             </a:pPr>
-            <a:fld id="{55B8B1A0-02A5-450D-86DA-0B190D4599FD}" type="datetimeFigureOut">
+            <a:fld id="{D4DF66EC-0AA0-4146-A852-9CEA9C1E61DC}" type="datetimeFigureOut">
               <a:rPr lang="es-PE"/>
               <a:pPr>
                 <a:defRPr/>
               </a:pPr>
-              <a:t>16/01/2013</a:t>
+              <a:t>17/01/2013</a:t>
             </a:fld>
             <a:endParaRPr lang="es-PE"/>
           </a:p>
@@ -4926,7 +4933,7 @@
             <a:pPr>
               <a:defRPr/>
             </a:pPr>
-            <a:fld id="{04D29BBE-0BDF-4D25-84E9-BD94F5BE1FD8}" type="slidenum">
+            <a:fld id="{36769428-E575-4B00-B2D8-FB7E6AB3211E}" type="slidenum">
               <a:rPr lang="es-PE"/>
               <a:pPr>
                 <a:defRPr/>
@@ -6784,12 +6791,12 @@
             <a:pPr>
               <a:defRPr/>
             </a:pPr>
-            <a:fld id="{F66467ED-D365-443B-931F-64C652638B36}" type="datetimeFigureOut">
+            <a:fld id="{B5ACBD57-B506-4670-B336-C89676712710}" type="datetimeFigureOut">
               <a:rPr lang="es-PE"/>
               <a:pPr>
                 <a:defRPr/>
               </a:pPr>
-              <a:t>16/01/2013</a:t>
+              <a:t>17/01/2013</a:t>
             </a:fld>
             <a:endParaRPr lang="es-PE"/>
           </a:p>
@@ -6843,7 +6850,7 @@
             <a:pPr>
               <a:defRPr/>
             </a:pPr>
-            <a:fld id="{12CDF470-03EF-4A6E-B13C-E170725B2AB2}" type="slidenum">
+            <a:fld id="{D35D125B-A862-48E3-B2E3-4686092C514B}" type="slidenum">
               <a:rPr lang="es-PE"/>
               <a:pPr>
                 <a:defRPr/>
@@ -7038,12 +7045,12 @@
             <a:pPr>
               <a:defRPr/>
             </a:pPr>
-            <a:fld id="{A8229987-69AD-4F41-BB65-4190829C57A7}" type="datetimeFigureOut">
+            <a:fld id="{B631DE66-6108-4287-83E8-256583B3C085}" type="datetimeFigureOut">
               <a:rPr lang="es-PE"/>
               <a:pPr>
                 <a:defRPr/>
               </a:pPr>
-              <a:t>16/01/2013</a:t>
+              <a:t>17/01/2013</a:t>
             </a:fld>
             <a:endParaRPr lang="es-PE"/>
           </a:p>
@@ -7097,7 +7104,7 @@
             <a:pPr>
               <a:defRPr/>
             </a:pPr>
-            <a:fld id="{12921BBB-6418-43FC-B122-D208932C866C}" type="slidenum">
+            <a:fld id="{EB3A093C-AB8B-45CB-B2BA-D667293AD069}" type="slidenum">
               <a:rPr lang="es-PE"/>
               <a:pPr>
                 <a:defRPr/>
@@ -7492,12 +7499,12 @@
             <a:pPr>
               <a:defRPr/>
             </a:pPr>
-            <a:fld id="{E0E077BA-81E3-4020-BCB7-CEA12A42A0E0}" type="datetimeFigureOut">
+            <a:fld id="{C3F45DD8-27E0-4809-A68A-68D10792912E}" type="datetimeFigureOut">
               <a:rPr lang="es-PE"/>
               <a:pPr>
                 <a:defRPr/>
               </a:pPr>
-              <a:t>16/01/2013</a:t>
+              <a:t>17/01/2013</a:t>
             </a:fld>
             <a:endParaRPr lang="es-PE"/>
           </a:p>
@@ -7551,7 +7558,7 @@
             <a:pPr>
               <a:defRPr/>
             </a:pPr>
-            <a:fld id="{496DB5EF-99D6-42FD-9AD0-9D1F2200B854}" type="slidenum">
+            <a:fld id="{36CE5262-1675-41B1-8872-EE8FABC895F8}" type="slidenum">
               <a:rPr lang="es-PE"/>
               <a:pPr>
                 <a:defRPr/>
@@ -7632,12 +7639,12 @@
             <a:pPr>
               <a:defRPr/>
             </a:pPr>
-            <a:fld id="{977D6F29-3919-41E9-8B82-38B6E0B357F9}" type="datetimeFigureOut">
+            <a:fld id="{D4E1FB1C-7ABB-4730-995C-04B6B8748399}" type="datetimeFigureOut">
               <a:rPr lang="es-PE"/>
               <a:pPr>
                 <a:defRPr/>
               </a:pPr>
-              <a:t>16/01/2013</a:t>
+              <a:t>17/01/2013</a:t>
             </a:fld>
             <a:endParaRPr lang="es-PE"/>
           </a:p>
@@ -7691,7 +7698,7 @@
             <a:pPr>
               <a:defRPr/>
             </a:pPr>
-            <a:fld id="{A44B4C04-A7CE-4C5C-98D9-0BFAEDEC9E3F}" type="slidenum">
+            <a:fld id="{4B329F40-3C9E-43B6-89DD-CC2375EF0318}" type="slidenum">
               <a:rPr lang="es-PE"/>
               <a:pPr>
                 <a:defRPr/>
@@ -9413,12 +9420,12 @@
             <a:pPr>
               <a:defRPr/>
             </a:pPr>
-            <a:fld id="{789D4692-FD83-4BC9-BD9A-9DFF655D8656}" type="datetimeFigureOut">
+            <a:fld id="{04788F8D-09BF-4B26-A94E-5C0572785D50}" type="datetimeFigureOut">
               <a:rPr lang="es-PE"/>
               <a:pPr>
                 <a:defRPr/>
               </a:pPr>
-              <a:t>16/01/2013</a:t>
+              <a:t>17/01/2013</a:t>
             </a:fld>
             <a:endParaRPr lang="es-PE"/>
           </a:p>
@@ -9472,7 +9479,7 @@
             <a:pPr>
               <a:defRPr/>
             </a:pPr>
-            <a:fld id="{11BE143C-10CB-4B21-9700-AAECFB3B36C9}" type="slidenum">
+            <a:fld id="{11DA9A77-DF0E-4794-B4D3-30194EA683C8}" type="slidenum">
               <a:rPr lang="es-PE"/>
               <a:pPr>
                 <a:defRPr/>
@@ -11429,12 +11436,12 @@
             <a:pPr>
               <a:defRPr/>
             </a:pPr>
-            <a:fld id="{B8ECCFF7-E279-487E-A844-F2F813A19D24}" type="datetimeFigureOut">
+            <a:fld id="{090D019B-5CE4-4F65-B681-02F50110A59E}" type="datetimeFigureOut">
               <a:rPr lang="es-PE"/>
               <a:pPr>
                 <a:defRPr/>
               </a:pPr>
-              <a:t>16/01/2013</a:t>
+              <a:t>17/01/2013</a:t>
             </a:fld>
             <a:endParaRPr lang="es-PE"/>
           </a:p>
@@ -11488,7 +11495,7 @@
             <a:pPr>
               <a:defRPr/>
             </a:pPr>
-            <a:fld id="{04CB5046-216A-41E6-80FD-C07AB3902A4D}" type="slidenum">
+            <a:fld id="{A6E5ED28-1787-4ABF-A94E-4EC18754FE52}" type="slidenum">
               <a:rPr lang="es-PE"/>
               <a:pPr>
                 <a:defRPr/>
@@ -13416,12 +13423,12 @@
             <a:pPr>
               <a:defRPr/>
             </a:pPr>
-            <a:fld id="{5988B4CE-21A1-40CE-A89A-B42A0287482E}" type="datetimeFigureOut">
+            <a:fld id="{EBEC843B-38B8-4147-9471-4437684F474B}" type="datetimeFigureOut">
               <a:rPr lang="es-PE"/>
               <a:pPr>
                 <a:defRPr/>
               </a:pPr>
-              <a:t>16/01/2013</a:t>
+              <a:t>17/01/2013</a:t>
             </a:fld>
             <a:endParaRPr lang="es-PE"/>
           </a:p>
@@ -13475,7 +13482,7 @@
             <a:pPr>
               <a:defRPr/>
             </a:pPr>
-            <a:fld id="{3FB1133E-7093-4F86-818B-274E1DB297A7}" type="slidenum">
+            <a:fld id="{EA66390A-D396-4697-AD6B-8629207E12FC}" type="slidenum">
               <a:rPr lang="es-PE"/>
               <a:pPr>
                 <a:defRPr/>
@@ -15264,12 +15271,12 @@
             <a:pPr>
               <a:defRPr/>
             </a:pPr>
-            <a:fld id="{C79AEC0E-50DE-4718-B187-A2FFAE5E848D}" type="datetimeFigureOut">
+            <a:fld id="{66614B6C-F1C6-4DF3-9597-9E892DC2E96A}" type="datetimeFigureOut">
               <a:rPr lang="es-PE"/>
               <a:pPr>
                 <a:defRPr/>
               </a:pPr>
-              <a:t>16/01/2013</a:t>
+              <a:t>17/01/2013</a:t>
             </a:fld>
             <a:endParaRPr lang="es-PE"/>
           </a:p>
@@ -15361,7 +15368,7 @@
             <a:pPr>
               <a:defRPr/>
             </a:pPr>
-            <a:fld id="{9B401867-409B-4FA9-8B76-FE4B60F81EC9}" type="slidenum">
+            <a:fld id="{27A773B4-A29E-4294-ABE3-9D6AB012DC77}" type="slidenum">
               <a:rPr lang="es-PE"/>
               <a:pPr>
                 <a:defRPr/>
@@ -15448,17 +15455,17 @@
   <p:clrMap bg1="lt1" tx1="dk1" bg2="lt2" tx2="dk2" accent1="accent1" accent2="accent2" accent3="accent3" accent4="accent4" accent5="accent5" accent6="accent6" hlink="hlink" folHlink="folHlink"/>
   <p:sldLayoutIdLst>
     <p:sldLayoutId id="2147483673" r:id="rId1"/>
-    <p:sldLayoutId id="2147483672" r:id="rId2"/>
+    <p:sldLayoutId id="2147483667" r:id="rId2"/>
     <p:sldLayoutId id="2147483674" r:id="rId3"/>
-    <p:sldLayoutId id="2147483671" r:id="rId4"/>
-    <p:sldLayoutId id="2147483670" r:id="rId5"/>
-    <p:sldLayoutId id="2147483669" r:id="rId6"/>
+    <p:sldLayoutId id="2147483668" r:id="rId4"/>
+    <p:sldLayoutId id="2147483669" r:id="rId5"/>
+    <p:sldLayoutId id="2147483670" r:id="rId6"/>
     <p:sldLayoutId id="2147483675" r:id="rId7"/>
     <p:sldLayoutId id="2147483676" r:id="rId8"/>
     <p:sldLayoutId id="2147483677" r:id="rId9"/>
-    <p:sldLayoutId id="2147483668" r:id="rId10"/>
+    <p:sldLayoutId id="2147483671" r:id="rId10"/>
     <p:sldLayoutId id="2147483678" r:id="rId11"/>
-    <p:sldLayoutId id="2147483667" r:id="rId12"/>
+    <p:sldLayoutId id="2147483672" r:id="rId12"/>
   </p:sldLayoutIdLst>
   <p:txStyles>
     <p:titleStyle>
@@ -16026,7 +16033,7 @@
       </p:grpSpPr>
       <p:sp>
         <p:nvSpPr>
-          <p:cNvPr id="43010" name="2 Título"/>
+          <p:cNvPr id="24577" name="2 Título"/>
           <p:cNvSpPr>
             <a:spLocks noGrp="1"/>
           </p:cNvSpPr>
@@ -16051,8 +16058,1133 @@
                   <a:schemeClr val="tx2"/>
                 </a:solidFill>
               </a:rPr>
-              <a:t>CC_CUS012_Agregar_Adenda</a:t>
+              <a:t>CC_CUS011_Agregar_Contrato</a:t>
             </a:r>
+          </a:p>
+        </p:txBody>
+      </p:sp>
+      <p:graphicFrame>
+        <p:nvGraphicFramePr>
+          <p:cNvPr id="25629" name="Group 29"/>
+          <p:cNvGraphicFramePr>
+            <a:graphicFrameLocks noGrp="1"/>
+          </p:cNvGraphicFramePr>
+          <p:nvPr/>
+        </p:nvGraphicFramePr>
+        <p:xfrm>
+          <a:off x="250825" y="1628775"/>
+          <a:ext cx="8642350" cy="4824413"/>
+        </p:xfrm>
+        <a:graphic>
+          <a:graphicData uri="http://schemas.openxmlformats.org/drawingml/2006/table">
+            <a:tbl>
+              <a:tblPr/>
+              <a:tblGrid>
+                <a:gridCol w="2881313"/>
+                <a:gridCol w="5761037"/>
+              </a:tblGrid>
+              <a:tr h="1601788">
+                <a:tc>
+                  <a:txBody>
+                    <a:bodyPr/>
+                    <a:lstStyle/>
+                    <a:p>
+                      <a:pPr marL="0" marR="0" lvl="1" indent="0" algn="l" defTabSz="914400" rtl="0" eaLnBrk="1" fontAlgn="base" latinLnBrk="0" hangingPunct="1">
+                        <a:lnSpc>
+                          <a:spcPct val="100000"/>
+                        </a:lnSpc>
+                        <a:spcBef>
+                          <a:spcPct val="0"/>
+                        </a:spcBef>
+                        <a:spcAft>
+                          <a:spcPct val="0"/>
+                        </a:spcAft>
+                        <a:buClrTx/>
+                        <a:buSzTx/>
+                        <a:buFontTx/>
+                        <a:buNone/>
+                        <a:tabLst/>
+                      </a:pPr>
+                      <a:r>
+                        <a:rPr kumimoji="0" lang="es-PE" sz="1800" b="1" i="0" u="none" strike="noStrike" cap="none" normalizeH="0" baseline="0" smtClean="0">
+                          <a:ln>
+                            <a:noFill/>
+                          </a:ln>
+                          <a:solidFill>
+                            <a:schemeClr val="tx1"/>
+                          </a:solidFill>
+                          <a:effectLst/>
+                          <a:latin typeface="Candara" pitchFamily="34" charset="0"/>
+                        </a:rPr>
+                        <a:t>Subflujos</a:t>
+                      </a:r>
+                    </a:p>
+                    <a:p>
+                      <a:pPr marL="0" marR="0" lvl="0" indent="0" algn="l" defTabSz="914400" rtl="0" eaLnBrk="1" fontAlgn="base" latinLnBrk="0" hangingPunct="1">
+                        <a:lnSpc>
+                          <a:spcPct val="100000"/>
+                        </a:lnSpc>
+                        <a:spcBef>
+                          <a:spcPct val="0"/>
+                        </a:spcBef>
+                        <a:spcAft>
+                          <a:spcPct val="0"/>
+                        </a:spcAft>
+                        <a:buClrTx/>
+                        <a:buSzTx/>
+                        <a:buFontTx/>
+                        <a:buNone/>
+                        <a:tabLst/>
+                      </a:pPr>
+                      <a:endParaRPr kumimoji="0" lang="es-PE" sz="1800" b="0" i="0" u="none" strike="noStrike" cap="none" normalizeH="0" baseline="0" smtClean="0">
+                        <a:ln>
+                          <a:noFill/>
+                        </a:ln>
+                        <a:solidFill>
+                          <a:schemeClr val="tx1"/>
+                        </a:solidFill>
+                        <a:effectLst/>
+                        <a:latin typeface="Candara" pitchFamily="34" charset="0"/>
+                      </a:endParaRPr>
+                    </a:p>
+                  </a:txBody>
+                  <a:tcPr horzOverflow="overflow">
+                    <a:lnL w="12700" cap="flat" cmpd="sng" algn="ctr">
+                      <a:solidFill>
+                        <a:schemeClr val="accent1"/>
+                      </a:solidFill>
+                      <a:prstDash val="solid"/>
+                      <a:round/>
+                      <a:headEnd type="none" w="med" len="med"/>
+                      <a:tailEnd type="none" w="med" len="med"/>
+                    </a:lnL>
+                    <a:lnR w="12700" cap="flat" cmpd="sng" algn="ctr">
+                      <a:solidFill>
+                        <a:schemeClr val="accent1"/>
+                      </a:solidFill>
+                      <a:prstDash val="solid"/>
+                      <a:round/>
+                      <a:headEnd type="none" w="med" len="med"/>
+                      <a:tailEnd type="none" w="med" len="med"/>
+                    </a:lnR>
+                    <a:lnT w="12700" cap="flat" cmpd="sng" algn="ctr">
+                      <a:solidFill>
+                        <a:schemeClr val="accent1"/>
+                      </a:solidFill>
+                      <a:prstDash val="solid"/>
+                      <a:round/>
+                      <a:headEnd type="none" w="med" len="med"/>
+                      <a:tailEnd type="none" w="med" len="med"/>
+                    </a:lnT>
+                    <a:lnB w="25400" cap="flat" cmpd="sng" algn="ctr">
+                      <a:solidFill>
+                        <a:schemeClr val="accent1"/>
+                      </a:solidFill>
+                      <a:prstDash val="solid"/>
+                      <a:round/>
+                      <a:headEnd type="none" w="med" len="med"/>
+                      <a:tailEnd type="none" w="med" len="med"/>
+                    </a:lnB>
+                    <a:lnTlToBr>
+                      <a:noFill/>
+                    </a:lnTlToBr>
+                    <a:lnBlToTr>
+                      <a:noFill/>
+                    </a:lnBlToTr>
+                    <a:noFill/>
+                  </a:tcPr>
+                </a:tc>
+                <a:tc>
+                  <a:txBody>
+                    <a:bodyPr/>
+                    <a:lstStyle/>
+                    <a:p>
+                      <a:pPr marL="447675" marR="0" lvl="2" indent="0" algn="l" defTabSz="914400" rtl="0" eaLnBrk="1" fontAlgn="base" latinLnBrk="0" hangingPunct="1">
+                        <a:lnSpc>
+                          <a:spcPct val="100000"/>
+                        </a:lnSpc>
+                        <a:spcBef>
+                          <a:spcPct val="0"/>
+                        </a:spcBef>
+                        <a:spcAft>
+                          <a:spcPct val="0"/>
+                        </a:spcAft>
+                        <a:buClrTx/>
+                        <a:buSzTx/>
+                        <a:buFontTx/>
+                        <a:buNone/>
+                        <a:tabLst/>
+                      </a:pPr>
+                      <a:r>
+                        <a:rPr kumimoji="0" lang="es-PE" sz="1800" b="0" i="0" u="none" strike="noStrike" cap="none" normalizeH="0" baseline="0" smtClean="0">
+                          <a:ln>
+                            <a:noFill/>
+                          </a:ln>
+                          <a:solidFill>
+                            <a:schemeClr val="tx2"/>
+                          </a:solidFill>
+                          <a:effectLst/>
+                          <a:latin typeface="Candara" pitchFamily="34" charset="0"/>
+                        </a:rPr>
+                        <a:t>Para el ingreso de cláusula se deberá seleccionar el tipo de cláusula, ingresar la descripción y porcentaje de penalidad, luego de esto recién se agrega a la pantalla de “Agregar Contrato”.</a:t>
+                      </a:r>
+                      <a:endParaRPr kumimoji="0" lang="es-PE" sz="1800" b="0" i="1" u="none" strike="noStrike" cap="none" normalizeH="0" baseline="0" smtClean="0">
+                        <a:ln>
+                          <a:noFill/>
+                        </a:ln>
+                        <a:solidFill>
+                          <a:schemeClr val="tx2"/>
+                        </a:solidFill>
+                        <a:effectLst/>
+                        <a:latin typeface="Candara" pitchFamily="34" charset="0"/>
+                      </a:endParaRPr>
+                    </a:p>
+                    <a:p>
+                      <a:pPr marL="88900" marR="0" lvl="0" indent="-88900" algn="l" defTabSz="914400" rtl="0" eaLnBrk="1" fontAlgn="base" latinLnBrk="0" hangingPunct="1">
+                        <a:lnSpc>
+                          <a:spcPct val="100000"/>
+                        </a:lnSpc>
+                        <a:spcBef>
+                          <a:spcPct val="0"/>
+                        </a:spcBef>
+                        <a:spcAft>
+                          <a:spcPct val="0"/>
+                        </a:spcAft>
+                        <a:buClrTx/>
+                        <a:buSzTx/>
+                        <a:buFontTx/>
+                        <a:buNone/>
+                        <a:tabLst/>
+                      </a:pPr>
+                      <a:endParaRPr kumimoji="0" lang="es-ES" sz="1800" b="0" i="0" u="none" strike="noStrike" cap="none" normalizeH="0" baseline="0" smtClean="0">
+                        <a:ln>
+                          <a:noFill/>
+                        </a:ln>
+                        <a:solidFill>
+                          <a:schemeClr val="tx1"/>
+                        </a:solidFill>
+                        <a:effectLst/>
+                        <a:latin typeface="Candara" pitchFamily="34" charset="0"/>
+                      </a:endParaRPr>
+                    </a:p>
+                  </a:txBody>
+                  <a:tcPr horzOverflow="overflow">
+                    <a:lnL w="12700" cap="flat" cmpd="sng" algn="ctr">
+                      <a:solidFill>
+                        <a:schemeClr val="accent1"/>
+                      </a:solidFill>
+                      <a:prstDash val="solid"/>
+                      <a:round/>
+                      <a:headEnd type="none" w="med" len="med"/>
+                      <a:tailEnd type="none" w="med" len="med"/>
+                    </a:lnL>
+                    <a:lnR w="12700" cap="flat" cmpd="sng" algn="ctr">
+                      <a:solidFill>
+                        <a:schemeClr val="accent1"/>
+                      </a:solidFill>
+                      <a:prstDash val="solid"/>
+                      <a:round/>
+                      <a:headEnd type="none" w="med" len="med"/>
+                      <a:tailEnd type="none" w="med" len="med"/>
+                    </a:lnR>
+                    <a:lnT w="12700" cap="flat" cmpd="sng" algn="ctr">
+                      <a:solidFill>
+                        <a:schemeClr val="accent1"/>
+                      </a:solidFill>
+                      <a:prstDash val="solid"/>
+                      <a:round/>
+                      <a:headEnd type="none" w="med" len="med"/>
+                      <a:tailEnd type="none" w="med" len="med"/>
+                    </a:lnT>
+                    <a:lnB w="25400" cap="flat" cmpd="sng" algn="ctr">
+                      <a:solidFill>
+                        <a:schemeClr val="accent1"/>
+                      </a:solidFill>
+                      <a:prstDash val="solid"/>
+                      <a:round/>
+                      <a:headEnd type="none" w="med" len="med"/>
+                      <a:tailEnd type="none" w="med" len="med"/>
+                    </a:lnB>
+                    <a:lnTlToBr>
+                      <a:noFill/>
+                    </a:lnTlToBr>
+                    <a:lnBlToTr>
+                      <a:noFill/>
+                    </a:lnBlToTr>
+                    <a:noFill/>
+                  </a:tcPr>
+                </a:tc>
+              </a:tr>
+              <a:tr h="1062038">
+                <a:tc>
+                  <a:txBody>
+                    <a:bodyPr/>
+                    <a:lstStyle/>
+                    <a:p>
+                      <a:pPr marL="0" marR="0" lvl="1" indent="0" algn="l" defTabSz="914400" rtl="0" eaLnBrk="1" fontAlgn="base" latinLnBrk="0" hangingPunct="1">
+                        <a:lnSpc>
+                          <a:spcPct val="100000"/>
+                        </a:lnSpc>
+                        <a:spcBef>
+                          <a:spcPct val="0"/>
+                        </a:spcBef>
+                        <a:spcAft>
+                          <a:spcPct val="0"/>
+                        </a:spcAft>
+                        <a:buClrTx/>
+                        <a:buSzTx/>
+                        <a:buFontTx/>
+                        <a:buNone/>
+                        <a:tabLst/>
+                      </a:pPr>
+                      <a:r>
+                        <a:rPr kumimoji="0" lang="es-PE" sz="1800" b="1" i="0" u="none" strike="noStrike" cap="none" normalizeH="0" baseline="0" smtClean="0">
+                          <a:ln>
+                            <a:noFill/>
+                          </a:ln>
+                          <a:solidFill>
+                            <a:schemeClr val="tx1"/>
+                          </a:solidFill>
+                          <a:effectLst/>
+                          <a:latin typeface="Candara" pitchFamily="34" charset="0"/>
+                        </a:rPr>
+                        <a:t>Flujos Alternos</a:t>
+                      </a:r>
+                    </a:p>
+                    <a:p>
+                      <a:pPr marL="0" marR="0" lvl="0" indent="0" algn="l" defTabSz="914400" rtl="0" eaLnBrk="1" fontAlgn="base" latinLnBrk="0" hangingPunct="1">
+                        <a:lnSpc>
+                          <a:spcPct val="100000"/>
+                        </a:lnSpc>
+                        <a:spcBef>
+                          <a:spcPct val="0"/>
+                        </a:spcBef>
+                        <a:spcAft>
+                          <a:spcPct val="0"/>
+                        </a:spcAft>
+                        <a:buClrTx/>
+                        <a:buSzTx/>
+                        <a:buFontTx/>
+                        <a:buNone/>
+                        <a:tabLst/>
+                      </a:pPr>
+                      <a:endParaRPr kumimoji="0" lang="es-PE" sz="1800" b="0" i="0" u="none" strike="noStrike" cap="none" normalizeH="0" baseline="0" smtClean="0">
+                        <a:ln>
+                          <a:noFill/>
+                        </a:ln>
+                        <a:solidFill>
+                          <a:schemeClr val="tx1"/>
+                        </a:solidFill>
+                        <a:effectLst/>
+                        <a:latin typeface="Candara" pitchFamily="34" charset="0"/>
+                      </a:endParaRPr>
+                    </a:p>
+                  </a:txBody>
+                  <a:tcPr horzOverflow="overflow">
+                    <a:lnL w="12700" cap="flat" cmpd="sng" algn="ctr">
+                      <a:solidFill>
+                        <a:schemeClr val="accent1"/>
+                      </a:solidFill>
+                      <a:prstDash val="solid"/>
+                      <a:round/>
+                      <a:headEnd type="none" w="med" len="med"/>
+                      <a:tailEnd type="none" w="med" len="med"/>
+                    </a:lnL>
+                    <a:lnR w="12700" cap="flat" cmpd="sng" algn="ctr">
+                      <a:solidFill>
+                        <a:schemeClr val="accent1"/>
+                      </a:solidFill>
+                      <a:prstDash val="solid"/>
+                      <a:round/>
+                      <a:headEnd type="none" w="med" len="med"/>
+                      <a:tailEnd type="none" w="med" len="med"/>
+                    </a:lnR>
+                    <a:lnT w="25400" cap="flat" cmpd="sng" algn="ctr">
+                      <a:solidFill>
+                        <a:schemeClr val="accent1"/>
+                      </a:solidFill>
+                      <a:prstDash val="solid"/>
+                      <a:round/>
+                      <a:headEnd type="none" w="med" len="med"/>
+                      <a:tailEnd type="none" w="med" len="med"/>
+                    </a:lnT>
+                    <a:lnB w="12700" cap="flat" cmpd="sng" algn="ctr">
+                      <a:solidFill>
+                        <a:schemeClr val="accent1"/>
+                      </a:solidFill>
+                      <a:prstDash val="solid"/>
+                      <a:round/>
+                      <a:headEnd type="none" w="med" len="med"/>
+                      <a:tailEnd type="none" w="med" len="med"/>
+                    </a:lnB>
+                    <a:lnTlToBr>
+                      <a:noFill/>
+                    </a:lnTlToBr>
+                    <a:lnBlToTr>
+                      <a:noFill/>
+                    </a:lnBlToTr>
+                    <a:solidFill>
+                      <a:schemeClr val="accent1">
+                        <a:alpha val="20000"/>
+                      </a:schemeClr>
+                    </a:solidFill>
+                  </a:tcPr>
+                </a:tc>
+                <a:tc>
+                  <a:txBody>
+                    <a:bodyPr/>
+                    <a:lstStyle/>
+                    <a:p>
+                      <a:pPr marL="358775" marR="0" lvl="2" indent="0" algn="l" defTabSz="914400" rtl="0" eaLnBrk="0" fontAlgn="base" latinLnBrk="0" hangingPunct="0">
+                        <a:lnSpc>
+                          <a:spcPct val="100000"/>
+                        </a:lnSpc>
+                        <a:spcBef>
+                          <a:spcPct val="20000"/>
+                        </a:spcBef>
+                        <a:spcAft>
+                          <a:spcPct val="0"/>
+                        </a:spcAft>
+                        <a:buClr>
+                          <a:schemeClr val="accent1"/>
+                        </a:buClr>
+                        <a:buSzPct val="100000"/>
+                        <a:buFont typeface="Symbol" pitchFamily="18" charset="2"/>
+                        <a:buNone/>
+                        <a:tabLst/>
+                      </a:pPr>
+                      <a:r>
+                        <a:rPr kumimoji="0" lang="es-PE" sz="1800" b="0" i="0" u="none" strike="noStrike" cap="none" normalizeH="0" baseline="0" smtClean="0">
+                          <a:ln>
+                            <a:noFill/>
+                          </a:ln>
+                          <a:solidFill>
+                            <a:schemeClr val="tx2"/>
+                          </a:solidFill>
+                          <a:effectLst/>
+                          <a:latin typeface="Candara" pitchFamily="34" charset="0"/>
+                        </a:rPr>
+                        <a:t>Paso 2. No existe cliente</a:t>
+                      </a:r>
+                      <a:endParaRPr kumimoji="0" lang="es-PE" sz="1800" b="0" i="1" u="none" strike="noStrike" cap="none" normalizeH="0" baseline="0" smtClean="0">
+                        <a:ln>
+                          <a:noFill/>
+                        </a:ln>
+                        <a:solidFill>
+                          <a:schemeClr val="tx2"/>
+                        </a:solidFill>
+                        <a:effectLst/>
+                        <a:latin typeface="Candara" pitchFamily="34" charset="0"/>
+                      </a:endParaRPr>
+                    </a:p>
+                    <a:p>
+                      <a:pPr marL="0" marR="0" lvl="0" indent="0" algn="l" defTabSz="914400" rtl="0" eaLnBrk="0" fontAlgn="base" latinLnBrk="0" hangingPunct="0">
+                        <a:lnSpc>
+                          <a:spcPct val="100000"/>
+                        </a:lnSpc>
+                        <a:spcBef>
+                          <a:spcPct val="20000"/>
+                        </a:spcBef>
+                        <a:spcAft>
+                          <a:spcPct val="0"/>
+                        </a:spcAft>
+                        <a:buClr>
+                          <a:schemeClr val="accent1"/>
+                        </a:buClr>
+                        <a:buSzPct val="100000"/>
+                        <a:buFont typeface="Symbol" pitchFamily="18" charset="2"/>
+                        <a:buNone/>
+                        <a:tabLst/>
+                      </a:pPr>
+                      <a:r>
+                        <a:rPr kumimoji="0" lang="es-PE" sz="1800" b="0" i="0" u="none" strike="noStrike" cap="none" normalizeH="0" baseline="0" smtClean="0">
+                          <a:ln>
+                            <a:noFill/>
+                          </a:ln>
+                          <a:solidFill>
+                            <a:schemeClr val="tx2"/>
+                          </a:solidFill>
+                          <a:effectLst/>
+                          <a:latin typeface="Candara" pitchFamily="34" charset="0"/>
+                        </a:rPr>
+                        <a:t>Si en 2 no se encuentre registrado el Cliente se muestra el mensaje “No se encuentra Cliente registrado”.</a:t>
+                      </a:r>
+                      <a:endParaRPr kumimoji="0" lang="es-ES" sz="1800" b="0" i="0" u="none" strike="noStrike" cap="none" normalizeH="0" baseline="0" smtClean="0">
+                        <a:ln>
+                          <a:noFill/>
+                        </a:ln>
+                        <a:solidFill>
+                          <a:schemeClr val="tx1"/>
+                        </a:solidFill>
+                        <a:effectLst/>
+                        <a:latin typeface="Candara" pitchFamily="34" charset="0"/>
+                      </a:endParaRPr>
+                    </a:p>
+                  </a:txBody>
+                  <a:tcPr horzOverflow="overflow">
+                    <a:lnL w="12700" cap="flat" cmpd="sng" algn="ctr">
+                      <a:solidFill>
+                        <a:schemeClr val="accent1"/>
+                      </a:solidFill>
+                      <a:prstDash val="solid"/>
+                      <a:round/>
+                      <a:headEnd type="none" w="med" len="med"/>
+                      <a:tailEnd type="none" w="med" len="med"/>
+                    </a:lnL>
+                    <a:lnR w="12700" cap="flat" cmpd="sng" algn="ctr">
+                      <a:solidFill>
+                        <a:schemeClr val="accent1"/>
+                      </a:solidFill>
+                      <a:prstDash val="solid"/>
+                      <a:round/>
+                      <a:headEnd type="none" w="med" len="med"/>
+                      <a:tailEnd type="none" w="med" len="med"/>
+                    </a:lnR>
+                    <a:lnT w="25400" cap="flat" cmpd="sng" algn="ctr">
+                      <a:solidFill>
+                        <a:schemeClr val="accent1"/>
+                      </a:solidFill>
+                      <a:prstDash val="solid"/>
+                      <a:round/>
+                      <a:headEnd type="none" w="med" len="med"/>
+                      <a:tailEnd type="none" w="med" len="med"/>
+                    </a:lnT>
+                    <a:lnB w="12700" cap="flat" cmpd="sng" algn="ctr">
+                      <a:solidFill>
+                        <a:schemeClr val="accent1"/>
+                      </a:solidFill>
+                      <a:prstDash val="solid"/>
+                      <a:round/>
+                      <a:headEnd type="none" w="med" len="med"/>
+                      <a:tailEnd type="none" w="med" len="med"/>
+                    </a:lnB>
+                    <a:lnTlToBr>
+                      <a:noFill/>
+                    </a:lnTlToBr>
+                    <a:lnBlToTr>
+                      <a:noFill/>
+                    </a:lnBlToTr>
+                    <a:solidFill>
+                      <a:schemeClr val="accent1">
+                        <a:alpha val="20000"/>
+                      </a:schemeClr>
+                    </a:solidFill>
+                  </a:tcPr>
+                </a:tc>
+              </a:tr>
+              <a:tr h="795338">
+                <a:tc>
+                  <a:txBody>
+                    <a:bodyPr/>
+                    <a:lstStyle/>
+                    <a:p>
+                      <a:pPr marL="0" marR="0" lvl="0" indent="0" algn="l" defTabSz="914400" rtl="0" eaLnBrk="1" fontAlgn="base" latinLnBrk="0" hangingPunct="1">
+                        <a:lnSpc>
+                          <a:spcPct val="100000"/>
+                        </a:lnSpc>
+                        <a:spcBef>
+                          <a:spcPct val="0"/>
+                        </a:spcBef>
+                        <a:spcAft>
+                          <a:spcPct val="0"/>
+                        </a:spcAft>
+                        <a:buClrTx/>
+                        <a:buSzTx/>
+                        <a:buFontTx/>
+                        <a:buNone/>
+                        <a:tabLst/>
+                      </a:pPr>
+                      <a:r>
+                        <a:rPr kumimoji="0" lang="es-PE" sz="1800" b="1" i="0" u="none" strike="noStrike" cap="none" normalizeH="0" baseline="0" smtClean="0">
+                          <a:ln>
+                            <a:noFill/>
+                          </a:ln>
+                          <a:solidFill>
+                            <a:schemeClr val="tx1"/>
+                          </a:solidFill>
+                          <a:effectLst/>
+                          <a:latin typeface="Candara" pitchFamily="34" charset="0"/>
+                        </a:rPr>
+                        <a:t>Precondiciones</a:t>
+                      </a:r>
+                    </a:p>
+                    <a:p>
+                      <a:pPr marL="0" marR="0" lvl="0" indent="0" algn="l" defTabSz="914400" rtl="0" eaLnBrk="1" fontAlgn="base" latinLnBrk="0" hangingPunct="1">
+                        <a:lnSpc>
+                          <a:spcPct val="100000"/>
+                        </a:lnSpc>
+                        <a:spcBef>
+                          <a:spcPct val="0"/>
+                        </a:spcBef>
+                        <a:spcAft>
+                          <a:spcPct val="0"/>
+                        </a:spcAft>
+                        <a:buClrTx/>
+                        <a:buSzTx/>
+                        <a:buFontTx/>
+                        <a:buNone/>
+                        <a:tabLst/>
+                      </a:pPr>
+                      <a:endParaRPr kumimoji="0" lang="es-PE" sz="1800" b="0" i="0" u="none" strike="noStrike" cap="none" normalizeH="0" baseline="0" smtClean="0">
+                        <a:ln>
+                          <a:noFill/>
+                        </a:ln>
+                        <a:solidFill>
+                          <a:schemeClr val="tx1"/>
+                        </a:solidFill>
+                        <a:effectLst/>
+                        <a:latin typeface="Candara" pitchFamily="34" charset="0"/>
+                      </a:endParaRPr>
+                    </a:p>
+                  </a:txBody>
+                  <a:tcPr horzOverflow="overflow">
+                    <a:lnL w="12700" cap="flat" cmpd="sng" algn="ctr">
+                      <a:solidFill>
+                        <a:schemeClr val="accent1"/>
+                      </a:solidFill>
+                      <a:prstDash val="solid"/>
+                      <a:round/>
+                      <a:headEnd type="none" w="med" len="med"/>
+                      <a:tailEnd type="none" w="med" len="med"/>
+                    </a:lnL>
+                    <a:lnR w="12700" cap="flat" cmpd="sng" algn="ctr">
+                      <a:solidFill>
+                        <a:schemeClr val="accent1"/>
+                      </a:solidFill>
+                      <a:prstDash val="solid"/>
+                      <a:round/>
+                      <a:headEnd type="none" w="med" len="med"/>
+                      <a:tailEnd type="none" w="med" len="med"/>
+                    </a:lnR>
+                    <a:lnT w="12700" cap="flat" cmpd="sng" algn="ctr">
+                      <a:solidFill>
+                        <a:schemeClr val="accent1"/>
+                      </a:solidFill>
+                      <a:prstDash val="solid"/>
+                      <a:round/>
+                      <a:headEnd type="none" w="med" len="med"/>
+                      <a:tailEnd type="none" w="med" len="med"/>
+                    </a:lnT>
+                    <a:lnB w="12700" cap="flat" cmpd="sng" algn="ctr">
+                      <a:solidFill>
+                        <a:schemeClr val="accent1"/>
+                      </a:solidFill>
+                      <a:prstDash val="solid"/>
+                      <a:round/>
+                      <a:headEnd type="none" w="med" len="med"/>
+                      <a:tailEnd type="none" w="med" len="med"/>
+                    </a:lnB>
+                    <a:lnTlToBr>
+                      <a:noFill/>
+                    </a:lnTlToBr>
+                    <a:lnBlToTr>
+                      <a:noFill/>
+                    </a:lnBlToTr>
+                    <a:noFill/>
+                  </a:tcPr>
+                </a:tc>
+                <a:tc>
+                  <a:txBody>
+                    <a:bodyPr/>
+                    <a:lstStyle/>
+                    <a:p>
+                      <a:pPr marL="0" marR="0" lvl="0" indent="-457200" algn="l" defTabSz="914400" rtl="0" eaLnBrk="1" fontAlgn="base" latinLnBrk="0" hangingPunct="1">
+                        <a:lnSpc>
+                          <a:spcPct val="100000"/>
+                        </a:lnSpc>
+                        <a:spcBef>
+                          <a:spcPct val="0"/>
+                        </a:spcBef>
+                        <a:spcAft>
+                          <a:spcPct val="0"/>
+                        </a:spcAft>
+                        <a:buClrTx/>
+                        <a:buSzTx/>
+                        <a:buFontTx/>
+                        <a:buNone/>
+                        <a:tabLst/>
+                      </a:pPr>
+                      <a:endParaRPr kumimoji="0" lang="es-ES" sz="1800" b="0" i="0" u="none" strike="noStrike" cap="none" normalizeH="0" baseline="0" smtClean="0">
+                        <a:ln>
+                          <a:noFill/>
+                        </a:ln>
+                        <a:solidFill>
+                          <a:schemeClr val="tx1"/>
+                        </a:solidFill>
+                        <a:effectLst/>
+                        <a:latin typeface="Candara" pitchFamily="34" charset="0"/>
+                      </a:endParaRPr>
+                    </a:p>
+                  </a:txBody>
+                  <a:tcPr horzOverflow="overflow">
+                    <a:lnL w="12700" cap="flat" cmpd="sng" algn="ctr">
+                      <a:solidFill>
+                        <a:schemeClr val="accent1"/>
+                      </a:solidFill>
+                      <a:prstDash val="solid"/>
+                      <a:round/>
+                      <a:headEnd type="none" w="med" len="med"/>
+                      <a:tailEnd type="none" w="med" len="med"/>
+                    </a:lnL>
+                    <a:lnR w="12700" cap="flat" cmpd="sng" algn="ctr">
+                      <a:solidFill>
+                        <a:schemeClr val="accent1"/>
+                      </a:solidFill>
+                      <a:prstDash val="solid"/>
+                      <a:round/>
+                      <a:headEnd type="none" w="med" len="med"/>
+                      <a:tailEnd type="none" w="med" len="med"/>
+                    </a:lnR>
+                    <a:lnT w="12700" cap="flat" cmpd="sng" algn="ctr">
+                      <a:solidFill>
+                        <a:schemeClr val="accent1"/>
+                      </a:solidFill>
+                      <a:prstDash val="solid"/>
+                      <a:round/>
+                      <a:headEnd type="none" w="med" len="med"/>
+                      <a:tailEnd type="none" w="med" len="med"/>
+                    </a:lnT>
+                    <a:lnB w="12700" cap="flat" cmpd="sng" algn="ctr">
+                      <a:solidFill>
+                        <a:schemeClr val="accent1"/>
+                      </a:solidFill>
+                      <a:prstDash val="solid"/>
+                      <a:round/>
+                      <a:headEnd type="none" w="med" len="med"/>
+                      <a:tailEnd type="none" w="med" len="med"/>
+                    </a:lnB>
+                    <a:lnTlToBr>
+                      <a:noFill/>
+                    </a:lnTlToBr>
+                    <a:lnBlToTr>
+                      <a:noFill/>
+                    </a:lnBlToTr>
+                    <a:noFill/>
+                  </a:tcPr>
+                </a:tc>
+              </a:tr>
+              <a:tr h="682625">
+                <a:tc>
+                  <a:txBody>
+                    <a:bodyPr/>
+                    <a:lstStyle/>
+                    <a:p>
+                      <a:pPr marL="0" marR="0" lvl="0" indent="0" algn="l" defTabSz="914400" rtl="0" eaLnBrk="1" fontAlgn="base" latinLnBrk="0" hangingPunct="1">
+                        <a:lnSpc>
+                          <a:spcPct val="100000"/>
+                        </a:lnSpc>
+                        <a:spcBef>
+                          <a:spcPct val="0"/>
+                        </a:spcBef>
+                        <a:spcAft>
+                          <a:spcPct val="0"/>
+                        </a:spcAft>
+                        <a:buClrTx/>
+                        <a:buSzTx/>
+                        <a:buFontTx/>
+                        <a:buNone/>
+                        <a:tabLst/>
+                      </a:pPr>
+                      <a:r>
+                        <a:rPr kumimoji="0" lang="es-PE" sz="1800" b="1" i="0" u="none" strike="noStrike" cap="none" normalizeH="0" baseline="0" smtClean="0">
+                          <a:ln>
+                            <a:noFill/>
+                          </a:ln>
+                          <a:solidFill>
+                            <a:schemeClr val="tx1"/>
+                          </a:solidFill>
+                          <a:effectLst/>
+                          <a:latin typeface="Candara" pitchFamily="34" charset="0"/>
+                        </a:rPr>
+                        <a:t>Poscondiciones</a:t>
+                      </a:r>
+                      <a:endParaRPr kumimoji="0" lang="es-PE" sz="1800" b="0" i="0" u="none" strike="noStrike" cap="none" normalizeH="0" baseline="0" smtClean="0">
+                        <a:ln>
+                          <a:noFill/>
+                        </a:ln>
+                        <a:solidFill>
+                          <a:schemeClr val="tx1"/>
+                        </a:solidFill>
+                        <a:effectLst/>
+                        <a:latin typeface="Candara" pitchFamily="34" charset="0"/>
+                      </a:endParaRPr>
+                    </a:p>
+                  </a:txBody>
+                  <a:tcPr horzOverflow="overflow">
+                    <a:lnL w="12700" cap="flat" cmpd="sng" algn="ctr">
+                      <a:solidFill>
+                        <a:schemeClr val="accent1"/>
+                      </a:solidFill>
+                      <a:prstDash val="solid"/>
+                      <a:round/>
+                      <a:headEnd type="none" w="med" len="med"/>
+                      <a:tailEnd type="none" w="med" len="med"/>
+                    </a:lnL>
+                    <a:lnR w="12700" cap="flat" cmpd="sng" algn="ctr">
+                      <a:solidFill>
+                        <a:schemeClr val="accent1"/>
+                      </a:solidFill>
+                      <a:prstDash val="solid"/>
+                      <a:round/>
+                      <a:headEnd type="none" w="med" len="med"/>
+                      <a:tailEnd type="none" w="med" len="med"/>
+                    </a:lnR>
+                    <a:lnT w="12700" cap="flat" cmpd="sng" algn="ctr">
+                      <a:solidFill>
+                        <a:schemeClr val="accent1"/>
+                      </a:solidFill>
+                      <a:prstDash val="solid"/>
+                      <a:round/>
+                      <a:headEnd type="none" w="med" len="med"/>
+                      <a:tailEnd type="none" w="med" len="med"/>
+                    </a:lnT>
+                    <a:lnB w="12700" cap="flat" cmpd="sng" algn="ctr">
+                      <a:solidFill>
+                        <a:schemeClr val="accent1"/>
+                      </a:solidFill>
+                      <a:prstDash val="solid"/>
+                      <a:round/>
+                      <a:headEnd type="none" w="med" len="med"/>
+                      <a:tailEnd type="none" w="med" len="med"/>
+                    </a:lnB>
+                    <a:lnTlToBr>
+                      <a:noFill/>
+                    </a:lnTlToBr>
+                    <a:lnBlToTr>
+                      <a:noFill/>
+                    </a:lnBlToTr>
+                    <a:solidFill>
+                      <a:schemeClr val="accent1">
+                        <a:alpha val="20000"/>
+                      </a:schemeClr>
+                    </a:solidFill>
+                  </a:tcPr>
+                </a:tc>
+                <a:tc>
+                  <a:txBody>
+                    <a:bodyPr/>
+                    <a:lstStyle/>
+                    <a:p>
+                      <a:pPr marL="0" marR="0" lvl="0" indent="0" algn="l" defTabSz="914400" rtl="0" eaLnBrk="1" fontAlgn="base" latinLnBrk="0" hangingPunct="1">
+                        <a:lnSpc>
+                          <a:spcPct val="100000"/>
+                        </a:lnSpc>
+                        <a:spcBef>
+                          <a:spcPct val="0"/>
+                        </a:spcBef>
+                        <a:spcAft>
+                          <a:spcPct val="0"/>
+                        </a:spcAft>
+                        <a:buClrTx/>
+                        <a:buSzTx/>
+                        <a:buFontTx/>
+                        <a:buNone/>
+                        <a:tabLst/>
+                      </a:pPr>
+                      <a:r>
+                        <a:rPr kumimoji="0" lang="es-ES" sz="1800" b="0" i="0" u="none" strike="noStrike" cap="none" normalizeH="0" baseline="0" smtClean="0">
+                          <a:ln>
+                            <a:noFill/>
+                          </a:ln>
+                          <a:solidFill>
+                            <a:schemeClr val="tx2"/>
+                          </a:solidFill>
+                          <a:effectLst/>
+                          <a:latin typeface="Candara" pitchFamily="34" charset="0"/>
+                        </a:rPr>
+                        <a:t>Contrato creado</a:t>
+                      </a:r>
+                    </a:p>
+                  </a:txBody>
+                  <a:tcPr horzOverflow="overflow">
+                    <a:lnL w="12700" cap="flat" cmpd="sng" algn="ctr">
+                      <a:solidFill>
+                        <a:schemeClr val="accent1"/>
+                      </a:solidFill>
+                      <a:prstDash val="solid"/>
+                      <a:round/>
+                      <a:headEnd type="none" w="med" len="med"/>
+                      <a:tailEnd type="none" w="med" len="med"/>
+                    </a:lnL>
+                    <a:lnR w="12700" cap="flat" cmpd="sng" algn="ctr">
+                      <a:solidFill>
+                        <a:schemeClr val="accent1"/>
+                      </a:solidFill>
+                      <a:prstDash val="solid"/>
+                      <a:round/>
+                      <a:headEnd type="none" w="med" len="med"/>
+                      <a:tailEnd type="none" w="med" len="med"/>
+                    </a:lnR>
+                    <a:lnT w="12700" cap="flat" cmpd="sng" algn="ctr">
+                      <a:solidFill>
+                        <a:schemeClr val="accent1"/>
+                      </a:solidFill>
+                      <a:prstDash val="solid"/>
+                      <a:round/>
+                      <a:headEnd type="none" w="med" len="med"/>
+                      <a:tailEnd type="none" w="med" len="med"/>
+                    </a:lnT>
+                    <a:lnB w="12700" cap="flat" cmpd="sng" algn="ctr">
+                      <a:solidFill>
+                        <a:schemeClr val="accent1"/>
+                      </a:solidFill>
+                      <a:prstDash val="solid"/>
+                      <a:round/>
+                      <a:headEnd type="none" w="med" len="med"/>
+                      <a:tailEnd type="none" w="med" len="med"/>
+                    </a:lnB>
+                    <a:lnTlToBr>
+                      <a:noFill/>
+                    </a:lnTlToBr>
+                    <a:lnBlToTr>
+                      <a:noFill/>
+                    </a:lnBlToTr>
+                    <a:solidFill>
+                      <a:schemeClr val="accent1">
+                        <a:alpha val="20000"/>
+                      </a:schemeClr>
+                    </a:solidFill>
+                  </a:tcPr>
+                </a:tc>
+              </a:tr>
+              <a:tr h="682625">
+                <a:tc>
+                  <a:txBody>
+                    <a:bodyPr/>
+                    <a:lstStyle/>
+                    <a:p>
+                      <a:pPr marL="0" marR="0" lvl="0" indent="0" algn="l" defTabSz="914400" rtl="0" eaLnBrk="1" fontAlgn="base" latinLnBrk="0" hangingPunct="1">
+                        <a:lnSpc>
+                          <a:spcPct val="100000"/>
+                        </a:lnSpc>
+                        <a:spcBef>
+                          <a:spcPct val="0"/>
+                        </a:spcBef>
+                        <a:spcAft>
+                          <a:spcPct val="0"/>
+                        </a:spcAft>
+                        <a:buClrTx/>
+                        <a:buSzTx/>
+                        <a:buFontTx/>
+                        <a:buNone/>
+                        <a:tabLst/>
+                      </a:pPr>
+                      <a:r>
+                        <a:rPr kumimoji="0" lang="es-PE" sz="1800" b="1" i="0" u="none" strike="noStrike" cap="none" normalizeH="0" baseline="0" smtClean="0">
+                          <a:ln>
+                            <a:noFill/>
+                          </a:ln>
+                          <a:solidFill>
+                            <a:schemeClr val="tx1"/>
+                          </a:solidFill>
+                          <a:effectLst/>
+                          <a:latin typeface="Candara" pitchFamily="34" charset="0"/>
+                        </a:rPr>
+                        <a:t>Puntos de Extensión</a:t>
+                      </a:r>
+                      <a:endParaRPr kumimoji="0" lang="es-PE" sz="1800" b="0" i="0" u="none" strike="noStrike" cap="none" normalizeH="0" baseline="0" smtClean="0">
+                        <a:ln>
+                          <a:noFill/>
+                        </a:ln>
+                        <a:solidFill>
+                          <a:schemeClr val="tx1"/>
+                        </a:solidFill>
+                        <a:effectLst/>
+                        <a:latin typeface="Candara" pitchFamily="34" charset="0"/>
+                      </a:endParaRPr>
+                    </a:p>
+                  </a:txBody>
+                  <a:tcPr horzOverflow="overflow">
+                    <a:lnL w="12700" cap="flat" cmpd="sng" algn="ctr">
+                      <a:solidFill>
+                        <a:schemeClr val="accent1"/>
+                      </a:solidFill>
+                      <a:prstDash val="solid"/>
+                      <a:round/>
+                      <a:headEnd type="none" w="med" len="med"/>
+                      <a:tailEnd type="none" w="med" len="med"/>
+                    </a:lnL>
+                    <a:lnR w="12700" cap="flat" cmpd="sng" algn="ctr">
+                      <a:solidFill>
+                        <a:schemeClr val="accent1"/>
+                      </a:solidFill>
+                      <a:prstDash val="solid"/>
+                      <a:round/>
+                      <a:headEnd type="none" w="med" len="med"/>
+                      <a:tailEnd type="none" w="med" len="med"/>
+                    </a:lnR>
+                    <a:lnT w="12700" cap="flat" cmpd="sng" algn="ctr">
+                      <a:solidFill>
+                        <a:schemeClr val="accent1"/>
+                      </a:solidFill>
+                      <a:prstDash val="solid"/>
+                      <a:round/>
+                      <a:headEnd type="none" w="med" len="med"/>
+                      <a:tailEnd type="none" w="med" len="med"/>
+                    </a:lnT>
+                    <a:lnB w="12700" cap="flat" cmpd="sng" algn="ctr">
+                      <a:solidFill>
+                        <a:schemeClr val="accent1"/>
+                      </a:solidFill>
+                      <a:prstDash val="solid"/>
+                      <a:round/>
+                      <a:headEnd type="none" w="med" len="med"/>
+                      <a:tailEnd type="none" w="med" len="med"/>
+                    </a:lnB>
+                    <a:lnTlToBr>
+                      <a:noFill/>
+                    </a:lnTlToBr>
+                    <a:lnBlToTr>
+                      <a:noFill/>
+                    </a:lnBlToTr>
+                    <a:noFill/>
+                  </a:tcPr>
+                </a:tc>
+                <a:tc>
+                  <a:txBody>
+                    <a:bodyPr/>
+                    <a:lstStyle/>
+                    <a:p>
+                      <a:pPr marL="0" marR="0" lvl="0" indent="0" algn="l" defTabSz="914400" rtl="0" eaLnBrk="1" fontAlgn="base" latinLnBrk="0" hangingPunct="1">
+                        <a:lnSpc>
+                          <a:spcPct val="100000"/>
+                        </a:lnSpc>
+                        <a:spcBef>
+                          <a:spcPct val="0"/>
+                        </a:spcBef>
+                        <a:spcAft>
+                          <a:spcPct val="0"/>
+                        </a:spcAft>
+                        <a:buClrTx/>
+                        <a:buSzTx/>
+                        <a:buFontTx/>
+                        <a:buNone/>
+                        <a:tabLst/>
+                      </a:pPr>
+                      <a:r>
+                        <a:rPr kumimoji="0" lang="es-ES" sz="1800" b="0" i="0" u="none" strike="noStrike" cap="none" normalizeH="0" baseline="0" smtClean="0">
+                          <a:ln>
+                            <a:noFill/>
+                          </a:ln>
+                          <a:solidFill>
+                            <a:schemeClr val="tx2"/>
+                          </a:solidFill>
+                          <a:effectLst/>
+                          <a:latin typeface="Candara" pitchFamily="34" charset="0"/>
+                        </a:rPr>
+                        <a:t>No aplica</a:t>
+                      </a:r>
+                    </a:p>
+                  </a:txBody>
+                  <a:tcPr horzOverflow="overflow">
+                    <a:lnL w="12700" cap="flat" cmpd="sng" algn="ctr">
+                      <a:solidFill>
+                        <a:schemeClr val="accent1"/>
+                      </a:solidFill>
+                      <a:prstDash val="solid"/>
+                      <a:round/>
+                      <a:headEnd type="none" w="med" len="med"/>
+                      <a:tailEnd type="none" w="med" len="med"/>
+                    </a:lnL>
+                    <a:lnR w="12700" cap="flat" cmpd="sng" algn="ctr">
+                      <a:solidFill>
+                        <a:schemeClr val="accent1"/>
+                      </a:solidFill>
+                      <a:prstDash val="solid"/>
+                      <a:round/>
+                      <a:headEnd type="none" w="med" len="med"/>
+                      <a:tailEnd type="none" w="med" len="med"/>
+                    </a:lnR>
+                    <a:lnT w="12700" cap="flat" cmpd="sng" algn="ctr">
+                      <a:solidFill>
+                        <a:schemeClr val="accent1"/>
+                      </a:solidFill>
+                      <a:prstDash val="solid"/>
+                      <a:round/>
+                      <a:headEnd type="none" w="med" len="med"/>
+                      <a:tailEnd type="none" w="med" len="med"/>
+                    </a:lnT>
+                    <a:lnB w="12700" cap="flat" cmpd="sng" algn="ctr">
+                      <a:solidFill>
+                        <a:schemeClr val="accent1"/>
+                      </a:solidFill>
+                      <a:prstDash val="solid"/>
+                      <a:round/>
+                      <a:headEnd type="none" w="med" len="med"/>
+                      <a:tailEnd type="none" w="med" len="med"/>
+                    </a:lnB>
+                    <a:lnTlToBr>
+                      <a:noFill/>
+                    </a:lnTlToBr>
+                    <a:lnBlToTr>
+                      <a:noFill/>
+                    </a:lnBlToTr>
+                    <a:noFill/>
+                  </a:tcPr>
+                </a:tc>
+              </a:tr>
+            </a:tbl>
+          </a:graphicData>
+        </a:graphic>
+      </p:graphicFrame>
+      <p:sp>
+        <p:nvSpPr>
+          <p:cNvPr id="24598" name="Text Box 28"/>
+          <p:cNvSpPr txBox="1">
+            <a:spLocks noChangeArrowheads="1"/>
+          </p:cNvSpPr>
+          <p:nvPr/>
+        </p:nvSpPr>
+        <p:spPr bwMode="auto">
+          <a:xfrm>
+            <a:off x="3203575" y="4437063"/>
+            <a:ext cx="5472113" cy="641350"/>
+          </a:xfrm>
+          <a:prstGeom prst="rect">
+            <a:avLst/>
+          </a:prstGeom>
+          <a:noFill/>
+          <a:ln w="9525">
+            <a:noFill/>
+            <a:miter lim="800000"/>
+            <a:headEnd/>
+            <a:tailEnd/>
+          </a:ln>
+        </p:spPr>
+        <p:txBody>
+          <a:bodyPr>
+            <a:spAutoFit/>
+          </a:bodyPr>
+          <a:lstStyle/>
+          <a:p>
+            <a:pPr marL="2171700" lvl="4" indent="-342900"/>
+            <a:r>
+              <a:rPr lang="es-PE">
+                <a:solidFill>
+                  <a:schemeClr val="tx2"/>
+                </a:solidFill>
+                <a:latin typeface="Candara" pitchFamily="34" charset="0"/>
+              </a:rPr>
+              <a:t>Acceso al sistema del CC_AS00_Jefe_Legal </a:t>
+            </a:r>
+          </a:p>
+          <a:p>
+            <a:pPr marL="342900" indent="-342900"/>
+            <a:r>
+              <a:rPr lang="es-PE">
+                <a:solidFill>
+                  <a:schemeClr val="tx2"/>
+                </a:solidFill>
+                <a:latin typeface="Candara" pitchFamily="34" charset="0"/>
+              </a:rPr>
+              <a:t>El usuario CC_AS004_Jefe_Legal creó una sesión.</a:t>
+            </a:r>
+            <a:endParaRPr lang="es-ES">
+              <a:solidFill>
+                <a:schemeClr val="tx2"/>
+              </a:solidFill>
+              <a:latin typeface="Candara" pitchFamily="34" charset="0"/>
+            </a:endParaRPr>
           </a:p>
         </p:txBody>
       </p:sp>
@@ -16090,7 +17222,7 @@
       </p:grpSpPr>
       <p:sp>
         <p:nvSpPr>
-          <p:cNvPr id="44034" name="2 Título"/>
+          <p:cNvPr id="25601" name="2 Título"/>
           <p:cNvSpPr>
             <a:spLocks noGrp="1"/>
           </p:cNvSpPr>
@@ -16100,8 +17232,8 @@
         </p:nvSpPr>
         <p:spPr>
           <a:xfrm>
-            <a:off x="395288" y="404813"/>
-            <a:ext cx="8497887" cy="1252537"/>
+            <a:off x="468313" y="404813"/>
+            <a:ext cx="8229600" cy="1252537"/>
           </a:xfrm>
         </p:spPr>
         <p:txBody>
@@ -16115,11 +17247,765 @@
                   <a:schemeClr val="tx2"/>
                 </a:solidFill>
               </a:rPr>
-              <a:t>CC_CUS010_Agregar_Incumplimiento</a:t>
+              <a:t>CC_CUS012_Agregar_Adenda</a:t>
             </a:r>
           </a:p>
         </p:txBody>
       </p:sp>
+      <p:graphicFrame>
+        <p:nvGraphicFramePr>
+          <p:cNvPr id="25622" name="Group 22"/>
+          <p:cNvGraphicFramePr>
+            <a:graphicFrameLocks noGrp="1"/>
+          </p:cNvGraphicFramePr>
+          <p:nvPr/>
+        </p:nvGraphicFramePr>
+        <p:xfrm>
+          <a:off x="250825" y="2349500"/>
+          <a:ext cx="8642350" cy="3076575"/>
+        </p:xfrm>
+        <a:graphic>
+          <a:graphicData uri="http://schemas.openxmlformats.org/drawingml/2006/table">
+            <a:tbl>
+              <a:tblPr/>
+              <a:tblGrid>
+                <a:gridCol w="2724150"/>
+                <a:gridCol w="5918200"/>
+              </a:tblGrid>
+              <a:tr h="623888">
+                <a:tc>
+                  <a:txBody>
+                    <a:bodyPr/>
+                    <a:lstStyle/>
+                    <a:p>
+                      <a:pPr marL="0" marR="0" lvl="0" indent="0" algn="l" defTabSz="914400" rtl="0" eaLnBrk="1" fontAlgn="base" latinLnBrk="0" hangingPunct="1">
+                        <a:lnSpc>
+                          <a:spcPct val="100000"/>
+                        </a:lnSpc>
+                        <a:spcBef>
+                          <a:spcPct val="0"/>
+                        </a:spcBef>
+                        <a:spcAft>
+                          <a:spcPct val="0"/>
+                        </a:spcAft>
+                        <a:buClrTx/>
+                        <a:buSzTx/>
+                        <a:buFontTx/>
+                        <a:buNone/>
+                        <a:tabLst/>
+                      </a:pPr>
+                      <a:r>
+                        <a:rPr kumimoji="0" lang="en-US" sz="1800" b="1" i="0" u="none" strike="noStrike" cap="none" normalizeH="0" baseline="0" smtClean="0">
+                          <a:ln>
+                            <a:noFill/>
+                          </a:ln>
+                          <a:solidFill>
+                            <a:schemeClr val="tx1"/>
+                          </a:solidFill>
+                          <a:effectLst/>
+                          <a:latin typeface="Candara" pitchFamily="34" charset="0"/>
+                        </a:rPr>
+                        <a:t>Actores de Negocio</a:t>
+                      </a:r>
+                      <a:endParaRPr kumimoji="0" lang="es-PE" sz="1800" b="1" i="0" u="none" strike="noStrike" cap="none" normalizeH="0" baseline="0" smtClean="0">
+                        <a:ln>
+                          <a:noFill/>
+                        </a:ln>
+                        <a:solidFill>
+                          <a:schemeClr val="tx1"/>
+                        </a:solidFill>
+                        <a:effectLst/>
+                        <a:latin typeface="Candara" pitchFamily="34" charset="0"/>
+                      </a:endParaRPr>
+                    </a:p>
+                  </a:txBody>
+                  <a:tcPr horzOverflow="overflow">
+                    <a:lnL w="12700" cap="flat" cmpd="sng" algn="ctr">
+                      <a:solidFill>
+                        <a:schemeClr val="accent1"/>
+                      </a:solidFill>
+                      <a:prstDash val="solid"/>
+                      <a:round/>
+                      <a:headEnd type="none" w="med" len="med"/>
+                      <a:tailEnd type="none" w="med" len="med"/>
+                    </a:lnL>
+                    <a:lnR w="12700" cap="flat" cmpd="sng" algn="ctr">
+                      <a:solidFill>
+                        <a:schemeClr val="accent1"/>
+                      </a:solidFill>
+                      <a:prstDash val="solid"/>
+                      <a:round/>
+                      <a:headEnd type="none" w="med" len="med"/>
+                      <a:tailEnd type="none" w="med" len="med"/>
+                    </a:lnR>
+                    <a:lnT w="12700" cap="flat" cmpd="sng" algn="ctr">
+                      <a:solidFill>
+                        <a:schemeClr val="accent1"/>
+                      </a:solidFill>
+                      <a:prstDash val="solid"/>
+                      <a:round/>
+                      <a:headEnd type="none" w="med" len="med"/>
+                      <a:tailEnd type="none" w="med" len="med"/>
+                    </a:lnT>
+                    <a:lnB w="25400" cap="flat" cmpd="sng" algn="ctr">
+                      <a:solidFill>
+                        <a:schemeClr val="accent1"/>
+                      </a:solidFill>
+                      <a:prstDash val="solid"/>
+                      <a:round/>
+                      <a:headEnd type="none" w="med" len="med"/>
+                      <a:tailEnd type="none" w="med" len="med"/>
+                    </a:lnB>
+                    <a:lnTlToBr>
+                      <a:noFill/>
+                    </a:lnTlToBr>
+                    <a:lnBlToTr>
+                      <a:noFill/>
+                    </a:lnBlToTr>
+                    <a:noFill/>
+                  </a:tcPr>
+                </a:tc>
+                <a:tc>
+                  <a:txBody>
+                    <a:bodyPr/>
+                    <a:lstStyle/>
+                    <a:p>
+                      <a:pPr marL="0" marR="0" lvl="0" indent="0" algn="l" defTabSz="914400" rtl="0" eaLnBrk="1" fontAlgn="base" latinLnBrk="0" hangingPunct="1">
+                        <a:lnSpc>
+                          <a:spcPct val="100000"/>
+                        </a:lnSpc>
+                        <a:spcBef>
+                          <a:spcPct val="0"/>
+                        </a:spcBef>
+                        <a:spcAft>
+                          <a:spcPct val="0"/>
+                        </a:spcAft>
+                        <a:buClrTx/>
+                        <a:buSzTx/>
+                        <a:buFontTx/>
+                        <a:buNone/>
+                        <a:tabLst/>
+                      </a:pPr>
+                      <a:r>
+                        <a:rPr kumimoji="0" lang="es-PE" sz="1800" b="0" i="0" u="none" strike="noStrike" cap="none" normalizeH="0" baseline="0" smtClean="0">
+                          <a:ln>
+                            <a:noFill/>
+                          </a:ln>
+                          <a:solidFill>
+                            <a:schemeClr val="tx2"/>
+                          </a:solidFill>
+                          <a:effectLst/>
+                          <a:latin typeface="Candara" pitchFamily="34" charset="0"/>
+                        </a:rPr>
+                        <a:t>CC_AS004_Jefe_Legal</a:t>
+                      </a:r>
+                      <a:r>
+                        <a:rPr kumimoji="0" lang="es-ES" sz="1800" b="0" i="0" u="none" strike="noStrike" cap="none" normalizeH="0" baseline="0" smtClean="0">
+                          <a:ln>
+                            <a:noFill/>
+                          </a:ln>
+                          <a:solidFill>
+                            <a:schemeClr val="tx2"/>
+                          </a:solidFill>
+                          <a:effectLst/>
+                          <a:latin typeface="Candara" pitchFamily="34" charset="0"/>
+                        </a:rPr>
+                        <a:t> </a:t>
+                      </a:r>
+                    </a:p>
+                  </a:txBody>
+                  <a:tcPr horzOverflow="overflow">
+                    <a:lnL w="12700" cap="flat" cmpd="sng" algn="ctr">
+                      <a:solidFill>
+                        <a:schemeClr val="accent1"/>
+                      </a:solidFill>
+                      <a:prstDash val="solid"/>
+                      <a:round/>
+                      <a:headEnd type="none" w="med" len="med"/>
+                      <a:tailEnd type="none" w="med" len="med"/>
+                    </a:lnL>
+                    <a:lnR w="12700" cap="flat" cmpd="sng" algn="ctr">
+                      <a:solidFill>
+                        <a:schemeClr val="accent1"/>
+                      </a:solidFill>
+                      <a:prstDash val="solid"/>
+                      <a:round/>
+                      <a:headEnd type="none" w="med" len="med"/>
+                      <a:tailEnd type="none" w="med" len="med"/>
+                    </a:lnR>
+                    <a:lnT w="12700" cap="flat" cmpd="sng" algn="ctr">
+                      <a:solidFill>
+                        <a:schemeClr val="accent1"/>
+                      </a:solidFill>
+                      <a:prstDash val="solid"/>
+                      <a:round/>
+                      <a:headEnd type="none" w="med" len="med"/>
+                      <a:tailEnd type="none" w="med" len="med"/>
+                    </a:lnT>
+                    <a:lnB w="25400" cap="flat" cmpd="sng" algn="ctr">
+                      <a:solidFill>
+                        <a:schemeClr val="accent1"/>
+                      </a:solidFill>
+                      <a:prstDash val="solid"/>
+                      <a:round/>
+                      <a:headEnd type="none" w="med" len="med"/>
+                      <a:tailEnd type="none" w="med" len="med"/>
+                    </a:lnB>
+                    <a:lnTlToBr>
+                      <a:noFill/>
+                    </a:lnTlToBr>
+                    <a:lnBlToTr>
+                      <a:noFill/>
+                    </a:lnBlToTr>
+                    <a:noFill/>
+                  </a:tcPr>
+                </a:tc>
+              </a:tr>
+              <a:tr h="623888">
+                <a:tc>
+                  <a:txBody>
+                    <a:bodyPr/>
+                    <a:lstStyle/>
+                    <a:p>
+                      <a:pPr marL="0" marR="0" lvl="0" indent="0" algn="l" defTabSz="914400" rtl="0" eaLnBrk="1" fontAlgn="base" latinLnBrk="0" hangingPunct="1">
+                        <a:lnSpc>
+                          <a:spcPct val="100000"/>
+                        </a:lnSpc>
+                        <a:spcBef>
+                          <a:spcPct val="0"/>
+                        </a:spcBef>
+                        <a:spcAft>
+                          <a:spcPct val="0"/>
+                        </a:spcAft>
+                        <a:buClrTx/>
+                        <a:buSzTx/>
+                        <a:buFontTx/>
+                        <a:buNone/>
+                        <a:tabLst/>
+                      </a:pPr>
+                      <a:r>
+                        <a:rPr kumimoji="0" lang="es-PE" sz="1800" b="1" i="0" u="none" strike="noStrike" cap="none" normalizeH="0" baseline="0" smtClean="0">
+                          <a:ln>
+                            <a:noFill/>
+                          </a:ln>
+                          <a:solidFill>
+                            <a:schemeClr val="tx1"/>
+                          </a:solidFill>
+                          <a:effectLst/>
+                          <a:latin typeface="Candara" pitchFamily="34" charset="0"/>
+                        </a:rPr>
+                        <a:t>Propósito</a:t>
+                      </a:r>
+                    </a:p>
+                  </a:txBody>
+                  <a:tcPr horzOverflow="overflow">
+                    <a:lnL w="12700" cap="flat" cmpd="sng" algn="ctr">
+                      <a:solidFill>
+                        <a:schemeClr val="accent1"/>
+                      </a:solidFill>
+                      <a:prstDash val="solid"/>
+                      <a:round/>
+                      <a:headEnd type="none" w="med" len="med"/>
+                      <a:tailEnd type="none" w="med" len="med"/>
+                    </a:lnL>
+                    <a:lnR w="12700" cap="flat" cmpd="sng" algn="ctr">
+                      <a:solidFill>
+                        <a:schemeClr val="accent1"/>
+                      </a:solidFill>
+                      <a:prstDash val="solid"/>
+                      <a:round/>
+                      <a:headEnd type="none" w="med" len="med"/>
+                      <a:tailEnd type="none" w="med" len="med"/>
+                    </a:lnR>
+                    <a:lnT w="25400" cap="flat" cmpd="sng" algn="ctr">
+                      <a:solidFill>
+                        <a:schemeClr val="accent1"/>
+                      </a:solidFill>
+                      <a:prstDash val="solid"/>
+                      <a:round/>
+                      <a:headEnd type="none" w="med" len="med"/>
+                      <a:tailEnd type="none" w="med" len="med"/>
+                    </a:lnT>
+                    <a:lnB w="12700" cap="flat" cmpd="sng" algn="ctr">
+                      <a:solidFill>
+                        <a:schemeClr val="accent1"/>
+                      </a:solidFill>
+                      <a:prstDash val="solid"/>
+                      <a:round/>
+                      <a:headEnd type="none" w="med" len="med"/>
+                      <a:tailEnd type="none" w="med" len="med"/>
+                    </a:lnB>
+                    <a:lnTlToBr>
+                      <a:noFill/>
+                    </a:lnTlToBr>
+                    <a:lnBlToTr>
+                      <a:noFill/>
+                    </a:lnBlToTr>
+                    <a:solidFill>
+                      <a:schemeClr val="accent1">
+                        <a:alpha val="20000"/>
+                      </a:schemeClr>
+                    </a:solidFill>
+                  </a:tcPr>
+                </a:tc>
+                <a:tc>
+                  <a:txBody>
+                    <a:bodyPr/>
+                    <a:lstStyle/>
+                    <a:p>
+                      <a:pPr marL="0" marR="0" lvl="0" indent="0" algn="l" defTabSz="914400" rtl="0" eaLnBrk="1" fontAlgn="base" latinLnBrk="0" hangingPunct="1">
+                        <a:lnSpc>
+                          <a:spcPct val="100000"/>
+                        </a:lnSpc>
+                        <a:spcBef>
+                          <a:spcPct val="0"/>
+                        </a:spcBef>
+                        <a:spcAft>
+                          <a:spcPct val="0"/>
+                        </a:spcAft>
+                        <a:buClrTx/>
+                        <a:buSzTx/>
+                        <a:buFontTx/>
+                        <a:buNone/>
+                        <a:tabLst/>
+                      </a:pPr>
+                      <a:r>
+                        <a:rPr kumimoji="0" lang="es-PE" sz="1800" b="0" i="0" u="none" strike="noStrike" cap="none" normalizeH="0" baseline="0" smtClean="0">
+                          <a:ln>
+                            <a:noFill/>
+                          </a:ln>
+                          <a:solidFill>
+                            <a:schemeClr val="tx2"/>
+                          </a:solidFill>
+                          <a:effectLst/>
+                          <a:latin typeface="Candara" pitchFamily="34" charset="0"/>
+                        </a:rPr>
+                        <a:t>Registrar la addenda de un contrato que ya se encuentre en estado “Firmado”.</a:t>
+                      </a:r>
+                      <a:endParaRPr kumimoji="0" lang="es-ES" sz="1800" b="0" i="0" u="none" strike="noStrike" cap="none" normalizeH="0" baseline="0" smtClean="0">
+                        <a:ln>
+                          <a:noFill/>
+                        </a:ln>
+                        <a:solidFill>
+                          <a:schemeClr val="tx2"/>
+                        </a:solidFill>
+                        <a:effectLst/>
+                        <a:latin typeface="Candara" pitchFamily="34" charset="0"/>
+                      </a:endParaRPr>
+                    </a:p>
+                  </a:txBody>
+                  <a:tcPr horzOverflow="overflow">
+                    <a:lnL w="12700" cap="flat" cmpd="sng" algn="ctr">
+                      <a:solidFill>
+                        <a:schemeClr val="accent1"/>
+                      </a:solidFill>
+                      <a:prstDash val="solid"/>
+                      <a:round/>
+                      <a:headEnd type="none" w="med" len="med"/>
+                      <a:tailEnd type="none" w="med" len="med"/>
+                    </a:lnL>
+                    <a:lnR w="12700" cap="flat" cmpd="sng" algn="ctr">
+                      <a:solidFill>
+                        <a:schemeClr val="accent1"/>
+                      </a:solidFill>
+                      <a:prstDash val="solid"/>
+                      <a:round/>
+                      <a:headEnd type="none" w="med" len="med"/>
+                      <a:tailEnd type="none" w="med" len="med"/>
+                    </a:lnR>
+                    <a:lnT w="25400" cap="flat" cmpd="sng" algn="ctr">
+                      <a:solidFill>
+                        <a:schemeClr val="accent1"/>
+                      </a:solidFill>
+                      <a:prstDash val="solid"/>
+                      <a:round/>
+                      <a:headEnd type="none" w="med" len="med"/>
+                      <a:tailEnd type="none" w="med" len="med"/>
+                    </a:lnT>
+                    <a:lnB w="12700" cap="flat" cmpd="sng" algn="ctr">
+                      <a:solidFill>
+                        <a:schemeClr val="accent1"/>
+                      </a:solidFill>
+                      <a:prstDash val="solid"/>
+                      <a:round/>
+                      <a:headEnd type="none" w="med" len="med"/>
+                      <a:tailEnd type="none" w="med" len="med"/>
+                    </a:lnB>
+                    <a:lnTlToBr>
+                      <a:noFill/>
+                    </a:lnTlToBr>
+                    <a:lnBlToTr>
+                      <a:noFill/>
+                    </a:lnBlToTr>
+                    <a:solidFill>
+                      <a:schemeClr val="accent1">
+                        <a:alpha val="20000"/>
+                      </a:schemeClr>
+                    </a:solidFill>
+                  </a:tcPr>
+                </a:tc>
+              </a:tr>
+              <a:tr h="623888">
+                <a:tc>
+                  <a:txBody>
+                    <a:bodyPr/>
+                    <a:lstStyle/>
+                    <a:p>
+                      <a:pPr marL="0" marR="0" lvl="0" indent="0" algn="l" defTabSz="914400" rtl="0" eaLnBrk="1" fontAlgn="base" latinLnBrk="0" hangingPunct="1">
+                        <a:lnSpc>
+                          <a:spcPct val="100000"/>
+                        </a:lnSpc>
+                        <a:spcBef>
+                          <a:spcPct val="0"/>
+                        </a:spcBef>
+                        <a:spcAft>
+                          <a:spcPct val="0"/>
+                        </a:spcAft>
+                        <a:buClrTx/>
+                        <a:buSzTx/>
+                        <a:buFontTx/>
+                        <a:buNone/>
+                        <a:tabLst/>
+                      </a:pPr>
+                      <a:r>
+                        <a:rPr kumimoji="0" lang="es-PE" sz="1800" b="1" i="0" u="none" strike="noStrike" cap="none" normalizeH="0" baseline="0" smtClean="0">
+                          <a:ln>
+                            <a:noFill/>
+                          </a:ln>
+                          <a:solidFill>
+                            <a:schemeClr val="tx1"/>
+                          </a:solidFill>
+                          <a:effectLst/>
+                          <a:latin typeface="Candara" pitchFamily="34" charset="0"/>
+                        </a:rPr>
+                        <a:t>Breve Descripción</a:t>
+                      </a:r>
+                    </a:p>
+                  </a:txBody>
+                  <a:tcPr horzOverflow="overflow">
+                    <a:lnL w="12700" cap="flat" cmpd="sng" algn="ctr">
+                      <a:solidFill>
+                        <a:schemeClr val="accent1"/>
+                      </a:solidFill>
+                      <a:prstDash val="solid"/>
+                      <a:round/>
+                      <a:headEnd type="none" w="med" len="med"/>
+                      <a:tailEnd type="none" w="med" len="med"/>
+                    </a:lnL>
+                    <a:lnR w="12700" cap="flat" cmpd="sng" algn="ctr">
+                      <a:solidFill>
+                        <a:schemeClr val="accent1"/>
+                      </a:solidFill>
+                      <a:prstDash val="solid"/>
+                      <a:round/>
+                      <a:headEnd type="none" w="med" len="med"/>
+                      <a:tailEnd type="none" w="med" len="med"/>
+                    </a:lnR>
+                    <a:lnT w="12700" cap="flat" cmpd="sng" algn="ctr">
+                      <a:solidFill>
+                        <a:schemeClr val="accent1"/>
+                      </a:solidFill>
+                      <a:prstDash val="solid"/>
+                      <a:round/>
+                      <a:headEnd type="none" w="med" len="med"/>
+                      <a:tailEnd type="none" w="med" len="med"/>
+                    </a:lnT>
+                    <a:lnB w="12700" cap="flat" cmpd="sng" algn="ctr">
+                      <a:solidFill>
+                        <a:schemeClr val="accent1"/>
+                      </a:solidFill>
+                      <a:prstDash val="solid"/>
+                      <a:round/>
+                      <a:headEnd type="none" w="med" len="med"/>
+                      <a:tailEnd type="none" w="med" len="med"/>
+                    </a:lnB>
+                    <a:lnTlToBr>
+                      <a:noFill/>
+                    </a:lnTlToBr>
+                    <a:lnBlToTr>
+                      <a:noFill/>
+                    </a:lnBlToTr>
+                    <a:noFill/>
+                  </a:tcPr>
+                </a:tc>
+                <a:tc>
+                  <a:txBody>
+                    <a:bodyPr/>
+                    <a:lstStyle/>
+                    <a:p>
+                      <a:pPr marL="0" marR="0" lvl="0" indent="0" algn="just" defTabSz="914400" rtl="0" eaLnBrk="1" fontAlgn="base" latinLnBrk="0" hangingPunct="1">
+                        <a:lnSpc>
+                          <a:spcPct val="100000"/>
+                        </a:lnSpc>
+                        <a:spcBef>
+                          <a:spcPct val="0"/>
+                        </a:spcBef>
+                        <a:spcAft>
+                          <a:spcPct val="0"/>
+                        </a:spcAft>
+                        <a:buClrTx/>
+                        <a:buSzTx/>
+                        <a:buFontTx/>
+                        <a:buNone/>
+                        <a:tabLst/>
+                      </a:pPr>
+                      <a:r>
+                        <a:rPr kumimoji="0" lang="es-PE" sz="1800" b="0" i="0" u="none" strike="noStrike" cap="none" normalizeH="0" baseline="0" smtClean="0">
+                          <a:ln>
+                            <a:noFill/>
+                          </a:ln>
+                          <a:solidFill>
+                            <a:schemeClr val="tx2"/>
+                          </a:solidFill>
+                          <a:effectLst/>
+                          <a:latin typeface="Candara" pitchFamily="34" charset="0"/>
+                        </a:rPr>
+                        <a:t>El caso de uso comienza cuando el CC_AS004_Jefe_Legal requiere registrar una adenda para ello selecciona la opción Agregar Addenda. El caso de uso termina cuando se registra la creación de la addenda.</a:t>
+                      </a:r>
+                      <a:endParaRPr kumimoji="0" lang="es-ES" sz="1800" b="0" i="0" u="none" strike="noStrike" cap="none" normalizeH="0" baseline="0" smtClean="0">
+                        <a:ln>
+                          <a:noFill/>
+                        </a:ln>
+                        <a:solidFill>
+                          <a:schemeClr val="tx2"/>
+                        </a:solidFill>
+                        <a:effectLst/>
+                        <a:latin typeface="Candara" pitchFamily="34" charset="0"/>
+                      </a:endParaRPr>
+                    </a:p>
+                  </a:txBody>
+                  <a:tcPr horzOverflow="overflow">
+                    <a:lnL w="12700" cap="flat" cmpd="sng" algn="ctr">
+                      <a:solidFill>
+                        <a:schemeClr val="accent1"/>
+                      </a:solidFill>
+                      <a:prstDash val="solid"/>
+                      <a:round/>
+                      <a:headEnd type="none" w="med" len="med"/>
+                      <a:tailEnd type="none" w="med" len="med"/>
+                    </a:lnL>
+                    <a:lnR w="12700" cap="flat" cmpd="sng" algn="ctr">
+                      <a:solidFill>
+                        <a:schemeClr val="accent1"/>
+                      </a:solidFill>
+                      <a:prstDash val="solid"/>
+                      <a:round/>
+                      <a:headEnd type="none" w="med" len="med"/>
+                      <a:tailEnd type="none" w="med" len="med"/>
+                    </a:lnR>
+                    <a:lnT w="12700" cap="flat" cmpd="sng" algn="ctr">
+                      <a:solidFill>
+                        <a:schemeClr val="accent1"/>
+                      </a:solidFill>
+                      <a:prstDash val="solid"/>
+                      <a:round/>
+                      <a:headEnd type="none" w="med" len="med"/>
+                      <a:tailEnd type="none" w="med" len="med"/>
+                    </a:lnT>
+                    <a:lnB w="12700" cap="flat" cmpd="sng" algn="ctr">
+                      <a:solidFill>
+                        <a:schemeClr val="accent1"/>
+                      </a:solidFill>
+                      <a:prstDash val="solid"/>
+                      <a:round/>
+                      <a:headEnd type="none" w="med" len="med"/>
+                      <a:tailEnd type="none" w="med" len="med"/>
+                    </a:lnB>
+                    <a:lnTlToBr>
+                      <a:noFill/>
+                    </a:lnTlToBr>
+                    <a:lnBlToTr>
+                      <a:noFill/>
+                    </a:lnBlToTr>
+                    <a:noFill/>
+                  </a:tcPr>
+                </a:tc>
+              </a:tr>
+              <a:tr h="623888">
+                <a:tc>
+                  <a:txBody>
+                    <a:bodyPr/>
+                    <a:lstStyle/>
+                    <a:p>
+                      <a:pPr marL="0" marR="0" lvl="0" indent="0" algn="l" defTabSz="914400" rtl="0" eaLnBrk="1" fontAlgn="base" latinLnBrk="0" hangingPunct="1">
+                        <a:lnSpc>
+                          <a:spcPct val="100000"/>
+                        </a:lnSpc>
+                        <a:spcBef>
+                          <a:spcPct val="0"/>
+                        </a:spcBef>
+                        <a:spcAft>
+                          <a:spcPct val="0"/>
+                        </a:spcAft>
+                        <a:buClrTx/>
+                        <a:buSzTx/>
+                        <a:buFontTx/>
+                        <a:buNone/>
+                        <a:tabLst/>
+                      </a:pPr>
+                      <a:r>
+                        <a:rPr kumimoji="0" lang="en-US" sz="1800" b="1" i="0" u="none" strike="noStrike" cap="none" normalizeH="0" baseline="0" smtClean="0">
+                          <a:ln>
+                            <a:noFill/>
+                          </a:ln>
+                          <a:solidFill>
+                            <a:schemeClr val="tx1"/>
+                          </a:solidFill>
+                          <a:effectLst/>
+                          <a:latin typeface="Candara" pitchFamily="34" charset="0"/>
+                        </a:rPr>
+                        <a:t>Flujo de Eventos</a:t>
+                      </a:r>
+                      <a:endParaRPr kumimoji="0" lang="es-PE" sz="1800" b="1" i="0" u="none" strike="noStrike" cap="none" normalizeH="0" baseline="0" smtClean="0">
+                        <a:ln>
+                          <a:noFill/>
+                        </a:ln>
+                        <a:solidFill>
+                          <a:schemeClr val="tx1"/>
+                        </a:solidFill>
+                        <a:effectLst/>
+                        <a:latin typeface="Candara" pitchFamily="34" charset="0"/>
+                      </a:endParaRPr>
+                    </a:p>
+                  </a:txBody>
+                  <a:tcPr horzOverflow="overflow">
+                    <a:lnL w="12700" cap="flat" cmpd="sng" algn="ctr">
+                      <a:solidFill>
+                        <a:schemeClr val="accent1"/>
+                      </a:solidFill>
+                      <a:prstDash val="solid"/>
+                      <a:round/>
+                      <a:headEnd type="none" w="med" len="med"/>
+                      <a:tailEnd type="none" w="med" len="med"/>
+                    </a:lnL>
+                    <a:lnR w="12700" cap="flat" cmpd="sng" algn="ctr">
+                      <a:solidFill>
+                        <a:schemeClr val="accent1"/>
+                      </a:solidFill>
+                      <a:prstDash val="solid"/>
+                      <a:round/>
+                      <a:headEnd type="none" w="med" len="med"/>
+                      <a:tailEnd type="none" w="med" len="med"/>
+                    </a:lnR>
+                    <a:lnT w="12700" cap="flat" cmpd="sng" algn="ctr">
+                      <a:solidFill>
+                        <a:schemeClr val="accent1"/>
+                      </a:solidFill>
+                      <a:prstDash val="solid"/>
+                      <a:round/>
+                      <a:headEnd type="none" w="med" len="med"/>
+                      <a:tailEnd type="none" w="med" len="med"/>
+                    </a:lnT>
+                    <a:lnB w="12700" cap="flat" cmpd="sng" algn="ctr">
+                      <a:solidFill>
+                        <a:schemeClr val="accent1"/>
+                      </a:solidFill>
+                      <a:prstDash val="solid"/>
+                      <a:round/>
+                      <a:headEnd type="none" w="med" len="med"/>
+                      <a:tailEnd type="none" w="med" len="med"/>
+                    </a:lnB>
+                    <a:lnTlToBr>
+                      <a:noFill/>
+                    </a:lnTlToBr>
+                    <a:lnBlToTr>
+                      <a:noFill/>
+                    </a:lnBlToTr>
+                    <a:solidFill>
+                      <a:schemeClr val="accent1">
+                        <a:alpha val="20000"/>
+                      </a:schemeClr>
+                    </a:solidFill>
+                  </a:tcPr>
+                </a:tc>
+                <a:tc>
+                  <a:txBody>
+                    <a:bodyPr/>
+                    <a:lstStyle/>
+                    <a:p>
+                      <a:pPr marL="0" marR="0" lvl="0" indent="0" algn="l" defTabSz="914400" rtl="0" eaLnBrk="1" fontAlgn="base" latinLnBrk="0" hangingPunct="1">
+                        <a:lnSpc>
+                          <a:spcPct val="100000"/>
+                        </a:lnSpc>
+                        <a:spcBef>
+                          <a:spcPct val="0"/>
+                        </a:spcBef>
+                        <a:spcAft>
+                          <a:spcPct val="0"/>
+                        </a:spcAft>
+                        <a:buClrTx/>
+                        <a:buSzTx/>
+                        <a:buFontTx/>
+                        <a:buNone/>
+                        <a:tabLst/>
+                      </a:pPr>
+                      <a:endParaRPr kumimoji="0" lang="es-ES" sz="1800" b="0" i="0" u="none" strike="noStrike" cap="none" normalizeH="0" baseline="0" smtClean="0">
+                        <a:ln>
+                          <a:noFill/>
+                        </a:ln>
+                        <a:solidFill>
+                          <a:schemeClr val="tx1"/>
+                        </a:solidFill>
+                        <a:effectLst/>
+                        <a:latin typeface="Candara" pitchFamily="34" charset="0"/>
+                      </a:endParaRPr>
+                    </a:p>
+                  </a:txBody>
+                  <a:tcPr horzOverflow="overflow">
+                    <a:lnL w="12700" cap="flat" cmpd="sng" algn="ctr">
+                      <a:solidFill>
+                        <a:schemeClr val="accent1"/>
+                      </a:solidFill>
+                      <a:prstDash val="solid"/>
+                      <a:round/>
+                      <a:headEnd type="none" w="med" len="med"/>
+                      <a:tailEnd type="none" w="med" len="med"/>
+                    </a:lnL>
+                    <a:lnR w="12700" cap="flat" cmpd="sng" algn="ctr">
+                      <a:solidFill>
+                        <a:schemeClr val="accent1"/>
+                      </a:solidFill>
+                      <a:prstDash val="solid"/>
+                      <a:round/>
+                      <a:headEnd type="none" w="med" len="med"/>
+                      <a:tailEnd type="none" w="med" len="med"/>
+                    </a:lnR>
+                    <a:lnT w="12700" cap="flat" cmpd="sng" algn="ctr">
+                      <a:solidFill>
+                        <a:schemeClr val="accent1"/>
+                      </a:solidFill>
+                      <a:prstDash val="solid"/>
+                      <a:round/>
+                      <a:headEnd type="none" w="med" len="med"/>
+                      <a:tailEnd type="none" w="med" len="med"/>
+                    </a:lnT>
+                    <a:lnB w="12700" cap="flat" cmpd="sng" algn="ctr">
+                      <a:solidFill>
+                        <a:schemeClr val="accent1"/>
+                      </a:solidFill>
+                      <a:prstDash val="solid"/>
+                      <a:round/>
+                      <a:headEnd type="none" w="med" len="med"/>
+                      <a:tailEnd type="none" w="med" len="med"/>
+                    </a:lnB>
+                    <a:lnTlToBr>
+                      <a:noFill/>
+                    </a:lnTlToBr>
+                    <a:lnBlToTr>
+                      <a:noFill/>
+                    </a:lnBlToTr>
+                    <a:solidFill>
+                      <a:schemeClr val="accent1">
+                        <a:alpha val="20000"/>
+                      </a:schemeClr>
+                    </a:solidFill>
+                  </a:tcPr>
+                </a:tc>
+              </a:tr>
+            </a:tbl>
+          </a:graphicData>
+        </a:graphic>
+      </p:graphicFrame>
     </p:spTree>
   </p:cSld>
   <p:clrMapOvr>
@@ -16154,7 +18040,4299 @@
       </p:grpSpPr>
       <p:sp>
         <p:nvSpPr>
-          <p:cNvPr id="20481" name="2 Título"/>
+          <p:cNvPr id="26625" name="2 Título"/>
+          <p:cNvSpPr>
+            <a:spLocks noGrp="1"/>
+          </p:cNvSpPr>
+          <p:nvPr>
+            <p:ph type="title" idx="4294967295"/>
+          </p:nvPr>
+        </p:nvSpPr>
+        <p:spPr>
+          <a:xfrm>
+            <a:off x="468313" y="404813"/>
+            <a:ext cx="8229600" cy="1252537"/>
+          </a:xfrm>
+        </p:spPr>
+        <p:txBody>
+          <a:bodyPr/>
+          <a:lstStyle/>
+          <a:p>
+            <a:pPr eaLnBrk="1" hangingPunct="1"/>
+            <a:r>
+              <a:rPr lang="es-PE" sz="4000" b="1" smtClean="0">
+                <a:solidFill>
+                  <a:schemeClr val="tx2"/>
+                </a:solidFill>
+              </a:rPr>
+              <a:t>CC_CUS012_Agregar_Adenda</a:t>
+            </a:r>
+          </a:p>
+        </p:txBody>
+      </p:sp>
+      <p:graphicFrame>
+        <p:nvGraphicFramePr>
+          <p:cNvPr id="26636" name="Group 12"/>
+          <p:cNvGraphicFramePr>
+            <a:graphicFrameLocks noGrp="1"/>
+          </p:cNvGraphicFramePr>
+          <p:nvPr/>
+        </p:nvGraphicFramePr>
+        <p:xfrm>
+          <a:off x="252413" y="1811338"/>
+          <a:ext cx="8640762" cy="4929187"/>
+        </p:xfrm>
+        <a:graphic>
+          <a:graphicData uri="http://schemas.openxmlformats.org/drawingml/2006/table">
+            <a:tbl>
+              <a:tblPr/>
+              <a:tblGrid>
+                <a:gridCol w="8640762"/>
+              </a:tblGrid>
+              <a:tr h="623888">
+                <a:tc>
+                  <a:txBody>
+                    <a:bodyPr/>
+                    <a:lstStyle/>
+                    <a:p>
+                      <a:pPr marL="342900" marR="0" lvl="2" indent="-342900" algn="l" defTabSz="914400" rtl="0" eaLnBrk="1" fontAlgn="base" latinLnBrk="0" hangingPunct="1">
+                        <a:lnSpc>
+                          <a:spcPct val="100000"/>
+                        </a:lnSpc>
+                        <a:spcBef>
+                          <a:spcPct val="0"/>
+                        </a:spcBef>
+                        <a:spcAft>
+                          <a:spcPct val="0"/>
+                        </a:spcAft>
+                        <a:buClrTx/>
+                        <a:buSzTx/>
+                        <a:buFontTx/>
+                        <a:buNone/>
+                        <a:tabLst/>
+                      </a:pPr>
+                      <a:r>
+                        <a:rPr kumimoji="0" lang="en-US" sz="1800" b="1" i="0" u="none" strike="noStrike" cap="none" normalizeH="0" baseline="0" smtClean="0">
+                          <a:ln>
+                            <a:noFill/>
+                          </a:ln>
+                          <a:solidFill>
+                            <a:schemeClr val="tx1"/>
+                          </a:solidFill>
+                          <a:effectLst/>
+                          <a:latin typeface="Candara" pitchFamily="34" charset="0"/>
+                        </a:rPr>
+                        <a:t>Flujo Básico</a:t>
+                      </a:r>
+                    </a:p>
+                    <a:p>
+                      <a:pPr marL="342900" marR="0" lvl="2" indent="-342900" algn="l" defTabSz="914400" rtl="0" eaLnBrk="1" fontAlgn="base" latinLnBrk="0" hangingPunct="1">
+                        <a:lnSpc>
+                          <a:spcPct val="100000"/>
+                        </a:lnSpc>
+                        <a:spcBef>
+                          <a:spcPct val="0"/>
+                        </a:spcBef>
+                        <a:spcAft>
+                          <a:spcPct val="0"/>
+                        </a:spcAft>
+                        <a:buClrTx/>
+                        <a:buSzTx/>
+                        <a:buFontTx/>
+                        <a:buNone/>
+                        <a:tabLst/>
+                      </a:pPr>
+                      <a:r>
+                        <a:rPr kumimoji="0" lang="en-US" sz="1800" b="1" i="0" u="none" strike="noStrike" cap="none" normalizeH="0" baseline="0" smtClean="0">
+                          <a:ln>
+                            <a:noFill/>
+                          </a:ln>
+                          <a:solidFill>
+                            <a:schemeClr val="tx2"/>
+                          </a:solidFill>
+                          <a:effectLst/>
+                          <a:latin typeface="Candara" pitchFamily="34" charset="0"/>
+                        </a:rPr>
+                        <a:t>Agregar Addenda</a:t>
+                      </a:r>
+                    </a:p>
+                    <a:p>
+                      <a:pPr marL="342900" marR="0" lvl="2" indent="-342900" algn="l" defTabSz="914400" rtl="0" eaLnBrk="0" fontAlgn="base" latinLnBrk="0" hangingPunct="0">
+                        <a:lnSpc>
+                          <a:spcPct val="100000"/>
+                        </a:lnSpc>
+                        <a:spcBef>
+                          <a:spcPct val="20000"/>
+                        </a:spcBef>
+                        <a:spcAft>
+                          <a:spcPct val="0"/>
+                        </a:spcAft>
+                        <a:buClr>
+                          <a:schemeClr val="accent1"/>
+                        </a:buClr>
+                        <a:buSzPct val="100000"/>
+                        <a:buFont typeface="Symbol" pitchFamily="18" charset="2"/>
+                        <a:buAutoNum type="arabicPeriod"/>
+                        <a:tabLst/>
+                      </a:pPr>
+                      <a:r>
+                        <a:rPr kumimoji="0" lang="es-PE" sz="1800" b="0" i="0" u="none" strike="noStrike" cap="none" normalizeH="0" baseline="0" smtClean="0">
+                          <a:ln>
+                            <a:noFill/>
+                          </a:ln>
+                          <a:solidFill>
+                            <a:schemeClr val="tx2"/>
+                          </a:solidFill>
+                          <a:effectLst/>
+                          <a:latin typeface="Candara" pitchFamily="34" charset="0"/>
+                        </a:rPr>
+                        <a:t>El caso de uso se inicia cuando el CC_AS004_Jefe_Legal selecciona la opción “Agregar Addenda”.</a:t>
+                      </a:r>
+                    </a:p>
+                    <a:p>
+                      <a:pPr marL="342900" marR="0" lvl="2" indent="-342900" algn="l" defTabSz="914400" rtl="0" eaLnBrk="0" fontAlgn="base" latinLnBrk="0" hangingPunct="0">
+                        <a:lnSpc>
+                          <a:spcPct val="100000"/>
+                        </a:lnSpc>
+                        <a:spcBef>
+                          <a:spcPct val="20000"/>
+                        </a:spcBef>
+                        <a:spcAft>
+                          <a:spcPct val="0"/>
+                        </a:spcAft>
+                        <a:buClr>
+                          <a:schemeClr val="accent1"/>
+                        </a:buClr>
+                        <a:buSzPct val="100000"/>
+                        <a:buFont typeface="Symbol" pitchFamily="18" charset="2"/>
+                        <a:buAutoNum type="arabicPeriod"/>
+                        <a:tabLst/>
+                      </a:pPr>
+                      <a:r>
+                        <a:rPr kumimoji="0" lang="es-PE" sz="1800" b="0" i="0" u="none" strike="noStrike" cap="none" normalizeH="0" baseline="0" smtClean="0">
+                          <a:ln>
+                            <a:noFill/>
+                          </a:ln>
+                          <a:solidFill>
+                            <a:schemeClr val="tx2"/>
+                          </a:solidFill>
+                          <a:effectLst/>
+                          <a:latin typeface="Candara" pitchFamily="34" charset="0"/>
+                        </a:rPr>
+                        <a:t>Se ingresa el Nro. de Contrato  para realizar su búsqueda y se elige la opción Buscar.</a:t>
+                      </a:r>
+                    </a:p>
+                    <a:p>
+                      <a:pPr marL="342900" marR="0" lvl="2" indent="-342900" algn="l" defTabSz="914400" rtl="0" eaLnBrk="0" fontAlgn="base" latinLnBrk="0" hangingPunct="0">
+                        <a:lnSpc>
+                          <a:spcPct val="100000"/>
+                        </a:lnSpc>
+                        <a:spcBef>
+                          <a:spcPct val="20000"/>
+                        </a:spcBef>
+                        <a:spcAft>
+                          <a:spcPct val="0"/>
+                        </a:spcAft>
+                        <a:buClr>
+                          <a:schemeClr val="accent1"/>
+                        </a:buClr>
+                        <a:buSzPct val="100000"/>
+                        <a:buFont typeface="Symbol" pitchFamily="18" charset="2"/>
+                        <a:buAutoNum type="arabicPeriod"/>
+                        <a:tabLst/>
+                      </a:pPr>
+                      <a:r>
+                        <a:rPr kumimoji="0" lang="es-PE" sz="1800" b="0" i="0" u="none" strike="noStrike" cap="none" normalizeH="0" baseline="0" smtClean="0">
+                          <a:ln>
+                            <a:noFill/>
+                          </a:ln>
+                          <a:solidFill>
+                            <a:schemeClr val="tx2"/>
+                          </a:solidFill>
+                          <a:effectLst/>
+                          <a:latin typeface="Candara" pitchFamily="34" charset="0"/>
+                        </a:rPr>
+                        <a:t>El sistema muestra la razón social del cliente, la fecha de inicio, fecha fin, descripción y el estado actual del contrato. </a:t>
+                      </a:r>
+                    </a:p>
+                    <a:p>
+                      <a:pPr marL="342900" marR="0" lvl="2" indent="-342900" algn="l" defTabSz="914400" rtl="0" eaLnBrk="0" fontAlgn="base" latinLnBrk="0" hangingPunct="0">
+                        <a:lnSpc>
+                          <a:spcPct val="100000"/>
+                        </a:lnSpc>
+                        <a:spcBef>
+                          <a:spcPct val="20000"/>
+                        </a:spcBef>
+                        <a:spcAft>
+                          <a:spcPct val="0"/>
+                        </a:spcAft>
+                        <a:buClr>
+                          <a:schemeClr val="accent1"/>
+                        </a:buClr>
+                        <a:buSzPct val="100000"/>
+                        <a:buFont typeface="Symbol" pitchFamily="18" charset="2"/>
+                        <a:buAutoNum type="arabicPeriod"/>
+                        <a:tabLst/>
+                      </a:pPr>
+                      <a:r>
+                        <a:rPr kumimoji="0" lang="es-PE" sz="1800" b="0" i="0" u="none" strike="noStrike" cap="none" normalizeH="0" baseline="0" smtClean="0">
+                          <a:ln>
+                            <a:noFill/>
+                          </a:ln>
+                          <a:solidFill>
+                            <a:schemeClr val="tx2"/>
+                          </a:solidFill>
+                          <a:effectLst/>
+                          <a:latin typeface="Candara" pitchFamily="34" charset="0"/>
+                        </a:rPr>
+                        <a:t>El CC_AS004_Jefe_Legal ingresa la descripción de la addenda.</a:t>
+                      </a:r>
+                    </a:p>
+                    <a:p>
+                      <a:pPr marL="342900" marR="0" lvl="2" indent="-342900" algn="l" defTabSz="914400" rtl="0" eaLnBrk="0" fontAlgn="base" latinLnBrk="0" hangingPunct="0">
+                        <a:lnSpc>
+                          <a:spcPct val="100000"/>
+                        </a:lnSpc>
+                        <a:spcBef>
+                          <a:spcPct val="20000"/>
+                        </a:spcBef>
+                        <a:spcAft>
+                          <a:spcPct val="0"/>
+                        </a:spcAft>
+                        <a:buClr>
+                          <a:schemeClr val="accent1"/>
+                        </a:buClr>
+                        <a:buSzPct val="100000"/>
+                        <a:buFont typeface="Symbol" pitchFamily="18" charset="2"/>
+                        <a:buAutoNum type="arabicPeriod"/>
+                        <a:tabLst/>
+                      </a:pPr>
+                      <a:r>
+                        <a:rPr kumimoji="0" lang="es-PE" sz="1800" b="0" i="0" u="none" strike="noStrike" cap="none" normalizeH="0" baseline="0" smtClean="0">
+                          <a:ln>
+                            <a:noFill/>
+                          </a:ln>
+                          <a:solidFill>
+                            <a:schemeClr val="tx2"/>
+                          </a:solidFill>
+                          <a:effectLst/>
+                          <a:latin typeface="Candara" pitchFamily="34" charset="0"/>
+                        </a:rPr>
+                        <a:t>El CC_AS004_Jefe_Legal ingresa la fecha en la que se generó la addenda.</a:t>
+                      </a:r>
+                    </a:p>
+                    <a:p>
+                      <a:pPr marL="342900" marR="0" lvl="2" indent="-342900" algn="l" defTabSz="914400" rtl="0" eaLnBrk="0" fontAlgn="base" latinLnBrk="0" hangingPunct="0">
+                        <a:lnSpc>
+                          <a:spcPct val="100000"/>
+                        </a:lnSpc>
+                        <a:spcBef>
+                          <a:spcPct val="20000"/>
+                        </a:spcBef>
+                        <a:spcAft>
+                          <a:spcPct val="0"/>
+                        </a:spcAft>
+                        <a:buClr>
+                          <a:schemeClr val="accent1"/>
+                        </a:buClr>
+                        <a:buSzPct val="100000"/>
+                        <a:buFont typeface="Symbol" pitchFamily="18" charset="2"/>
+                        <a:buAutoNum type="arabicPeriod"/>
+                        <a:tabLst/>
+                      </a:pPr>
+                      <a:r>
+                        <a:rPr kumimoji="0" lang="es-PE" sz="1800" b="0" i="0" u="none" strike="noStrike" cap="none" normalizeH="0" baseline="0" smtClean="0">
+                          <a:ln>
+                            <a:noFill/>
+                          </a:ln>
+                          <a:solidFill>
+                            <a:schemeClr val="tx2"/>
+                          </a:solidFill>
+                          <a:effectLst/>
+                          <a:latin typeface="Candara" pitchFamily="34" charset="0"/>
+                        </a:rPr>
+                        <a:t>El sistema permite agregar las cláusulas desde otra interfaz, asimismo le permitirá modificar o eliminar alguna cláusula del contrato.</a:t>
+                      </a:r>
+                    </a:p>
+                    <a:p>
+                      <a:pPr marL="342900" marR="0" lvl="2" indent="-342900" algn="l" defTabSz="914400" rtl="0" eaLnBrk="0" fontAlgn="base" latinLnBrk="0" hangingPunct="0">
+                        <a:lnSpc>
+                          <a:spcPct val="100000"/>
+                        </a:lnSpc>
+                        <a:spcBef>
+                          <a:spcPct val="20000"/>
+                        </a:spcBef>
+                        <a:spcAft>
+                          <a:spcPct val="0"/>
+                        </a:spcAft>
+                        <a:buClr>
+                          <a:schemeClr val="accent1"/>
+                        </a:buClr>
+                        <a:buSzPct val="100000"/>
+                        <a:buFont typeface="Symbol" pitchFamily="18" charset="2"/>
+                        <a:buAutoNum type="arabicPeriod"/>
+                        <a:tabLst/>
+                      </a:pPr>
+                      <a:r>
+                        <a:rPr kumimoji="0" lang="es-PE" sz="1800" b="0" i="0" u="none" strike="noStrike" cap="none" normalizeH="0" baseline="0" smtClean="0">
+                          <a:ln>
+                            <a:noFill/>
+                          </a:ln>
+                          <a:solidFill>
+                            <a:schemeClr val="tx2"/>
+                          </a:solidFill>
+                          <a:effectLst/>
+                          <a:latin typeface="Candara" pitchFamily="34" charset="0"/>
+                        </a:rPr>
+                        <a:t>El CC_AS004_Jefe_Legal ingresa las cláusulas con los datos: tipo de cláusula, número (correlativo de cláusula), descripción,  indicar si está sujeto a penalidad, el tipo de sanción y la sanción.</a:t>
+                      </a:r>
+                    </a:p>
+                    <a:p>
+                      <a:pPr marL="342900" marR="0" lvl="2" indent="-342900" algn="l" defTabSz="914400" rtl="0" eaLnBrk="0" fontAlgn="base" latinLnBrk="0" hangingPunct="0">
+                        <a:lnSpc>
+                          <a:spcPct val="100000"/>
+                        </a:lnSpc>
+                        <a:spcBef>
+                          <a:spcPct val="20000"/>
+                        </a:spcBef>
+                        <a:spcAft>
+                          <a:spcPct val="0"/>
+                        </a:spcAft>
+                        <a:buClr>
+                          <a:schemeClr val="accent1"/>
+                        </a:buClr>
+                        <a:buSzPct val="100000"/>
+                        <a:buFont typeface="Symbol" pitchFamily="18" charset="2"/>
+                        <a:buAutoNum type="arabicPeriod"/>
+                        <a:tabLst/>
+                      </a:pPr>
+                      <a:r>
+                        <a:rPr kumimoji="0" lang="es-PE" sz="1800" b="0" i="0" u="none" strike="noStrike" cap="none" normalizeH="0" baseline="0" smtClean="0">
+                          <a:ln>
+                            <a:noFill/>
+                          </a:ln>
+                          <a:solidFill>
+                            <a:schemeClr val="tx2"/>
+                          </a:solidFill>
+                          <a:effectLst/>
+                          <a:latin typeface="Candara" pitchFamily="34" charset="0"/>
+                        </a:rPr>
+                        <a:t>El CC_AS004_Jefe_Legal elige la opción grabar.</a:t>
+                      </a:r>
+                    </a:p>
+                  </a:txBody>
+                  <a:tcPr horzOverflow="overflow">
+                    <a:lnL w="12700" cap="flat" cmpd="sng" algn="ctr">
+                      <a:solidFill>
+                        <a:schemeClr val="accent1"/>
+                      </a:solidFill>
+                      <a:prstDash val="solid"/>
+                      <a:round/>
+                      <a:headEnd type="none" w="med" len="med"/>
+                      <a:tailEnd type="none" w="med" len="med"/>
+                    </a:lnL>
+                    <a:lnR w="12700" cap="flat" cmpd="sng" algn="ctr">
+                      <a:solidFill>
+                        <a:schemeClr val="accent1"/>
+                      </a:solidFill>
+                      <a:prstDash val="solid"/>
+                      <a:round/>
+                      <a:headEnd type="none" w="med" len="med"/>
+                      <a:tailEnd type="none" w="med" len="med"/>
+                    </a:lnR>
+                    <a:lnT w="12700" cap="flat" cmpd="sng" algn="ctr">
+                      <a:solidFill>
+                        <a:schemeClr val="accent1"/>
+                      </a:solidFill>
+                      <a:prstDash val="solid"/>
+                      <a:round/>
+                      <a:headEnd type="none" w="med" len="med"/>
+                      <a:tailEnd type="none" w="med" len="med"/>
+                    </a:lnT>
+                    <a:lnB w="25400" cap="flat" cmpd="sng" algn="ctr">
+                      <a:solidFill>
+                        <a:schemeClr val="accent1"/>
+                      </a:solidFill>
+                      <a:prstDash val="solid"/>
+                      <a:round/>
+                      <a:headEnd type="none" w="med" len="med"/>
+                      <a:tailEnd type="none" w="med" len="med"/>
+                    </a:lnB>
+                    <a:lnTlToBr>
+                      <a:noFill/>
+                    </a:lnTlToBr>
+                    <a:lnBlToTr>
+                      <a:noFill/>
+                    </a:lnBlToTr>
+                    <a:noFill/>
+                  </a:tcPr>
+                </a:tc>
+              </a:tr>
+            </a:tbl>
+          </a:graphicData>
+        </a:graphic>
+      </p:graphicFrame>
+    </p:spTree>
+  </p:cSld>
+  <p:clrMapOvr>
+    <a:masterClrMapping/>
+  </p:clrMapOvr>
+  <p:timing>
+    <p:tnLst>
+      <p:par>
+        <p:cTn id="1" dur="indefinite" restart="never" nodeType="tmRoot"/>
+      </p:par>
+    </p:tnLst>
+  </p:timing>
+</p:sld>
+</file>
+
+<file path=ppt/slides/slide13.xml><?xml version="1.0" encoding="utf-8"?>
+<p:sld xmlns:a="http://schemas.openxmlformats.org/drawingml/2006/main" xmlns:r="http://schemas.openxmlformats.org/officeDocument/2006/relationships" xmlns:p="http://schemas.openxmlformats.org/presentationml/2006/main">
+  <p:cSld>
+    <p:spTree>
+      <p:nvGrpSpPr>
+        <p:cNvPr id="1" name=""/>
+        <p:cNvGrpSpPr/>
+        <p:nvPr/>
+      </p:nvGrpSpPr>
+      <p:grpSpPr>
+        <a:xfrm>
+          <a:off x="0" y="0"/>
+          <a:ext cx="0" cy="0"/>
+          <a:chOff x="0" y="0"/>
+          <a:chExt cx="0" cy="0"/>
+        </a:xfrm>
+      </p:grpSpPr>
+      <p:sp>
+        <p:nvSpPr>
+          <p:cNvPr id="45058" name="2 Título"/>
+          <p:cNvSpPr>
+            <a:spLocks noGrp="1"/>
+          </p:cNvSpPr>
+          <p:nvPr>
+            <p:ph type="title" idx="4294967295"/>
+          </p:nvPr>
+        </p:nvSpPr>
+        <p:spPr>
+          <a:xfrm>
+            <a:off x="468313" y="404813"/>
+            <a:ext cx="8229600" cy="1252537"/>
+          </a:xfrm>
+        </p:spPr>
+        <p:txBody>
+          <a:bodyPr/>
+          <a:lstStyle/>
+          <a:p>
+            <a:pPr eaLnBrk="1" hangingPunct="1"/>
+            <a:r>
+              <a:rPr lang="es-PE" sz="4000" b="1" smtClean="0">
+                <a:solidFill>
+                  <a:schemeClr val="tx2"/>
+                </a:solidFill>
+              </a:rPr>
+              <a:t>CC_CUS012_Agregar_Adenda</a:t>
+            </a:r>
+          </a:p>
+        </p:txBody>
+      </p:sp>
+      <p:graphicFrame>
+        <p:nvGraphicFramePr>
+          <p:cNvPr id="45066" name="Group 10"/>
+          <p:cNvGraphicFramePr>
+            <a:graphicFrameLocks noGrp="1"/>
+          </p:cNvGraphicFramePr>
+          <p:nvPr/>
+        </p:nvGraphicFramePr>
+        <p:xfrm>
+          <a:off x="252413" y="1811338"/>
+          <a:ext cx="8640762" cy="2398712"/>
+        </p:xfrm>
+        <a:graphic>
+          <a:graphicData uri="http://schemas.openxmlformats.org/drawingml/2006/table">
+            <a:tbl>
+              <a:tblPr/>
+              <a:tblGrid>
+                <a:gridCol w="8640762"/>
+              </a:tblGrid>
+              <a:tr h="623888">
+                <a:tc>
+                  <a:txBody>
+                    <a:bodyPr/>
+                    <a:lstStyle/>
+                    <a:p>
+                      <a:pPr marL="342900" marR="0" lvl="2" indent="-342900" algn="l" defTabSz="914400" rtl="0" eaLnBrk="1" fontAlgn="base" latinLnBrk="0" hangingPunct="1">
+                        <a:lnSpc>
+                          <a:spcPct val="100000"/>
+                        </a:lnSpc>
+                        <a:spcBef>
+                          <a:spcPct val="0"/>
+                        </a:spcBef>
+                        <a:spcAft>
+                          <a:spcPct val="0"/>
+                        </a:spcAft>
+                        <a:buClrTx/>
+                        <a:buSzTx/>
+                        <a:buFontTx/>
+                        <a:buNone/>
+                        <a:tabLst/>
+                      </a:pPr>
+                      <a:r>
+                        <a:rPr kumimoji="0" lang="en-US" sz="1800" b="1" i="0" u="none" strike="noStrike" cap="none" normalizeH="0" baseline="0" smtClean="0">
+                          <a:ln>
+                            <a:noFill/>
+                          </a:ln>
+                          <a:solidFill>
+                            <a:schemeClr val="tx1"/>
+                          </a:solidFill>
+                          <a:effectLst/>
+                          <a:latin typeface="Candara" pitchFamily="34" charset="0"/>
+                        </a:rPr>
+                        <a:t>Flujo Básico</a:t>
+                      </a:r>
+                    </a:p>
+                    <a:p>
+                      <a:pPr marL="342900" marR="0" lvl="2" indent="-342900" algn="l" defTabSz="914400" rtl="0" eaLnBrk="0" fontAlgn="base" latinLnBrk="0" hangingPunct="0">
+                        <a:lnSpc>
+                          <a:spcPct val="100000"/>
+                        </a:lnSpc>
+                        <a:spcBef>
+                          <a:spcPct val="20000"/>
+                        </a:spcBef>
+                        <a:spcAft>
+                          <a:spcPct val="0"/>
+                        </a:spcAft>
+                        <a:buClr>
+                          <a:schemeClr val="accent1"/>
+                        </a:buClr>
+                        <a:buSzPct val="100000"/>
+                        <a:buFont typeface="Symbol" pitchFamily="18" charset="2"/>
+                        <a:buNone/>
+                        <a:tabLst/>
+                      </a:pPr>
+                      <a:r>
+                        <a:rPr kumimoji="0" lang="es-PE" sz="1800" b="1" i="0" u="none" strike="noStrike" cap="none" normalizeH="0" baseline="0" smtClean="0">
+                          <a:ln>
+                            <a:noFill/>
+                          </a:ln>
+                          <a:solidFill>
+                            <a:schemeClr val="accent1"/>
+                          </a:solidFill>
+                          <a:effectLst/>
+                          <a:latin typeface="Candara" pitchFamily="34" charset="0"/>
+                        </a:rPr>
+                        <a:t>9.</a:t>
+                      </a:r>
+                      <a:r>
+                        <a:rPr kumimoji="0" lang="es-PE" sz="1800" b="1" i="0" u="none" strike="noStrike" cap="none" normalizeH="0" baseline="0" smtClean="0">
+                          <a:ln>
+                            <a:noFill/>
+                          </a:ln>
+                          <a:solidFill>
+                            <a:schemeClr val="tx2"/>
+                          </a:solidFill>
+                          <a:effectLst/>
+                          <a:latin typeface="Candara" pitchFamily="34" charset="0"/>
+                        </a:rPr>
+                        <a:t> </a:t>
+                      </a:r>
+                      <a:r>
+                        <a:rPr kumimoji="0" lang="es-PE" sz="1800" b="0" i="0" u="none" strike="noStrike" cap="none" normalizeH="0" baseline="0" smtClean="0">
+                          <a:ln>
+                            <a:noFill/>
+                          </a:ln>
+                          <a:solidFill>
+                            <a:schemeClr val="tx2"/>
+                          </a:solidFill>
+                          <a:effectLst/>
+                          <a:latin typeface="Candara" pitchFamily="34" charset="0"/>
+                        </a:rPr>
+                        <a:t>El Sistema muestra la ventana de Confirmación “¿Está Seguro(a) de guardar registro?”</a:t>
+                      </a:r>
+                    </a:p>
+                    <a:p>
+                      <a:pPr marL="342900" marR="0" lvl="2" indent="-342900" algn="l" defTabSz="914400" rtl="0" eaLnBrk="0" fontAlgn="base" latinLnBrk="0" hangingPunct="0">
+                        <a:lnSpc>
+                          <a:spcPct val="100000"/>
+                        </a:lnSpc>
+                        <a:spcBef>
+                          <a:spcPct val="20000"/>
+                        </a:spcBef>
+                        <a:spcAft>
+                          <a:spcPct val="0"/>
+                        </a:spcAft>
+                        <a:buClr>
+                          <a:schemeClr val="accent1"/>
+                        </a:buClr>
+                        <a:buSzPct val="100000"/>
+                        <a:buFont typeface="Symbol" pitchFamily="18" charset="2"/>
+                        <a:buNone/>
+                        <a:tabLst/>
+                      </a:pPr>
+                      <a:r>
+                        <a:rPr kumimoji="0" lang="es-PE" sz="1800" b="0" i="0" u="none" strike="noStrike" cap="none" normalizeH="0" baseline="0" smtClean="0">
+                          <a:ln>
+                            <a:noFill/>
+                          </a:ln>
+                          <a:solidFill>
+                            <a:schemeClr val="accent1"/>
+                          </a:solidFill>
+                          <a:effectLst/>
+                          <a:latin typeface="Candara" pitchFamily="34" charset="0"/>
+                        </a:rPr>
+                        <a:t>10.</a:t>
+                      </a:r>
+                      <a:r>
+                        <a:rPr kumimoji="0" lang="es-PE" sz="1800" b="0" i="0" u="none" strike="noStrike" cap="none" normalizeH="0" baseline="0" smtClean="0">
+                          <a:ln>
+                            <a:noFill/>
+                          </a:ln>
+                          <a:solidFill>
+                            <a:schemeClr val="tx2"/>
+                          </a:solidFill>
+                          <a:effectLst/>
+                          <a:latin typeface="Candara" pitchFamily="34" charset="0"/>
+                        </a:rPr>
+                        <a:t> El CC_AS004_Jefe_Legal elige la opción SI de la Ventana de Confirmación. El Sistema muestra el mensaje “Se creó Contrato correctamente”. El caso de uso termina cuando se han ingresado los datos requeridos en el sistema y se procede a registrar la información de la addenda [CC_RN010_Generación_de_Adenda].</a:t>
+                      </a:r>
+                    </a:p>
+                  </a:txBody>
+                  <a:tcPr horzOverflow="overflow">
+                    <a:lnL w="12700" cap="flat" cmpd="sng" algn="ctr">
+                      <a:solidFill>
+                        <a:schemeClr val="accent1"/>
+                      </a:solidFill>
+                      <a:prstDash val="solid"/>
+                      <a:round/>
+                      <a:headEnd type="none" w="med" len="med"/>
+                      <a:tailEnd type="none" w="med" len="med"/>
+                    </a:lnL>
+                    <a:lnR w="12700" cap="flat" cmpd="sng" algn="ctr">
+                      <a:solidFill>
+                        <a:schemeClr val="accent1"/>
+                      </a:solidFill>
+                      <a:prstDash val="solid"/>
+                      <a:round/>
+                      <a:headEnd type="none" w="med" len="med"/>
+                      <a:tailEnd type="none" w="med" len="med"/>
+                    </a:lnR>
+                    <a:lnT w="12700" cap="flat" cmpd="sng" algn="ctr">
+                      <a:solidFill>
+                        <a:schemeClr val="accent1"/>
+                      </a:solidFill>
+                      <a:prstDash val="solid"/>
+                      <a:round/>
+                      <a:headEnd type="none" w="med" len="med"/>
+                      <a:tailEnd type="none" w="med" len="med"/>
+                    </a:lnT>
+                    <a:lnB w="25400" cap="flat" cmpd="sng" algn="ctr">
+                      <a:solidFill>
+                        <a:schemeClr val="accent1"/>
+                      </a:solidFill>
+                      <a:prstDash val="solid"/>
+                      <a:round/>
+                      <a:headEnd type="none" w="med" len="med"/>
+                      <a:tailEnd type="none" w="med" len="med"/>
+                    </a:lnB>
+                    <a:lnTlToBr>
+                      <a:noFill/>
+                    </a:lnTlToBr>
+                    <a:lnBlToTr>
+                      <a:noFill/>
+                    </a:lnBlToTr>
+                    <a:noFill/>
+                  </a:tcPr>
+                </a:tc>
+              </a:tr>
+            </a:tbl>
+          </a:graphicData>
+        </a:graphic>
+      </p:graphicFrame>
+    </p:spTree>
+  </p:cSld>
+  <p:clrMapOvr>
+    <a:masterClrMapping/>
+  </p:clrMapOvr>
+  <p:timing>
+    <p:tnLst>
+      <p:par>
+        <p:cTn id="1" dur="indefinite" restart="never" nodeType="tmRoot"/>
+      </p:par>
+    </p:tnLst>
+  </p:timing>
+</p:sld>
+</file>
+
+<file path=ppt/slides/slide14.xml><?xml version="1.0" encoding="utf-8"?>
+<p:sld xmlns:a="http://schemas.openxmlformats.org/drawingml/2006/main" xmlns:r="http://schemas.openxmlformats.org/officeDocument/2006/relationships" xmlns:p="http://schemas.openxmlformats.org/presentationml/2006/main">
+  <p:cSld>
+    <p:spTree>
+      <p:nvGrpSpPr>
+        <p:cNvPr id="1" name=""/>
+        <p:cNvGrpSpPr/>
+        <p:nvPr/>
+      </p:nvGrpSpPr>
+      <p:grpSpPr>
+        <a:xfrm>
+          <a:off x="0" y="0"/>
+          <a:ext cx="0" cy="0"/>
+          <a:chOff x="0" y="0"/>
+          <a:chExt cx="0" cy="0"/>
+        </a:xfrm>
+      </p:grpSpPr>
+      <p:sp>
+        <p:nvSpPr>
+          <p:cNvPr id="27649" name="2 Título"/>
+          <p:cNvSpPr>
+            <a:spLocks noGrp="1"/>
+          </p:cNvSpPr>
+          <p:nvPr>
+            <p:ph type="title" idx="4294967295"/>
+          </p:nvPr>
+        </p:nvSpPr>
+        <p:spPr>
+          <a:xfrm>
+            <a:off x="468313" y="404813"/>
+            <a:ext cx="8229600" cy="1252537"/>
+          </a:xfrm>
+        </p:spPr>
+        <p:txBody>
+          <a:bodyPr/>
+          <a:lstStyle/>
+          <a:p>
+            <a:pPr eaLnBrk="1" hangingPunct="1"/>
+            <a:r>
+              <a:rPr lang="es-PE" sz="4000" b="1" smtClean="0">
+                <a:solidFill>
+                  <a:schemeClr val="tx2"/>
+                </a:solidFill>
+              </a:rPr>
+              <a:t>CC_CUS012_Agregar_Adenda</a:t>
+            </a:r>
+          </a:p>
+        </p:txBody>
+      </p:sp>
+      <p:graphicFrame>
+        <p:nvGraphicFramePr>
+          <p:cNvPr id="27675" name="Group 27"/>
+          <p:cNvGraphicFramePr>
+            <a:graphicFrameLocks noGrp="1"/>
+          </p:cNvGraphicFramePr>
+          <p:nvPr/>
+        </p:nvGraphicFramePr>
+        <p:xfrm>
+          <a:off x="250825" y="2060575"/>
+          <a:ext cx="8642350" cy="3862388"/>
+        </p:xfrm>
+        <a:graphic>
+          <a:graphicData uri="http://schemas.openxmlformats.org/drawingml/2006/table">
+            <a:tbl>
+              <a:tblPr/>
+              <a:tblGrid>
+                <a:gridCol w="2881313"/>
+                <a:gridCol w="5761037"/>
+              </a:tblGrid>
+              <a:tr h="623888">
+                <a:tc>
+                  <a:txBody>
+                    <a:bodyPr/>
+                    <a:lstStyle/>
+                    <a:p>
+                      <a:pPr marL="0" marR="0" lvl="1" indent="0" algn="l" defTabSz="914400" rtl="0" eaLnBrk="1" fontAlgn="base" latinLnBrk="0" hangingPunct="1">
+                        <a:lnSpc>
+                          <a:spcPct val="100000"/>
+                        </a:lnSpc>
+                        <a:spcBef>
+                          <a:spcPct val="0"/>
+                        </a:spcBef>
+                        <a:spcAft>
+                          <a:spcPct val="0"/>
+                        </a:spcAft>
+                        <a:buClrTx/>
+                        <a:buSzTx/>
+                        <a:buFontTx/>
+                        <a:buNone/>
+                        <a:tabLst/>
+                      </a:pPr>
+                      <a:r>
+                        <a:rPr kumimoji="0" lang="es-PE" sz="1800" b="1" i="0" u="none" strike="noStrike" cap="none" normalizeH="0" baseline="0" smtClean="0">
+                          <a:ln>
+                            <a:noFill/>
+                          </a:ln>
+                          <a:solidFill>
+                            <a:schemeClr val="tx1"/>
+                          </a:solidFill>
+                          <a:effectLst/>
+                          <a:latin typeface="Candara" pitchFamily="34" charset="0"/>
+                        </a:rPr>
+                        <a:t>Subflujos</a:t>
+                      </a:r>
+                    </a:p>
+                    <a:p>
+                      <a:pPr marL="0" marR="0" lvl="0" indent="0" algn="l" defTabSz="914400" rtl="0" eaLnBrk="1" fontAlgn="base" latinLnBrk="0" hangingPunct="1">
+                        <a:lnSpc>
+                          <a:spcPct val="100000"/>
+                        </a:lnSpc>
+                        <a:spcBef>
+                          <a:spcPct val="0"/>
+                        </a:spcBef>
+                        <a:spcAft>
+                          <a:spcPct val="0"/>
+                        </a:spcAft>
+                        <a:buClrTx/>
+                        <a:buSzTx/>
+                        <a:buFontTx/>
+                        <a:buNone/>
+                        <a:tabLst/>
+                      </a:pPr>
+                      <a:endParaRPr kumimoji="0" lang="es-PE" sz="1800" b="0" i="0" u="none" strike="noStrike" cap="none" normalizeH="0" baseline="0" smtClean="0">
+                        <a:ln>
+                          <a:noFill/>
+                        </a:ln>
+                        <a:solidFill>
+                          <a:schemeClr val="tx1"/>
+                        </a:solidFill>
+                        <a:effectLst/>
+                        <a:latin typeface="Candara" pitchFamily="34" charset="0"/>
+                      </a:endParaRPr>
+                    </a:p>
+                  </a:txBody>
+                  <a:tcPr horzOverflow="overflow">
+                    <a:lnL w="12700" cap="flat" cmpd="sng" algn="ctr">
+                      <a:solidFill>
+                        <a:schemeClr val="accent1"/>
+                      </a:solidFill>
+                      <a:prstDash val="solid"/>
+                      <a:round/>
+                      <a:headEnd type="none" w="med" len="med"/>
+                      <a:tailEnd type="none" w="med" len="med"/>
+                    </a:lnL>
+                    <a:lnR w="12700" cap="flat" cmpd="sng" algn="ctr">
+                      <a:solidFill>
+                        <a:schemeClr val="accent1"/>
+                      </a:solidFill>
+                      <a:prstDash val="solid"/>
+                      <a:round/>
+                      <a:headEnd type="none" w="med" len="med"/>
+                      <a:tailEnd type="none" w="med" len="med"/>
+                    </a:lnR>
+                    <a:lnT w="12700" cap="flat" cmpd="sng" algn="ctr">
+                      <a:solidFill>
+                        <a:schemeClr val="accent1"/>
+                      </a:solidFill>
+                      <a:prstDash val="solid"/>
+                      <a:round/>
+                      <a:headEnd type="none" w="med" len="med"/>
+                      <a:tailEnd type="none" w="med" len="med"/>
+                    </a:lnT>
+                    <a:lnB w="25400" cap="flat" cmpd="sng" algn="ctr">
+                      <a:solidFill>
+                        <a:schemeClr val="accent1"/>
+                      </a:solidFill>
+                      <a:prstDash val="solid"/>
+                      <a:round/>
+                      <a:headEnd type="none" w="med" len="med"/>
+                      <a:tailEnd type="none" w="med" len="med"/>
+                    </a:lnB>
+                    <a:lnTlToBr>
+                      <a:noFill/>
+                    </a:lnTlToBr>
+                    <a:lnBlToTr>
+                      <a:noFill/>
+                    </a:lnBlToTr>
+                    <a:noFill/>
+                  </a:tcPr>
+                </a:tc>
+                <a:tc>
+                  <a:txBody>
+                    <a:bodyPr/>
+                    <a:lstStyle/>
+                    <a:p>
+                      <a:pPr marL="358775" marR="0" lvl="2" indent="0" algn="l" defTabSz="914400" rtl="0" eaLnBrk="0" fontAlgn="base" latinLnBrk="0" hangingPunct="0">
+                        <a:lnSpc>
+                          <a:spcPct val="100000"/>
+                        </a:lnSpc>
+                        <a:spcBef>
+                          <a:spcPct val="20000"/>
+                        </a:spcBef>
+                        <a:spcAft>
+                          <a:spcPct val="0"/>
+                        </a:spcAft>
+                        <a:buClr>
+                          <a:schemeClr val="accent1"/>
+                        </a:buClr>
+                        <a:buSzPct val="100000"/>
+                        <a:buFont typeface="Symbol" pitchFamily="18" charset="2"/>
+                        <a:buChar char=""/>
+                        <a:tabLst/>
+                      </a:pPr>
+                      <a:r>
+                        <a:rPr kumimoji="0" lang="es-PE" sz="1800" b="0" i="1" u="none" strike="noStrike" cap="none" normalizeH="0" baseline="0" smtClean="0">
+                          <a:ln>
+                            <a:noFill/>
+                          </a:ln>
+                          <a:solidFill>
+                            <a:schemeClr val="tx2"/>
+                          </a:solidFill>
+                          <a:effectLst/>
+                          <a:latin typeface="Candara" pitchFamily="34" charset="0"/>
+                        </a:rPr>
+                        <a:t>Para el ingreso de cláusula se deberá seleccionar el tipo de cláusula, número, descripción,  indicar si está sujeto a penalidad, el tipo de sanción y la sanción, luego de esto recién se agrega a la interfaz de  “Agregar Addenda”.</a:t>
+                      </a:r>
+                    </a:p>
+                    <a:p>
+                      <a:pPr marL="358775" marR="0" lvl="2" indent="0" algn="l" defTabSz="914400" rtl="0" eaLnBrk="0" fontAlgn="base" latinLnBrk="0" hangingPunct="0">
+                        <a:lnSpc>
+                          <a:spcPct val="100000"/>
+                        </a:lnSpc>
+                        <a:spcBef>
+                          <a:spcPct val="20000"/>
+                        </a:spcBef>
+                        <a:spcAft>
+                          <a:spcPct val="0"/>
+                        </a:spcAft>
+                        <a:buClr>
+                          <a:schemeClr val="accent1"/>
+                        </a:buClr>
+                        <a:buSzPct val="100000"/>
+                        <a:buFont typeface="Symbol" pitchFamily="18" charset="2"/>
+                        <a:buChar char=""/>
+                        <a:tabLst/>
+                      </a:pPr>
+                      <a:r>
+                        <a:rPr kumimoji="0" lang="es-PE" sz="1800" b="0" i="0" u="none" strike="noStrike" cap="none" normalizeH="0" baseline="0" smtClean="0">
+                          <a:ln>
+                            <a:noFill/>
+                          </a:ln>
+                          <a:solidFill>
+                            <a:schemeClr val="tx2"/>
+                          </a:solidFill>
+                          <a:effectLst/>
+                          <a:latin typeface="Candara" pitchFamily="34" charset="0"/>
+                        </a:rPr>
+                        <a:t>Si el estado actual del contrato no es “Firmado”  no permitirá el ingreso de los datos ni el registro  de la addenda.</a:t>
+                      </a:r>
+                      <a:endParaRPr kumimoji="0" lang="es-PE" sz="1800" b="0" i="1" u="none" strike="noStrike" cap="none" normalizeH="0" baseline="0" smtClean="0">
+                        <a:ln>
+                          <a:noFill/>
+                        </a:ln>
+                        <a:solidFill>
+                          <a:schemeClr val="tx2"/>
+                        </a:solidFill>
+                        <a:effectLst/>
+                        <a:latin typeface="Candara" pitchFamily="34" charset="0"/>
+                      </a:endParaRPr>
+                    </a:p>
+                    <a:p>
+                      <a:pPr marL="0" marR="0" lvl="0" indent="0" algn="l" defTabSz="914400" rtl="0" eaLnBrk="1" fontAlgn="base" latinLnBrk="0" hangingPunct="1">
+                        <a:lnSpc>
+                          <a:spcPct val="100000"/>
+                        </a:lnSpc>
+                        <a:spcBef>
+                          <a:spcPct val="0"/>
+                        </a:spcBef>
+                        <a:spcAft>
+                          <a:spcPct val="0"/>
+                        </a:spcAft>
+                        <a:buClrTx/>
+                        <a:buSzTx/>
+                        <a:buFontTx/>
+                        <a:buNone/>
+                        <a:tabLst/>
+                      </a:pPr>
+                      <a:endParaRPr kumimoji="0" lang="es-ES" sz="1800" b="0" i="0" u="none" strike="noStrike" cap="none" normalizeH="0" baseline="0" smtClean="0">
+                        <a:ln>
+                          <a:noFill/>
+                        </a:ln>
+                        <a:solidFill>
+                          <a:schemeClr val="tx1"/>
+                        </a:solidFill>
+                        <a:effectLst/>
+                        <a:latin typeface="Candara" pitchFamily="34" charset="0"/>
+                      </a:endParaRPr>
+                    </a:p>
+                  </a:txBody>
+                  <a:tcPr horzOverflow="overflow">
+                    <a:lnL w="12700" cap="flat" cmpd="sng" algn="ctr">
+                      <a:solidFill>
+                        <a:schemeClr val="accent1"/>
+                      </a:solidFill>
+                      <a:prstDash val="solid"/>
+                      <a:round/>
+                      <a:headEnd type="none" w="med" len="med"/>
+                      <a:tailEnd type="none" w="med" len="med"/>
+                    </a:lnL>
+                    <a:lnR w="12700" cap="flat" cmpd="sng" algn="ctr">
+                      <a:solidFill>
+                        <a:schemeClr val="accent1"/>
+                      </a:solidFill>
+                      <a:prstDash val="solid"/>
+                      <a:round/>
+                      <a:headEnd type="none" w="med" len="med"/>
+                      <a:tailEnd type="none" w="med" len="med"/>
+                    </a:lnR>
+                    <a:lnT w="12700" cap="flat" cmpd="sng" algn="ctr">
+                      <a:solidFill>
+                        <a:schemeClr val="accent1"/>
+                      </a:solidFill>
+                      <a:prstDash val="solid"/>
+                      <a:round/>
+                      <a:headEnd type="none" w="med" len="med"/>
+                      <a:tailEnd type="none" w="med" len="med"/>
+                    </a:lnT>
+                    <a:lnB w="25400" cap="flat" cmpd="sng" algn="ctr">
+                      <a:solidFill>
+                        <a:schemeClr val="accent1"/>
+                      </a:solidFill>
+                      <a:prstDash val="solid"/>
+                      <a:round/>
+                      <a:headEnd type="none" w="med" len="med"/>
+                      <a:tailEnd type="none" w="med" len="med"/>
+                    </a:lnB>
+                    <a:lnTlToBr>
+                      <a:noFill/>
+                    </a:lnTlToBr>
+                    <a:lnBlToTr>
+                      <a:noFill/>
+                    </a:lnBlToTr>
+                    <a:noFill/>
+                  </a:tcPr>
+                </a:tc>
+              </a:tr>
+              <a:tr h="623888">
+                <a:tc>
+                  <a:txBody>
+                    <a:bodyPr/>
+                    <a:lstStyle/>
+                    <a:p>
+                      <a:pPr marL="0" marR="0" lvl="1" indent="0" algn="l" defTabSz="914400" rtl="0" eaLnBrk="1" fontAlgn="base" latinLnBrk="0" hangingPunct="1">
+                        <a:lnSpc>
+                          <a:spcPct val="100000"/>
+                        </a:lnSpc>
+                        <a:spcBef>
+                          <a:spcPct val="0"/>
+                        </a:spcBef>
+                        <a:spcAft>
+                          <a:spcPct val="0"/>
+                        </a:spcAft>
+                        <a:buClrTx/>
+                        <a:buSzTx/>
+                        <a:buFontTx/>
+                        <a:buNone/>
+                        <a:tabLst/>
+                      </a:pPr>
+                      <a:r>
+                        <a:rPr kumimoji="0" lang="es-PE" sz="1800" b="1" i="0" u="none" strike="noStrike" cap="none" normalizeH="0" baseline="0" smtClean="0">
+                          <a:ln>
+                            <a:noFill/>
+                          </a:ln>
+                          <a:solidFill>
+                            <a:schemeClr val="tx1"/>
+                          </a:solidFill>
+                          <a:effectLst/>
+                          <a:latin typeface="Candara" pitchFamily="34" charset="0"/>
+                        </a:rPr>
+                        <a:t>Flujos Alternos</a:t>
+                      </a:r>
+                    </a:p>
+                    <a:p>
+                      <a:pPr marL="0" marR="0" lvl="0" indent="0" algn="l" defTabSz="914400" rtl="0" eaLnBrk="1" fontAlgn="base" latinLnBrk="0" hangingPunct="1">
+                        <a:lnSpc>
+                          <a:spcPct val="100000"/>
+                        </a:lnSpc>
+                        <a:spcBef>
+                          <a:spcPct val="0"/>
+                        </a:spcBef>
+                        <a:spcAft>
+                          <a:spcPct val="0"/>
+                        </a:spcAft>
+                        <a:buClrTx/>
+                        <a:buSzTx/>
+                        <a:buFontTx/>
+                        <a:buNone/>
+                        <a:tabLst/>
+                      </a:pPr>
+                      <a:endParaRPr kumimoji="0" lang="es-PE" sz="1800" b="0" i="0" u="none" strike="noStrike" cap="none" normalizeH="0" baseline="0" smtClean="0">
+                        <a:ln>
+                          <a:noFill/>
+                        </a:ln>
+                        <a:solidFill>
+                          <a:schemeClr val="tx1"/>
+                        </a:solidFill>
+                        <a:effectLst/>
+                        <a:latin typeface="Candara" pitchFamily="34" charset="0"/>
+                      </a:endParaRPr>
+                    </a:p>
+                  </a:txBody>
+                  <a:tcPr horzOverflow="overflow">
+                    <a:lnL w="12700" cap="flat" cmpd="sng" algn="ctr">
+                      <a:solidFill>
+                        <a:schemeClr val="accent1"/>
+                      </a:solidFill>
+                      <a:prstDash val="solid"/>
+                      <a:round/>
+                      <a:headEnd type="none" w="med" len="med"/>
+                      <a:tailEnd type="none" w="med" len="med"/>
+                    </a:lnL>
+                    <a:lnR w="12700" cap="flat" cmpd="sng" algn="ctr">
+                      <a:solidFill>
+                        <a:schemeClr val="accent1"/>
+                      </a:solidFill>
+                      <a:prstDash val="solid"/>
+                      <a:round/>
+                      <a:headEnd type="none" w="med" len="med"/>
+                      <a:tailEnd type="none" w="med" len="med"/>
+                    </a:lnR>
+                    <a:lnT w="25400" cap="flat" cmpd="sng" algn="ctr">
+                      <a:solidFill>
+                        <a:schemeClr val="accent1"/>
+                      </a:solidFill>
+                      <a:prstDash val="solid"/>
+                      <a:round/>
+                      <a:headEnd type="none" w="med" len="med"/>
+                      <a:tailEnd type="none" w="med" len="med"/>
+                    </a:lnT>
+                    <a:lnB w="12700" cap="flat" cmpd="sng" algn="ctr">
+                      <a:solidFill>
+                        <a:schemeClr val="accent1"/>
+                      </a:solidFill>
+                      <a:prstDash val="solid"/>
+                      <a:round/>
+                      <a:headEnd type="none" w="med" len="med"/>
+                      <a:tailEnd type="none" w="med" len="med"/>
+                    </a:lnB>
+                    <a:lnTlToBr>
+                      <a:noFill/>
+                    </a:lnTlToBr>
+                    <a:lnBlToTr>
+                      <a:noFill/>
+                    </a:lnBlToTr>
+                    <a:solidFill>
+                      <a:schemeClr val="accent1">
+                        <a:alpha val="20000"/>
+                      </a:schemeClr>
+                    </a:solidFill>
+                  </a:tcPr>
+                </a:tc>
+                <a:tc>
+                  <a:txBody>
+                    <a:bodyPr/>
+                    <a:lstStyle/>
+                    <a:p>
+                      <a:pPr marL="358775" marR="0" lvl="2" indent="0" algn="l" defTabSz="914400" rtl="0" eaLnBrk="0" fontAlgn="base" latinLnBrk="0" hangingPunct="0">
+                        <a:lnSpc>
+                          <a:spcPct val="100000"/>
+                        </a:lnSpc>
+                        <a:spcBef>
+                          <a:spcPct val="20000"/>
+                        </a:spcBef>
+                        <a:spcAft>
+                          <a:spcPct val="0"/>
+                        </a:spcAft>
+                        <a:buClr>
+                          <a:schemeClr val="accent1"/>
+                        </a:buClr>
+                        <a:buSzPct val="100000"/>
+                        <a:buFont typeface="Symbol" pitchFamily="18" charset="2"/>
+                        <a:buNone/>
+                        <a:tabLst/>
+                      </a:pPr>
+                      <a:r>
+                        <a:rPr kumimoji="0" lang="es-PE" sz="1800" b="1" i="0" u="none" strike="noStrike" cap="none" normalizeH="0" baseline="0" smtClean="0">
+                          <a:ln>
+                            <a:noFill/>
+                          </a:ln>
+                          <a:solidFill>
+                            <a:schemeClr val="tx2"/>
+                          </a:solidFill>
+                          <a:effectLst/>
+                          <a:latin typeface="Candara" pitchFamily="34" charset="0"/>
+                        </a:rPr>
+                        <a:t>Paso 2. No existe Contrato</a:t>
+                      </a:r>
+                      <a:endParaRPr kumimoji="0" lang="es-PE" sz="1800" b="1" i="1" u="none" strike="noStrike" cap="none" normalizeH="0" baseline="0" smtClean="0">
+                        <a:ln>
+                          <a:noFill/>
+                        </a:ln>
+                        <a:solidFill>
+                          <a:schemeClr val="tx2"/>
+                        </a:solidFill>
+                        <a:effectLst/>
+                        <a:latin typeface="Candara" pitchFamily="34" charset="0"/>
+                      </a:endParaRPr>
+                    </a:p>
+                    <a:p>
+                      <a:pPr marL="0" marR="0" lvl="0" indent="0" algn="l" defTabSz="914400" rtl="0" eaLnBrk="0" fontAlgn="base" latinLnBrk="0" hangingPunct="0">
+                        <a:lnSpc>
+                          <a:spcPct val="100000"/>
+                        </a:lnSpc>
+                        <a:spcBef>
+                          <a:spcPct val="20000"/>
+                        </a:spcBef>
+                        <a:spcAft>
+                          <a:spcPct val="0"/>
+                        </a:spcAft>
+                        <a:buClr>
+                          <a:schemeClr val="accent1"/>
+                        </a:buClr>
+                        <a:buSzPct val="100000"/>
+                        <a:buFont typeface="Symbol" pitchFamily="18" charset="2"/>
+                        <a:buNone/>
+                        <a:tabLst/>
+                      </a:pPr>
+                      <a:r>
+                        <a:rPr kumimoji="0" lang="es-PE" sz="1800" b="0" i="0" u="none" strike="noStrike" cap="none" normalizeH="0" baseline="0" smtClean="0">
+                          <a:ln>
+                            <a:noFill/>
+                          </a:ln>
+                          <a:solidFill>
+                            <a:schemeClr val="tx2"/>
+                          </a:solidFill>
+                          <a:effectLst/>
+                          <a:latin typeface="Candara" pitchFamily="34" charset="0"/>
+                        </a:rPr>
+                        <a:t>Si en 2 no se encuentre registrado el Contrato se muestra el mensaje “No se encuentra Contrato registrado”.</a:t>
+                      </a:r>
+                      <a:endParaRPr kumimoji="0" lang="es-PE" sz="1800" b="0" i="1" u="none" strike="noStrike" cap="none" normalizeH="0" baseline="0" smtClean="0">
+                        <a:ln>
+                          <a:noFill/>
+                        </a:ln>
+                        <a:solidFill>
+                          <a:schemeClr val="tx2"/>
+                        </a:solidFill>
+                        <a:effectLst/>
+                        <a:latin typeface="Candara" pitchFamily="34" charset="0"/>
+                      </a:endParaRPr>
+                    </a:p>
+                    <a:p>
+                      <a:pPr marL="0" marR="0" lvl="0" indent="0" algn="l" defTabSz="914400" rtl="0" eaLnBrk="1" fontAlgn="base" latinLnBrk="0" hangingPunct="1">
+                        <a:lnSpc>
+                          <a:spcPct val="100000"/>
+                        </a:lnSpc>
+                        <a:spcBef>
+                          <a:spcPct val="0"/>
+                        </a:spcBef>
+                        <a:spcAft>
+                          <a:spcPct val="0"/>
+                        </a:spcAft>
+                        <a:buClrTx/>
+                        <a:buSzTx/>
+                        <a:buFontTx/>
+                        <a:buNone/>
+                        <a:tabLst/>
+                      </a:pPr>
+                      <a:endParaRPr kumimoji="0" lang="es-ES" sz="1800" b="0" i="0" u="none" strike="noStrike" cap="none" normalizeH="0" baseline="0" smtClean="0">
+                        <a:ln>
+                          <a:noFill/>
+                        </a:ln>
+                        <a:solidFill>
+                          <a:schemeClr val="tx1"/>
+                        </a:solidFill>
+                        <a:effectLst/>
+                        <a:latin typeface="Candara" pitchFamily="34" charset="0"/>
+                      </a:endParaRPr>
+                    </a:p>
+                  </a:txBody>
+                  <a:tcPr horzOverflow="overflow">
+                    <a:lnL w="12700" cap="flat" cmpd="sng" algn="ctr">
+                      <a:solidFill>
+                        <a:schemeClr val="accent1"/>
+                      </a:solidFill>
+                      <a:prstDash val="solid"/>
+                      <a:round/>
+                      <a:headEnd type="none" w="med" len="med"/>
+                      <a:tailEnd type="none" w="med" len="med"/>
+                    </a:lnL>
+                    <a:lnR w="12700" cap="flat" cmpd="sng" algn="ctr">
+                      <a:solidFill>
+                        <a:schemeClr val="accent1"/>
+                      </a:solidFill>
+                      <a:prstDash val="solid"/>
+                      <a:round/>
+                      <a:headEnd type="none" w="med" len="med"/>
+                      <a:tailEnd type="none" w="med" len="med"/>
+                    </a:lnR>
+                    <a:lnT w="25400" cap="flat" cmpd="sng" algn="ctr">
+                      <a:solidFill>
+                        <a:schemeClr val="accent1"/>
+                      </a:solidFill>
+                      <a:prstDash val="solid"/>
+                      <a:round/>
+                      <a:headEnd type="none" w="med" len="med"/>
+                      <a:tailEnd type="none" w="med" len="med"/>
+                    </a:lnT>
+                    <a:lnB w="12700" cap="flat" cmpd="sng" algn="ctr">
+                      <a:solidFill>
+                        <a:schemeClr val="accent1"/>
+                      </a:solidFill>
+                      <a:prstDash val="solid"/>
+                      <a:round/>
+                      <a:headEnd type="none" w="med" len="med"/>
+                      <a:tailEnd type="none" w="med" len="med"/>
+                    </a:lnB>
+                    <a:lnTlToBr>
+                      <a:noFill/>
+                    </a:lnTlToBr>
+                    <a:lnBlToTr>
+                      <a:noFill/>
+                    </a:lnBlToTr>
+                    <a:solidFill>
+                      <a:schemeClr val="accent1">
+                        <a:alpha val="20000"/>
+                      </a:schemeClr>
+                    </a:solidFill>
+                  </a:tcPr>
+                </a:tc>
+              </a:tr>
+            </a:tbl>
+          </a:graphicData>
+        </a:graphic>
+      </p:graphicFrame>
+    </p:spTree>
+  </p:cSld>
+  <p:clrMapOvr>
+    <a:masterClrMapping/>
+  </p:clrMapOvr>
+  <p:timing>
+    <p:tnLst>
+      <p:par>
+        <p:cTn id="1" dur="indefinite" restart="never" nodeType="tmRoot"/>
+      </p:par>
+    </p:tnLst>
+  </p:timing>
+</p:sld>
+</file>
+
+<file path=ppt/slides/slide15.xml><?xml version="1.0" encoding="utf-8"?>
+<p:sld xmlns:a="http://schemas.openxmlformats.org/drawingml/2006/main" xmlns:r="http://schemas.openxmlformats.org/officeDocument/2006/relationships" xmlns:p="http://schemas.openxmlformats.org/presentationml/2006/main">
+  <p:cSld>
+    <p:spTree>
+      <p:nvGrpSpPr>
+        <p:cNvPr id="1" name=""/>
+        <p:cNvGrpSpPr/>
+        <p:nvPr/>
+      </p:nvGrpSpPr>
+      <p:grpSpPr>
+        <a:xfrm>
+          <a:off x="0" y="0"/>
+          <a:ext cx="0" cy="0"/>
+          <a:chOff x="0" y="0"/>
+          <a:chExt cx="0" cy="0"/>
+        </a:xfrm>
+      </p:grpSpPr>
+      <p:sp>
+        <p:nvSpPr>
+          <p:cNvPr id="46082" name="2 Título"/>
+          <p:cNvSpPr>
+            <a:spLocks noGrp="1"/>
+          </p:cNvSpPr>
+          <p:nvPr>
+            <p:ph type="title" idx="4294967295"/>
+          </p:nvPr>
+        </p:nvSpPr>
+        <p:spPr>
+          <a:xfrm>
+            <a:off x="468313" y="404813"/>
+            <a:ext cx="8229600" cy="1252537"/>
+          </a:xfrm>
+        </p:spPr>
+        <p:txBody>
+          <a:bodyPr/>
+          <a:lstStyle/>
+          <a:p>
+            <a:pPr eaLnBrk="1" hangingPunct="1"/>
+            <a:r>
+              <a:rPr lang="es-PE" sz="4000" b="1" smtClean="0">
+                <a:solidFill>
+                  <a:schemeClr val="tx2"/>
+                </a:solidFill>
+              </a:rPr>
+              <a:t>CC_CUS012_Agregar_Adenda</a:t>
+            </a:r>
+          </a:p>
+        </p:txBody>
+      </p:sp>
+      <p:graphicFrame>
+        <p:nvGraphicFramePr>
+          <p:cNvPr id="46108" name="Group 28"/>
+          <p:cNvGraphicFramePr>
+            <a:graphicFrameLocks noGrp="1"/>
+          </p:cNvGraphicFramePr>
+          <p:nvPr/>
+        </p:nvGraphicFramePr>
+        <p:xfrm>
+          <a:off x="250825" y="2060575"/>
+          <a:ext cx="8642350" cy="3224213"/>
+        </p:xfrm>
+        <a:graphic>
+          <a:graphicData uri="http://schemas.openxmlformats.org/drawingml/2006/table">
+            <a:tbl>
+              <a:tblPr/>
+              <a:tblGrid>
+                <a:gridCol w="2881313"/>
+                <a:gridCol w="5761037"/>
+              </a:tblGrid>
+              <a:tr h="623888">
+                <a:tc>
+                  <a:txBody>
+                    <a:bodyPr/>
+                    <a:lstStyle/>
+                    <a:p>
+                      <a:pPr marL="0" marR="0" lvl="1" indent="0" algn="l" defTabSz="914400" rtl="0" eaLnBrk="1" fontAlgn="base" latinLnBrk="0" hangingPunct="1">
+                        <a:lnSpc>
+                          <a:spcPct val="100000"/>
+                        </a:lnSpc>
+                        <a:spcBef>
+                          <a:spcPct val="0"/>
+                        </a:spcBef>
+                        <a:spcAft>
+                          <a:spcPct val="0"/>
+                        </a:spcAft>
+                        <a:buClrTx/>
+                        <a:buSzTx/>
+                        <a:buFontTx/>
+                        <a:buNone/>
+                        <a:tabLst/>
+                      </a:pPr>
+                      <a:r>
+                        <a:rPr kumimoji="0" lang="es-PE" sz="1800" b="1" i="0" u="none" strike="noStrike" cap="none" normalizeH="0" baseline="0" smtClean="0">
+                          <a:ln>
+                            <a:noFill/>
+                          </a:ln>
+                          <a:solidFill>
+                            <a:schemeClr val="tx1"/>
+                          </a:solidFill>
+                          <a:effectLst/>
+                          <a:latin typeface="Candara" pitchFamily="34" charset="0"/>
+                        </a:rPr>
+                        <a:t>Precondición</a:t>
+                      </a:r>
+                    </a:p>
+                    <a:p>
+                      <a:pPr marL="0" marR="0" lvl="0" indent="0" algn="l" defTabSz="914400" rtl="0" eaLnBrk="1" fontAlgn="base" latinLnBrk="0" hangingPunct="1">
+                        <a:lnSpc>
+                          <a:spcPct val="100000"/>
+                        </a:lnSpc>
+                        <a:spcBef>
+                          <a:spcPct val="0"/>
+                        </a:spcBef>
+                        <a:spcAft>
+                          <a:spcPct val="0"/>
+                        </a:spcAft>
+                        <a:buClrTx/>
+                        <a:buSzTx/>
+                        <a:buFontTx/>
+                        <a:buNone/>
+                        <a:tabLst/>
+                      </a:pPr>
+                      <a:endParaRPr kumimoji="0" lang="es-PE" sz="1800" b="0" i="0" u="none" strike="noStrike" cap="none" normalizeH="0" baseline="0" smtClean="0">
+                        <a:ln>
+                          <a:noFill/>
+                        </a:ln>
+                        <a:solidFill>
+                          <a:schemeClr val="tx1"/>
+                        </a:solidFill>
+                        <a:effectLst/>
+                        <a:latin typeface="Candara" pitchFamily="34" charset="0"/>
+                      </a:endParaRPr>
+                    </a:p>
+                  </a:txBody>
+                  <a:tcPr horzOverflow="overflow">
+                    <a:lnL w="12700" cap="flat" cmpd="sng" algn="ctr">
+                      <a:solidFill>
+                        <a:schemeClr val="accent1"/>
+                      </a:solidFill>
+                      <a:prstDash val="solid"/>
+                      <a:round/>
+                      <a:headEnd type="none" w="med" len="med"/>
+                      <a:tailEnd type="none" w="med" len="med"/>
+                    </a:lnL>
+                    <a:lnR w="12700" cap="flat" cmpd="sng" algn="ctr">
+                      <a:solidFill>
+                        <a:schemeClr val="accent1"/>
+                      </a:solidFill>
+                      <a:prstDash val="solid"/>
+                      <a:round/>
+                      <a:headEnd type="none" w="med" len="med"/>
+                      <a:tailEnd type="none" w="med" len="med"/>
+                    </a:lnR>
+                    <a:lnT w="12700" cap="flat" cmpd="sng" algn="ctr">
+                      <a:solidFill>
+                        <a:schemeClr val="accent1"/>
+                      </a:solidFill>
+                      <a:prstDash val="solid"/>
+                      <a:round/>
+                      <a:headEnd type="none" w="med" len="med"/>
+                      <a:tailEnd type="none" w="med" len="med"/>
+                    </a:lnT>
+                    <a:lnB w="25400" cap="flat" cmpd="sng" algn="ctr">
+                      <a:solidFill>
+                        <a:schemeClr val="accent1"/>
+                      </a:solidFill>
+                      <a:prstDash val="solid"/>
+                      <a:round/>
+                      <a:headEnd type="none" w="med" len="med"/>
+                      <a:tailEnd type="none" w="med" len="med"/>
+                    </a:lnB>
+                    <a:lnTlToBr>
+                      <a:noFill/>
+                    </a:lnTlToBr>
+                    <a:lnBlToTr>
+                      <a:noFill/>
+                    </a:lnBlToTr>
+                    <a:noFill/>
+                  </a:tcPr>
+                </a:tc>
+                <a:tc>
+                  <a:txBody>
+                    <a:bodyPr/>
+                    <a:lstStyle/>
+                    <a:p>
+                      <a:pPr marL="701675" marR="0" lvl="2" indent="-342900" algn="l" defTabSz="914400" rtl="0" eaLnBrk="0" fontAlgn="base" latinLnBrk="0" hangingPunct="0">
+                        <a:lnSpc>
+                          <a:spcPct val="100000"/>
+                        </a:lnSpc>
+                        <a:spcBef>
+                          <a:spcPct val="20000"/>
+                        </a:spcBef>
+                        <a:spcAft>
+                          <a:spcPct val="0"/>
+                        </a:spcAft>
+                        <a:buClr>
+                          <a:schemeClr val="accent1"/>
+                        </a:buClr>
+                        <a:buSzPct val="100000"/>
+                        <a:buFont typeface="Symbol" pitchFamily="18" charset="2"/>
+                        <a:buNone/>
+                        <a:tabLst/>
+                      </a:pPr>
+                      <a:r>
+                        <a:rPr kumimoji="0" lang="es-PE" sz="1800" b="1" i="0" u="none" strike="noStrike" cap="none" normalizeH="0" baseline="0" smtClean="0">
+                          <a:ln>
+                            <a:noFill/>
+                          </a:ln>
+                          <a:solidFill>
+                            <a:schemeClr val="tx2"/>
+                          </a:solidFill>
+                          <a:effectLst/>
+                          <a:latin typeface="Candara" pitchFamily="34" charset="0"/>
+                        </a:rPr>
+                        <a:t>Registro de la Contrato</a:t>
+                      </a:r>
+                    </a:p>
+                    <a:p>
+                      <a:pPr marL="381000" marR="0" lvl="0" indent="-381000" algn="l" defTabSz="914400" rtl="0" eaLnBrk="0" fontAlgn="base" latinLnBrk="0" hangingPunct="0">
+                        <a:lnSpc>
+                          <a:spcPct val="100000"/>
+                        </a:lnSpc>
+                        <a:spcBef>
+                          <a:spcPct val="20000"/>
+                        </a:spcBef>
+                        <a:spcAft>
+                          <a:spcPct val="0"/>
+                        </a:spcAft>
+                        <a:buClr>
+                          <a:schemeClr val="accent1"/>
+                        </a:buClr>
+                        <a:buSzPct val="100000"/>
+                        <a:buFont typeface="Symbol" pitchFamily="18" charset="2"/>
+                        <a:buNone/>
+                        <a:tabLst/>
+                      </a:pPr>
+                      <a:r>
+                        <a:rPr kumimoji="0" lang="es-PE" sz="1800" b="0" i="0" u="none" strike="noStrike" cap="none" normalizeH="0" baseline="0" smtClean="0">
+                          <a:ln>
+                            <a:noFill/>
+                          </a:ln>
+                          <a:solidFill>
+                            <a:schemeClr val="tx2"/>
+                          </a:solidFill>
+                          <a:effectLst/>
+                          <a:latin typeface="Candara" pitchFamily="34" charset="0"/>
+                        </a:rPr>
+                        <a:t>Para la creación de un addenda, debe existir un contrato y este debe de estar en esta “Firmado”.</a:t>
+                      </a:r>
+                      <a:endParaRPr kumimoji="0" lang="es-PE" sz="1800" b="1" i="0" u="none" strike="noStrike" cap="none" normalizeH="0" baseline="0" smtClean="0">
+                        <a:ln>
+                          <a:noFill/>
+                        </a:ln>
+                        <a:solidFill>
+                          <a:schemeClr val="tx2"/>
+                        </a:solidFill>
+                        <a:effectLst/>
+                        <a:latin typeface="Candara" pitchFamily="34" charset="0"/>
+                      </a:endParaRPr>
+                    </a:p>
+                    <a:p>
+                      <a:pPr marL="381000" marR="0" lvl="0" indent="-381000" algn="l" defTabSz="914400" rtl="0" eaLnBrk="0" fontAlgn="base" latinLnBrk="0" hangingPunct="0">
+                        <a:lnSpc>
+                          <a:spcPct val="100000"/>
+                        </a:lnSpc>
+                        <a:spcBef>
+                          <a:spcPct val="20000"/>
+                        </a:spcBef>
+                        <a:spcAft>
+                          <a:spcPct val="0"/>
+                        </a:spcAft>
+                        <a:buClr>
+                          <a:schemeClr val="accent1"/>
+                        </a:buClr>
+                        <a:buSzPct val="100000"/>
+                        <a:buFont typeface="Symbol" pitchFamily="18" charset="2"/>
+                        <a:buNone/>
+                        <a:tabLst/>
+                      </a:pPr>
+                      <a:r>
+                        <a:rPr kumimoji="0" lang="es-PE" sz="1800" b="1" i="0" u="none" strike="noStrike" cap="none" normalizeH="0" baseline="0" smtClean="0">
+                          <a:ln>
+                            <a:noFill/>
+                          </a:ln>
+                          <a:solidFill>
+                            <a:schemeClr val="tx2"/>
+                          </a:solidFill>
+                          <a:effectLst/>
+                          <a:latin typeface="Candara" pitchFamily="34" charset="0"/>
+                        </a:rPr>
+                        <a:t>Acceso al sistema del CC_AS004_Jefe_Legal </a:t>
+                      </a:r>
+                    </a:p>
+                    <a:p>
+                      <a:pPr marL="381000" marR="0" lvl="0" indent="-381000" algn="l" defTabSz="914400" rtl="0" eaLnBrk="0" fontAlgn="base" latinLnBrk="0" hangingPunct="0">
+                        <a:lnSpc>
+                          <a:spcPct val="100000"/>
+                        </a:lnSpc>
+                        <a:spcBef>
+                          <a:spcPct val="20000"/>
+                        </a:spcBef>
+                        <a:spcAft>
+                          <a:spcPct val="0"/>
+                        </a:spcAft>
+                        <a:buClr>
+                          <a:schemeClr val="accent1"/>
+                        </a:buClr>
+                        <a:buSzPct val="100000"/>
+                        <a:buFont typeface="Symbol" pitchFamily="18" charset="2"/>
+                        <a:buNone/>
+                        <a:tabLst/>
+                      </a:pPr>
+                      <a:r>
+                        <a:rPr kumimoji="0" lang="es-PE" sz="1800" b="1" i="0" u="none" strike="noStrike" cap="none" normalizeH="0" baseline="0" smtClean="0">
+                          <a:ln>
+                            <a:noFill/>
+                          </a:ln>
+                          <a:solidFill>
+                            <a:schemeClr val="tx2"/>
+                          </a:solidFill>
+                          <a:effectLst/>
+                          <a:latin typeface="Candara" pitchFamily="34" charset="0"/>
+                        </a:rPr>
+                        <a:t>        </a:t>
+                      </a:r>
+                      <a:r>
+                        <a:rPr kumimoji="0" lang="es-PE" sz="1800" b="0" i="0" u="none" strike="noStrike" cap="none" normalizeH="0" baseline="0" smtClean="0">
+                          <a:ln>
+                            <a:noFill/>
+                          </a:ln>
+                          <a:solidFill>
+                            <a:schemeClr val="tx2"/>
+                          </a:solidFill>
+                          <a:effectLst/>
+                          <a:latin typeface="Candara" pitchFamily="34" charset="0"/>
+                        </a:rPr>
+                        <a:t>El usuario CC_AS004_Jefe_Legal creó una sesión.</a:t>
+                      </a:r>
+                    </a:p>
+                    <a:p>
+                      <a:pPr marL="381000" marR="0" lvl="0" indent="-381000" algn="l" defTabSz="914400" rtl="0" eaLnBrk="1" fontAlgn="base" latinLnBrk="0" hangingPunct="1">
+                        <a:lnSpc>
+                          <a:spcPct val="100000"/>
+                        </a:lnSpc>
+                        <a:spcBef>
+                          <a:spcPct val="0"/>
+                        </a:spcBef>
+                        <a:spcAft>
+                          <a:spcPct val="0"/>
+                        </a:spcAft>
+                        <a:buClrTx/>
+                        <a:buSzTx/>
+                        <a:buFontTx/>
+                        <a:buNone/>
+                        <a:tabLst/>
+                      </a:pPr>
+                      <a:endParaRPr kumimoji="0" lang="es-ES" sz="1800" b="0" i="0" u="none" strike="noStrike" cap="none" normalizeH="0" baseline="0" smtClean="0">
+                        <a:ln>
+                          <a:noFill/>
+                        </a:ln>
+                        <a:solidFill>
+                          <a:schemeClr val="tx1"/>
+                        </a:solidFill>
+                        <a:effectLst/>
+                        <a:latin typeface="Candara" pitchFamily="34" charset="0"/>
+                      </a:endParaRPr>
+                    </a:p>
+                  </a:txBody>
+                  <a:tcPr horzOverflow="overflow">
+                    <a:lnL w="12700" cap="flat" cmpd="sng" algn="ctr">
+                      <a:solidFill>
+                        <a:schemeClr val="accent1"/>
+                      </a:solidFill>
+                      <a:prstDash val="solid"/>
+                      <a:round/>
+                      <a:headEnd type="none" w="med" len="med"/>
+                      <a:tailEnd type="none" w="med" len="med"/>
+                    </a:lnL>
+                    <a:lnR w="12700" cap="flat" cmpd="sng" algn="ctr">
+                      <a:solidFill>
+                        <a:schemeClr val="accent1"/>
+                      </a:solidFill>
+                      <a:prstDash val="solid"/>
+                      <a:round/>
+                      <a:headEnd type="none" w="med" len="med"/>
+                      <a:tailEnd type="none" w="med" len="med"/>
+                    </a:lnR>
+                    <a:lnT w="12700" cap="flat" cmpd="sng" algn="ctr">
+                      <a:solidFill>
+                        <a:schemeClr val="accent1"/>
+                      </a:solidFill>
+                      <a:prstDash val="solid"/>
+                      <a:round/>
+                      <a:headEnd type="none" w="med" len="med"/>
+                      <a:tailEnd type="none" w="med" len="med"/>
+                    </a:lnT>
+                    <a:lnB w="25400" cap="flat" cmpd="sng" algn="ctr">
+                      <a:solidFill>
+                        <a:schemeClr val="accent1"/>
+                      </a:solidFill>
+                      <a:prstDash val="solid"/>
+                      <a:round/>
+                      <a:headEnd type="none" w="med" len="med"/>
+                      <a:tailEnd type="none" w="med" len="med"/>
+                    </a:lnB>
+                    <a:lnTlToBr>
+                      <a:noFill/>
+                    </a:lnTlToBr>
+                    <a:lnBlToTr>
+                      <a:noFill/>
+                    </a:lnBlToTr>
+                    <a:noFill/>
+                  </a:tcPr>
+                </a:tc>
+              </a:tr>
+              <a:tr h="639763">
+                <a:tc>
+                  <a:txBody>
+                    <a:bodyPr/>
+                    <a:lstStyle/>
+                    <a:p>
+                      <a:pPr marL="0" marR="0" lvl="1" indent="0" algn="l" defTabSz="914400" rtl="0" eaLnBrk="1" fontAlgn="base" latinLnBrk="0" hangingPunct="1">
+                        <a:lnSpc>
+                          <a:spcPct val="100000"/>
+                        </a:lnSpc>
+                        <a:spcBef>
+                          <a:spcPct val="0"/>
+                        </a:spcBef>
+                        <a:spcAft>
+                          <a:spcPct val="0"/>
+                        </a:spcAft>
+                        <a:buClrTx/>
+                        <a:buSzTx/>
+                        <a:buFontTx/>
+                        <a:buNone/>
+                        <a:tabLst/>
+                      </a:pPr>
+                      <a:r>
+                        <a:rPr kumimoji="0" lang="es-PE" sz="1800" b="1" i="0" u="none" strike="noStrike" cap="none" normalizeH="0" baseline="0" smtClean="0">
+                          <a:ln>
+                            <a:noFill/>
+                          </a:ln>
+                          <a:solidFill>
+                            <a:schemeClr val="tx1"/>
+                          </a:solidFill>
+                          <a:effectLst/>
+                          <a:latin typeface="Candara" pitchFamily="34" charset="0"/>
+                        </a:rPr>
+                        <a:t>Poscondición</a:t>
+                      </a:r>
+                    </a:p>
+                    <a:p>
+                      <a:pPr marL="0" marR="0" lvl="0" indent="0" algn="l" defTabSz="914400" rtl="0" eaLnBrk="1" fontAlgn="base" latinLnBrk="0" hangingPunct="1">
+                        <a:lnSpc>
+                          <a:spcPct val="100000"/>
+                        </a:lnSpc>
+                        <a:spcBef>
+                          <a:spcPct val="0"/>
+                        </a:spcBef>
+                        <a:spcAft>
+                          <a:spcPct val="0"/>
+                        </a:spcAft>
+                        <a:buClrTx/>
+                        <a:buSzTx/>
+                        <a:buFontTx/>
+                        <a:buNone/>
+                        <a:tabLst/>
+                      </a:pPr>
+                      <a:endParaRPr kumimoji="0" lang="es-PE" sz="1800" b="0" i="0" u="none" strike="noStrike" cap="none" normalizeH="0" baseline="0" smtClean="0">
+                        <a:ln>
+                          <a:noFill/>
+                        </a:ln>
+                        <a:solidFill>
+                          <a:schemeClr val="tx1"/>
+                        </a:solidFill>
+                        <a:effectLst/>
+                        <a:latin typeface="Candara" pitchFamily="34" charset="0"/>
+                      </a:endParaRPr>
+                    </a:p>
+                  </a:txBody>
+                  <a:tcPr horzOverflow="overflow">
+                    <a:lnL w="12700" cap="flat" cmpd="sng" algn="ctr">
+                      <a:solidFill>
+                        <a:schemeClr val="accent1"/>
+                      </a:solidFill>
+                      <a:prstDash val="solid"/>
+                      <a:round/>
+                      <a:headEnd type="none" w="med" len="med"/>
+                      <a:tailEnd type="none" w="med" len="med"/>
+                    </a:lnL>
+                    <a:lnR w="12700" cap="flat" cmpd="sng" algn="ctr">
+                      <a:solidFill>
+                        <a:schemeClr val="accent1"/>
+                      </a:solidFill>
+                      <a:prstDash val="solid"/>
+                      <a:round/>
+                      <a:headEnd type="none" w="med" len="med"/>
+                      <a:tailEnd type="none" w="med" len="med"/>
+                    </a:lnR>
+                    <a:lnT w="25400" cap="flat" cmpd="sng" algn="ctr">
+                      <a:solidFill>
+                        <a:schemeClr val="accent1"/>
+                      </a:solidFill>
+                      <a:prstDash val="solid"/>
+                      <a:round/>
+                      <a:headEnd type="none" w="med" len="med"/>
+                      <a:tailEnd type="none" w="med" len="med"/>
+                    </a:lnT>
+                    <a:lnB w="25400" cap="flat" cmpd="sng" algn="ctr">
+                      <a:solidFill>
+                        <a:schemeClr val="accent1"/>
+                      </a:solidFill>
+                      <a:prstDash val="solid"/>
+                      <a:round/>
+                      <a:headEnd type="none" w="med" len="med"/>
+                      <a:tailEnd type="none" w="med" len="med"/>
+                    </a:lnB>
+                    <a:lnTlToBr>
+                      <a:noFill/>
+                    </a:lnTlToBr>
+                    <a:lnBlToTr>
+                      <a:noFill/>
+                    </a:lnBlToTr>
+                    <a:solidFill>
+                      <a:schemeClr val="accent1">
+                        <a:alpha val="20000"/>
+                      </a:schemeClr>
+                    </a:solidFill>
+                  </a:tcPr>
+                </a:tc>
+                <a:tc>
+                  <a:txBody>
+                    <a:bodyPr/>
+                    <a:lstStyle/>
+                    <a:p>
+                      <a:pPr marL="179388" marR="0" lvl="1" indent="0" algn="l" defTabSz="914400" rtl="0" eaLnBrk="0" fontAlgn="base" latinLnBrk="0" hangingPunct="0">
+                        <a:lnSpc>
+                          <a:spcPct val="100000"/>
+                        </a:lnSpc>
+                        <a:spcBef>
+                          <a:spcPct val="20000"/>
+                        </a:spcBef>
+                        <a:spcAft>
+                          <a:spcPct val="0"/>
+                        </a:spcAft>
+                        <a:buClr>
+                          <a:schemeClr val="accent1"/>
+                        </a:buClr>
+                        <a:buSzPct val="100000"/>
+                        <a:buFont typeface="Symbol" pitchFamily="18" charset="2"/>
+                        <a:buNone/>
+                        <a:tabLst/>
+                      </a:pPr>
+                      <a:r>
+                        <a:rPr kumimoji="0" lang="es-PE" sz="1800" b="1" i="0" u="none" strike="noStrike" cap="none" normalizeH="0" baseline="0" smtClean="0">
+                          <a:ln>
+                            <a:noFill/>
+                          </a:ln>
+                          <a:solidFill>
+                            <a:schemeClr val="tx2"/>
+                          </a:solidFill>
+                          <a:effectLst/>
+                          <a:latin typeface="Candara" pitchFamily="34" charset="0"/>
+                        </a:rPr>
+                        <a:t>Registro actualizado de la addenda</a:t>
+                      </a:r>
+                    </a:p>
+                    <a:p>
+                      <a:pPr marL="179388" marR="0" lvl="1" indent="0" algn="l" defTabSz="914400" rtl="0" eaLnBrk="0" fontAlgn="base" latinLnBrk="0" hangingPunct="0">
+                        <a:lnSpc>
+                          <a:spcPct val="100000"/>
+                        </a:lnSpc>
+                        <a:spcBef>
+                          <a:spcPct val="20000"/>
+                        </a:spcBef>
+                        <a:spcAft>
+                          <a:spcPct val="0"/>
+                        </a:spcAft>
+                        <a:buClr>
+                          <a:schemeClr val="accent1"/>
+                        </a:buClr>
+                        <a:buSzPct val="100000"/>
+                        <a:buFont typeface="Symbol" pitchFamily="18" charset="2"/>
+                        <a:buNone/>
+                        <a:tabLst/>
+                      </a:pPr>
+                      <a:r>
+                        <a:rPr kumimoji="0" lang="es-PE" sz="1800" b="0" i="0" u="none" strike="noStrike" cap="none" normalizeH="0" baseline="0" smtClean="0">
+                          <a:ln>
+                            <a:noFill/>
+                          </a:ln>
+                          <a:solidFill>
+                            <a:schemeClr val="tx2"/>
+                          </a:solidFill>
+                          <a:effectLst/>
+                          <a:latin typeface="Candara" pitchFamily="34" charset="0"/>
+                        </a:rPr>
+                        <a:t>Addenda creada.</a:t>
+                      </a:r>
+                      <a:endParaRPr kumimoji="0" lang="es-ES" sz="1800" b="0" i="0" u="none" strike="noStrike" cap="none" normalizeH="0" baseline="0" smtClean="0">
+                        <a:ln>
+                          <a:noFill/>
+                        </a:ln>
+                        <a:solidFill>
+                          <a:schemeClr val="tx2"/>
+                        </a:solidFill>
+                        <a:effectLst/>
+                        <a:latin typeface="Candara" pitchFamily="34" charset="0"/>
+                      </a:endParaRPr>
+                    </a:p>
+                  </a:txBody>
+                  <a:tcPr horzOverflow="overflow">
+                    <a:lnL w="12700" cap="flat" cmpd="sng" algn="ctr">
+                      <a:solidFill>
+                        <a:schemeClr val="accent1"/>
+                      </a:solidFill>
+                      <a:prstDash val="solid"/>
+                      <a:round/>
+                      <a:headEnd type="none" w="med" len="med"/>
+                      <a:tailEnd type="none" w="med" len="med"/>
+                    </a:lnL>
+                    <a:lnR w="12700" cap="flat" cmpd="sng" algn="ctr">
+                      <a:solidFill>
+                        <a:schemeClr val="accent1"/>
+                      </a:solidFill>
+                      <a:prstDash val="solid"/>
+                      <a:round/>
+                      <a:headEnd type="none" w="med" len="med"/>
+                      <a:tailEnd type="none" w="med" len="med"/>
+                    </a:lnR>
+                    <a:lnT w="25400" cap="flat" cmpd="sng" algn="ctr">
+                      <a:solidFill>
+                        <a:schemeClr val="accent1"/>
+                      </a:solidFill>
+                      <a:prstDash val="solid"/>
+                      <a:round/>
+                      <a:headEnd type="none" w="med" len="med"/>
+                      <a:tailEnd type="none" w="med" len="med"/>
+                    </a:lnT>
+                    <a:lnB w="25400" cap="flat" cmpd="sng" algn="ctr">
+                      <a:solidFill>
+                        <a:schemeClr val="accent1"/>
+                      </a:solidFill>
+                      <a:prstDash val="solid"/>
+                      <a:round/>
+                      <a:headEnd type="none" w="med" len="med"/>
+                      <a:tailEnd type="none" w="med" len="med"/>
+                    </a:lnB>
+                    <a:lnTlToBr>
+                      <a:noFill/>
+                    </a:lnTlToBr>
+                    <a:lnBlToTr>
+                      <a:noFill/>
+                    </a:lnBlToTr>
+                    <a:solidFill>
+                      <a:schemeClr val="accent1">
+                        <a:alpha val="20000"/>
+                      </a:schemeClr>
+                    </a:solidFill>
+                  </a:tcPr>
+                </a:tc>
+              </a:tr>
+              <a:tr h="623888">
+                <a:tc>
+                  <a:txBody>
+                    <a:bodyPr/>
+                    <a:lstStyle/>
+                    <a:p>
+                      <a:pPr marL="0" marR="0" lvl="0" indent="0" algn="l" defTabSz="914400" rtl="0" eaLnBrk="1" fontAlgn="base" latinLnBrk="0" hangingPunct="1">
+                        <a:lnSpc>
+                          <a:spcPct val="100000"/>
+                        </a:lnSpc>
+                        <a:spcBef>
+                          <a:spcPct val="0"/>
+                        </a:spcBef>
+                        <a:spcAft>
+                          <a:spcPct val="0"/>
+                        </a:spcAft>
+                        <a:buClrTx/>
+                        <a:buSzTx/>
+                        <a:buFontTx/>
+                        <a:buNone/>
+                        <a:tabLst/>
+                      </a:pPr>
+                      <a:r>
+                        <a:rPr kumimoji="0" lang="es-PE" sz="1800" b="0" i="0" u="none" strike="noStrike" cap="none" normalizeH="0" baseline="0" smtClean="0">
+                          <a:ln>
+                            <a:noFill/>
+                          </a:ln>
+                          <a:solidFill>
+                            <a:schemeClr val="tx1"/>
+                          </a:solidFill>
+                          <a:effectLst/>
+                          <a:latin typeface="Candara" pitchFamily="34" charset="0"/>
+                        </a:rPr>
+                        <a:t>Puntos de extensión</a:t>
+                      </a:r>
+                    </a:p>
+                  </a:txBody>
+                  <a:tcPr horzOverflow="overflow">
+                    <a:lnL w="12700" cap="flat" cmpd="sng" algn="ctr">
+                      <a:solidFill>
+                        <a:schemeClr val="accent1"/>
+                      </a:solidFill>
+                      <a:prstDash val="solid"/>
+                      <a:round/>
+                      <a:headEnd type="none" w="med" len="med"/>
+                      <a:tailEnd type="none" w="med" len="med"/>
+                    </a:lnL>
+                    <a:lnR w="12700" cap="flat" cmpd="sng" algn="ctr">
+                      <a:solidFill>
+                        <a:schemeClr val="accent1"/>
+                      </a:solidFill>
+                      <a:prstDash val="solid"/>
+                      <a:round/>
+                      <a:headEnd type="none" w="med" len="med"/>
+                      <a:tailEnd type="none" w="med" len="med"/>
+                    </a:lnR>
+                    <a:lnT w="25400" cap="flat" cmpd="sng" algn="ctr">
+                      <a:solidFill>
+                        <a:schemeClr val="accent1"/>
+                      </a:solidFill>
+                      <a:prstDash val="solid"/>
+                      <a:round/>
+                      <a:headEnd type="none" w="med" len="med"/>
+                      <a:tailEnd type="none" w="med" len="med"/>
+                    </a:lnT>
+                    <a:lnB w="12700" cap="flat" cmpd="sng" algn="ctr">
+                      <a:solidFill>
+                        <a:schemeClr val="accent1"/>
+                      </a:solidFill>
+                      <a:prstDash val="solid"/>
+                      <a:round/>
+                      <a:headEnd type="none" w="med" len="med"/>
+                      <a:tailEnd type="none" w="med" len="med"/>
+                    </a:lnB>
+                    <a:lnTlToBr>
+                      <a:noFill/>
+                    </a:lnTlToBr>
+                    <a:lnBlToTr>
+                      <a:noFill/>
+                    </a:lnBlToTr>
+                    <a:solidFill>
+                      <a:schemeClr val="accent1">
+                        <a:alpha val="20000"/>
+                      </a:schemeClr>
+                    </a:solidFill>
+                  </a:tcPr>
+                </a:tc>
+                <a:tc>
+                  <a:txBody>
+                    <a:bodyPr/>
+                    <a:lstStyle/>
+                    <a:p>
+                      <a:pPr marL="381000" marR="0" lvl="0" indent="-381000" algn="l" defTabSz="914400" rtl="0" eaLnBrk="1" fontAlgn="base" latinLnBrk="0" hangingPunct="1">
+                        <a:lnSpc>
+                          <a:spcPct val="100000"/>
+                        </a:lnSpc>
+                        <a:spcBef>
+                          <a:spcPct val="0"/>
+                        </a:spcBef>
+                        <a:spcAft>
+                          <a:spcPct val="0"/>
+                        </a:spcAft>
+                        <a:buClrTx/>
+                        <a:buSzTx/>
+                        <a:buFontTx/>
+                        <a:buNone/>
+                        <a:tabLst/>
+                      </a:pPr>
+                      <a:r>
+                        <a:rPr kumimoji="0" lang="es-ES" sz="1800" b="0" i="0" u="none" strike="noStrike" cap="none" normalizeH="0" baseline="0" smtClean="0">
+                          <a:ln>
+                            <a:noFill/>
+                          </a:ln>
+                          <a:solidFill>
+                            <a:schemeClr val="tx2"/>
+                          </a:solidFill>
+                          <a:effectLst/>
+                          <a:latin typeface="Candara" pitchFamily="34" charset="0"/>
+                        </a:rPr>
+                        <a:t>No aplica.</a:t>
+                      </a:r>
+                    </a:p>
+                  </a:txBody>
+                  <a:tcPr horzOverflow="overflow">
+                    <a:lnL w="12700" cap="flat" cmpd="sng" algn="ctr">
+                      <a:solidFill>
+                        <a:schemeClr val="accent1"/>
+                      </a:solidFill>
+                      <a:prstDash val="solid"/>
+                      <a:round/>
+                      <a:headEnd type="none" w="med" len="med"/>
+                      <a:tailEnd type="none" w="med" len="med"/>
+                    </a:lnL>
+                    <a:lnR w="12700" cap="flat" cmpd="sng" algn="ctr">
+                      <a:solidFill>
+                        <a:schemeClr val="accent1"/>
+                      </a:solidFill>
+                      <a:prstDash val="solid"/>
+                      <a:round/>
+                      <a:headEnd type="none" w="med" len="med"/>
+                      <a:tailEnd type="none" w="med" len="med"/>
+                    </a:lnR>
+                    <a:lnT w="25400" cap="flat" cmpd="sng" algn="ctr">
+                      <a:solidFill>
+                        <a:schemeClr val="accent1"/>
+                      </a:solidFill>
+                      <a:prstDash val="solid"/>
+                      <a:round/>
+                      <a:headEnd type="none" w="med" len="med"/>
+                      <a:tailEnd type="none" w="med" len="med"/>
+                    </a:lnT>
+                    <a:lnB w="12700" cap="flat" cmpd="sng" algn="ctr">
+                      <a:solidFill>
+                        <a:schemeClr val="accent1"/>
+                      </a:solidFill>
+                      <a:prstDash val="solid"/>
+                      <a:round/>
+                      <a:headEnd type="none" w="med" len="med"/>
+                      <a:tailEnd type="none" w="med" len="med"/>
+                    </a:lnB>
+                    <a:lnTlToBr>
+                      <a:noFill/>
+                    </a:lnTlToBr>
+                    <a:lnBlToTr>
+                      <a:noFill/>
+                    </a:lnBlToTr>
+                    <a:solidFill>
+                      <a:schemeClr val="accent1">
+                        <a:alpha val="20000"/>
+                      </a:schemeClr>
+                    </a:solidFill>
+                  </a:tcPr>
+                </a:tc>
+              </a:tr>
+            </a:tbl>
+          </a:graphicData>
+        </a:graphic>
+      </p:graphicFrame>
+    </p:spTree>
+  </p:cSld>
+  <p:clrMapOvr>
+    <a:masterClrMapping/>
+  </p:clrMapOvr>
+  <p:timing>
+    <p:tnLst>
+      <p:par>
+        <p:cTn id="1" dur="indefinite" restart="never" nodeType="tmRoot"/>
+      </p:par>
+    </p:tnLst>
+  </p:timing>
+</p:sld>
+</file>
+
+<file path=ppt/slides/slide16.xml><?xml version="1.0" encoding="utf-8"?>
+<p:sld xmlns:a="http://schemas.openxmlformats.org/drawingml/2006/main" xmlns:r="http://schemas.openxmlformats.org/officeDocument/2006/relationships" xmlns:p="http://schemas.openxmlformats.org/presentationml/2006/main">
+  <p:cSld>
+    <p:spTree>
+      <p:nvGrpSpPr>
+        <p:cNvPr id="1" name=""/>
+        <p:cNvGrpSpPr/>
+        <p:nvPr/>
+      </p:nvGrpSpPr>
+      <p:grpSpPr>
+        <a:xfrm>
+          <a:off x="0" y="0"/>
+          <a:ext cx="0" cy="0"/>
+          <a:chOff x="0" y="0"/>
+          <a:chExt cx="0" cy="0"/>
+        </a:xfrm>
+      </p:grpSpPr>
+      <p:sp>
+        <p:nvSpPr>
+          <p:cNvPr id="28673" name="2 Título"/>
+          <p:cNvSpPr>
+            <a:spLocks noGrp="1"/>
+          </p:cNvSpPr>
+          <p:nvPr>
+            <p:ph type="title" idx="4294967295"/>
+          </p:nvPr>
+        </p:nvSpPr>
+        <p:spPr>
+          <a:xfrm>
+            <a:off x="395288" y="404813"/>
+            <a:ext cx="8497887" cy="1252537"/>
+          </a:xfrm>
+        </p:spPr>
+        <p:txBody>
+          <a:bodyPr/>
+          <a:lstStyle/>
+          <a:p>
+            <a:pPr eaLnBrk="1" hangingPunct="1"/>
+            <a:r>
+              <a:rPr lang="es-PE" sz="4000" b="1" smtClean="0">
+                <a:solidFill>
+                  <a:schemeClr val="tx2"/>
+                </a:solidFill>
+              </a:rPr>
+              <a:t>CC_CUS014_Agregar_Incumplimiento</a:t>
+            </a:r>
+          </a:p>
+        </p:txBody>
+      </p:sp>
+      <p:graphicFrame>
+        <p:nvGraphicFramePr>
+          <p:cNvPr id="28692" name="Group 20"/>
+          <p:cNvGraphicFramePr>
+            <a:graphicFrameLocks noGrp="1"/>
+          </p:cNvGraphicFramePr>
+          <p:nvPr/>
+        </p:nvGraphicFramePr>
+        <p:xfrm>
+          <a:off x="250825" y="2349500"/>
+          <a:ext cx="8642350" cy="2511425"/>
+        </p:xfrm>
+        <a:graphic>
+          <a:graphicData uri="http://schemas.openxmlformats.org/drawingml/2006/table">
+            <a:tbl>
+              <a:tblPr/>
+              <a:tblGrid>
+                <a:gridCol w="2724150"/>
+                <a:gridCol w="5918200"/>
+              </a:tblGrid>
+              <a:tr h="623888">
+                <a:tc>
+                  <a:txBody>
+                    <a:bodyPr/>
+                    <a:lstStyle/>
+                    <a:p>
+                      <a:pPr marL="0" marR="0" lvl="0" indent="0" algn="l" defTabSz="914400" rtl="0" eaLnBrk="1" fontAlgn="base" latinLnBrk="0" hangingPunct="1">
+                        <a:lnSpc>
+                          <a:spcPct val="100000"/>
+                        </a:lnSpc>
+                        <a:spcBef>
+                          <a:spcPct val="0"/>
+                        </a:spcBef>
+                        <a:spcAft>
+                          <a:spcPct val="0"/>
+                        </a:spcAft>
+                        <a:buClrTx/>
+                        <a:buSzTx/>
+                        <a:buFontTx/>
+                        <a:buNone/>
+                        <a:tabLst/>
+                      </a:pPr>
+                      <a:r>
+                        <a:rPr kumimoji="0" lang="en-US" sz="1800" b="1" i="0" u="none" strike="noStrike" cap="none" normalizeH="0" baseline="0" smtClean="0">
+                          <a:ln>
+                            <a:noFill/>
+                          </a:ln>
+                          <a:solidFill>
+                            <a:schemeClr val="tx1"/>
+                          </a:solidFill>
+                          <a:effectLst/>
+                          <a:latin typeface="Candara" pitchFamily="34" charset="0"/>
+                        </a:rPr>
+                        <a:t>Actores de Negocio</a:t>
+                      </a:r>
+                      <a:endParaRPr kumimoji="0" lang="es-PE" sz="1800" b="1" i="0" u="none" strike="noStrike" cap="none" normalizeH="0" baseline="0" smtClean="0">
+                        <a:ln>
+                          <a:noFill/>
+                        </a:ln>
+                        <a:solidFill>
+                          <a:schemeClr val="tx1"/>
+                        </a:solidFill>
+                        <a:effectLst/>
+                        <a:latin typeface="Candara" pitchFamily="34" charset="0"/>
+                      </a:endParaRPr>
+                    </a:p>
+                  </a:txBody>
+                  <a:tcPr horzOverflow="overflow">
+                    <a:lnL w="12700" cap="flat" cmpd="sng" algn="ctr">
+                      <a:solidFill>
+                        <a:schemeClr val="accent1"/>
+                      </a:solidFill>
+                      <a:prstDash val="solid"/>
+                      <a:round/>
+                      <a:headEnd type="none" w="med" len="med"/>
+                      <a:tailEnd type="none" w="med" len="med"/>
+                    </a:lnL>
+                    <a:lnR w="12700" cap="flat" cmpd="sng" algn="ctr">
+                      <a:solidFill>
+                        <a:schemeClr val="accent1"/>
+                      </a:solidFill>
+                      <a:prstDash val="solid"/>
+                      <a:round/>
+                      <a:headEnd type="none" w="med" len="med"/>
+                      <a:tailEnd type="none" w="med" len="med"/>
+                    </a:lnR>
+                    <a:lnT w="12700" cap="flat" cmpd="sng" algn="ctr">
+                      <a:solidFill>
+                        <a:schemeClr val="accent1"/>
+                      </a:solidFill>
+                      <a:prstDash val="solid"/>
+                      <a:round/>
+                      <a:headEnd type="none" w="med" len="med"/>
+                      <a:tailEnd type="none" w="med" len="med"/>
+                    </a:lnT>
+                    <a:lnB w="25400" cap="flat" cmpd="sng" algn="ctr">
+                      <a:solidFill>
+                        <a:schemeClr val="accent1"/>
+                      </a:solidFill>
+                      <a:prstDash val="solid"/>
+                      <a:round/>
+                      <a:headEnd type="none" w="med" len="med"/>
+                      <a:tailEnd type="none" w="med" len="med"/>
+                    </a:lnB>
+                    <a:lnTlToBr>
+                      <a:noFill/>
+                    </a:lnTlToBr>
+                    <a:lnBlToTr>
+                      <a:noFill/>
+                    </a:lnBlToTr>
+                    <a:noFill/>
+                  </a:tcPr>
+                </a:tc>
+                <a:tc>
+                  <a:txBody>
+                    <a:bodyPr/>
+                    <a:lstStyle/>
+                    <a:p>
+                      <a:pPr marL="0" marR="0" lvl="0" indent="0" algn="l" defTabSz="914400" rtl="0" eaLnBrk="1" fontAlgn="base" latinLnBrk="0" hangingPunct="1">
+                        <a:lnSpc>
+                          <a:spcPct val="100000"/>
+                        </a:lnSpc>
+                        <a:spcBef>
+                          <a:spcPct val="0"/>
+                        </a:spcBef>
+                        <a:spcAft>
+                          <a:spcPct val="0"/>
+                        </a:spcAft>
+                        <a:buClrTx/>
+                        <a:buSzTx/>
+                        <a:buFontTx/>
+                        <a:buNone/>
+                        <a:tabLst/>
+                      </a:pPr>
+                      <a:r>
+                        <a:rPr kumimoji="0" lang="es-PE" sz="1800" b="0" i="0" u="none" strike="noStrike" cap="none" normalizeH="0" baseline="0" smtClean="0">
+                          <a:ln>
+                            <a:noFill/>
+                          </a:ln>
+                          <a:solidFill>
+                            <a:schemeClr val="tx2"/>
+                          </a:solidFill>
+                          <a:effectLst/>
+                          <a:latin typeface="Candara" pitchFamily="34" charset="0"/>
+                        </a:rPr>
+                        <a:t>CC_AS004_Jefe_Legal</a:t>
+                      </a:r>
+                      <a:r>
+                        <a:rPr kumimoji="0" lang="es-ES" sz="1800" b="0" i="0" u="none" strike="noStrike" cap="none" normalizeH="0" baseline="0" smtClean="0">
+                          <a:ln>
+                            <a:noFill/>
+                          </a:ln>
+                          <a:solidFill>
+                            <a:schemeClr val="tx2"/>
+                          </a:solidFill>
+                          <a:effectLst/>
+                          <a:latin typeface="Candara" pitchFamily="34" charset="0"/>
+                        </a:rPr>
+                        <a:t> </a:t>
+                      </a:r>
+                    </a:p>
+                    <a:p>
+                      <a:pPr marL="0" marR="0" lvl="0" indent="0" algn="l" defTabSz="914400" rtl="0" eaLnBrk="1" fontAlgn="base" latinLnBrk="0" hangingPunct="1">
+                        <a:lnSpc>
+                          <a:spcPct val="100000"/>
+                        </a:lnSpc>
+                        <a:spcBef>
+                          <a:spcPct val="0"/>
+                        </a:spcBef>
+                        <a:spcAft>
+                          <a:spcPct val="0"/>
+                        </a:spcAft>
+                        <a:buClrTx/>
+                        <a:buSzTx/>
+                        <a:buFontTx/>
+                        <a:buNone/>
+                        <a:tabLst/>
+                      </a:pPr>
+                      <a:endParaRPr kumimoji="0" lang="es-ES" sz="1800" b="0" i="0" u="none" strike="noStrike" cap="none" normalizeH="0" baseline="0" smtClean="0">
+                        <a:ln>
+                          <a:noFill/>
+                        </a:ln>
+                        <a:solidFill>
+                          <a:schemeClr val="tx1"/>
+                        </a:solidFill>
+                        <a:effectLst/>
+                        <a:latin typeface="Candara" pitchFamily="34" charset="0"/>
+                      </a:endParaRPr>
+                    </a:p>
+                  </a:txBody>
+                  <a:tcPr horzOverflow="overflow">
+                    <a:lnL w="12700" cap="flat" cmpd="sng" algn="ctr">
+                      <a:solidFill>
+                        <a:schemeClr val="accent1"/>
+                      </a:solidFill>
+                      <a:prstDash val="solid"/>
+                      <a:round/>
+                      <a:headEnd type="none" w="med" len="med"/>
+                      <a:tailEnd type="none" w="med" len="med"/>
+                    </a:lnL>
+                    <a:lnR w="12700" cap="flat" cmpd="sng" algn="ctr">
+                      <a:solidFill>
+                        <a:schemeClr val="accent1"/>
+                      </a:solidFill>
+                      <a:prstDash val="solid"/>
+                      <a:round/>
+                      <a:headEnd type="none" w="med" len="med"/>
+                      <a:tailEnd type="none" w="med" len="med"/>
+                    </a:lnR>
+                    <a:lnT w="12700" cap="flat" cmpd="sng" algn="ctr">
+                      <a:solidFill>
+                        <a:schemeClr val="accent1"/>
+                      </a:solidFill>
+                      <a:prstDash val="solid"/>
+                      <a:round/>
+                      <a:headEnd type="none" w="med" len="med"/>
+                      <a:tailEnd type="none" w="med" len="med"/>
+                    </a:lnT>
+                    <a:lnB w="25400" cap="flat" cmpd="sng" algn="ctr">
+                      <a:solidFill>
+                        <a:schemeClr val="accent1"/>
+                      </a:solidFill>
+                      <a:prstDash val="solid"/>
+                      <a:round/>
+                      <a:headEnd type="none" w="med" len="med"/>
+                      <a:tailEnd type="none" w="med" len="med"/>
+                    </a:lnB>
+                    <a:lnTlToBr>
+                      <a:noFill/>
+                    </a:lnTlToBr>
+                    <a:lnBlToTr>
+                      <a:noFill/>
+                    </a:lnBlToTr>
+                    <a:noFill/>
+                  </a:tcPr>
+                </a:tc>
+              </a:tr>
+              <a:tr h="623888">
+                <a:tc>
+                  <a:txBody>
+                    <a:bodyPr/>
+                    <a:lstStyle/>
+                    <a:p>
+                      <a:pPr marL="0" marR="0" lvl="0" indent="0" algn="l" defTabSz="914400" rtl="0" eaLnBrk="1" fontAlgn="base" latinLnBrk="0" hangingPunct="1">
+                        <a:lnSpc>
+                          <a:spcPct val="100000"/>
+                        </a:lnSpc>
+                        <a:spcBef>
+                          <a:spcPct val="0"/>
+                        </a:spcBef>
+                        <a:spcAft>
+                          <a:spcPct val="0"/>
+                        </a:spcAft>
+                        <a:buClrTx/>
+                        <a:buSzTx/>
+                        <a:buFontTx/>
+                        <a:buNone/>
+                        <a:tabLst/>
+                      </a:pPr>
+                      <a:r>
+                        <a:rPr kumimoji="0" lang="es-PE" sz="1800" b="1" i="0" u="none" strike="noStrike" cap="none" normalizeH="0" baseline="0" smtClean="0">
+                          <a:ln>
+                            <a:noFill/>
+                          </a:ln>
+                          <a:solidFill>
+                            <a:schemeClr val="tx1"/>
+                          </a:solidFill>
+                          <a:effectLst/>
+                          <a:latin typeface="Candara" pitchFamily="34" charset="0"/>
+                        </a:rPr>
+                        <a:t>Propósito</a:t>
+                      </a:r>
+                    </a:p>
+                  </a:txBody>
+                  <a:tcPr horzOverflow="overflow">
+                    <a:lnL w="12700" cap="flat" cmpd="sng" algn="ctr">
+                      <a:solidFill>
+                        <a:schemeClr val="accent1"/>
+                      </a:solidFill>
+                      <a:prstDash val="solid"/>
+                      <a:round/>
+                      <a:headEnd type="none" w="med" len="med"/>
+                      <a:tailEnd type="none" w="med" len="med"/>
+                    </a:lnL>
+                    <a:lnR w="12700" cap="flat" cmpd="sng" algn="ctr">
+                      <a:solidFill>
+                        <a:schemeClr val="accent1"/>
+                      </a:solidFill>
+                      <a:prstDash val="solid"/>
+                      <a:round/>
+                      <a:headEnd type="none" w="med" len="med"/>
+                      <a:tailEnd type="none" w="med" len="med"/>
+                    </a:lnR>
+                    <a:lnT w="25400" cap="flat" cmpd="sng" algn="ctr">
+                      <a:solidFill>
+                        <a:schemeClr val="accent1"/>
+                      </a:solidFill>
+                      <a:prstDash val="solid"/>
+                      <a:round/>
+                      <a:headEnd type="none" w="med" len="med"/>
+                      <a:tailEnd type="none" w="med" len="med"/>
+                    </a:lnT>
+                    <a:lnB w="12700" cap="flat" cmpd="sng" algn="ctr">
+                      <a:solidFill>
+                        <a:schemeClr val="accent1"/>
+                      </a:solidFill>
+                      <a:prstDash val="solid"/>
+                      <a:round/>
+                      <a:headEnd type="none" w="med" len="med"/>
+                      <a:tailEnd type="none" w="med" len="med"/>
+                    </a:lnB>
+                    <a:lnTlToBr>
+                      <a:noFill/>
+                    </a:lnTlToBr>
+                    <a:lnBlToTr>
+                      <a:noFill/>
+                    </a:lnBlToTr>
+                    <a:solidFill>
+                      <a:schemeClr val="accent1">
+                        <a:alpha val="20000"/>
+                      </a:schemeClr>
+                    </a:solidFill>
+                  </a:tcPr>
+                </a:tc>
+                <a:tc>
+                  <a:txBody>
+                    <a:bodyPr/>
+                    <a:lstStyle/>
+                    <a:p>
+                      <a:pPr marL="0" marR="0" lvl="0" indent="0" algn="l" defTabSz="914400" rtl="0" eaLnBrk="1" fontAlgn="base" latinLnBrk="0" hangingPunct="1">
+                        <a:lnSpc>
+                          <a:spcPct val="100000"/>
+                        </a:lnSpc>
+                        <a:spcBef>
+                          <a:spcPct val="0"/>
+                        </a:spcBef>
+                        <a:spcAft>
+                          <a:spcPct val="0"/>
+                        </a:spcAft>
+                        <a:buClrTx/>
+                        <a:buSzTx/>
+                        <a:buFontTx/>
+                        <a:buNone/>
+                        <a:tabLst/>
+                      </a:pPr>
+                      <a:endParaRPr kumimoji="0" lang="es-ES" sz="1800" b="0" i="0" u="none" strike="noStrike" cap="none" normalizeH="0" baseline="0" smtClean="0">
+                        <a:ln>
+                          <a:noFill/>
+                        </a:ln>
+                        <a:solidFill>
+                          <a:srgbClr val="000000"/>
+                        </a:solidFill>
+                        <a:effectLst/>
+                        <a:latin typeface="Candara" pitchFamily="34" charset="0"/>
+                      </a:endParaRPr>
+                    </a:p>
+                  </a:txBody>
+                  <a:tcPr horzOverflow="overflow">
+                    <a:lnL w="12700" cap="flat" cmpd="sng" algn="ctr">
+                      <a:solidFill>
+                        <a:schemeClr val="accent1"/>
+                      </a:solidFill>
+                      <a:prstDash val="solid"/>
+                      <a:round/>
+                      <a:headEnd type="none" w="med" len="med"/>
+                      <a:tailEnd type="none" w="med" len="med"/>
+                    </a:lnL>
+                    <a:lnR w="12700" cap="flat" cmpd="sng" algn="ctr">
+                      <a:solidFill>
+                        <a:schemeClr val="accent1"/>
+                      </a:solidFill>
+                      <a:prstDash val="solid"/>
+                      <a:round/>
+                      <a:headEnd type="none" w="med" len="med"/>
+                      <a:tailEnd type="none" w="med" len="med"/>
+                    </a:lnR>
+                    <a:lnT w="25400" cap="flat" cmpd="sng" algn="ctr">
+                      <a:solidFill>
+                        <a:schemeClr val="accent1"/>
+                      </a:solidFill>
+                      <a:prstDash val="solid"/>
+                      <a:round/>
+                      <a:headEnd type="none" w="med" len="med"/>
+                      <a:tailEnd type="none" w="med" len="med"/>
+                    </a:lnT>
+                    <a:lnB w="12700" cap="flat" cmpd="sng" algn="ctr">
+                      <a:solidFill>
+                        <a:schemeClr val="accent1"/>
+                      </a:solidFill>
+                      <a:prstDash val="solid"/>
+                      <a:round/>
+                      <a:headEnd type="none" w="med" len="med"/>
+                      <a:tailEnd type="none" w="med" len="med"/>
+                    </a:lnB>
+                    <a:lnTlToBr>
+                      <a:noFill/>
+                    </a:lnTlToBr>
+                    <a:lnBlToTr>
+                      <a:noFill/>
+                    </a:lnBlToTr>
+                    <a:solidFill>
+                      <a:schemeClr val="accent1">
+                        <a:alpha val="20000"/>
+                      </a:schemeClr>
+                    </a:solidFill>
+                  </a:tcPr>
+                </a:tc>
+              </a:tr>
+              <a:tr h="623888">
+                <a:tc>
+                  <a:txBody>
+                    <a:bodyPr/>
+                    <a:lstStyle/>
+                    <a:p>
+                      <a:pPr marL="0" marR="0" lvl="0" indent="0" algn="l" defTabSz="914400" rtl="0" eaLnBrk="1" fontAlgn="base" latinLnBrk="0" hangingPunct="1">
+                        <a:lnSpc>
+                          <a:spcPct val="100000"/>
+                        </a:lnSpc>
+                        <a:spcBef>
+                          <a:spcPct val="0"/>
+                        </a:spcBef>
+                        <a:spcAft>
+                          <a:spcPct val="0"/>
+                        </a:spcAft>
+                        <a:buClrTx/>
+                        <a:buSzTx/>
+                        <a:buFontTx/>
+                        <a:buNone/>
+                        <a:tabLst/>
+                      </a:pPr>
+                      <a:r>
+                        <a:rPr kumimoji="0" lang="es-PE" sz="1800" b="1" i="0" u="none" strike="noStrike" cap="none" normalizeH="0" baseline="0" smtClean="0">
+                          <a:ln>
+                            <a:noFill/>
+                          </a:ln>
+                          <a:solidFill>
+                            <a:schemeClr val="tx1"/>
+                          </a:solidFill>
+                          <a:effectLst/>
+                          <a:latin typeface="Candara" pitchFamily="34" charset="0"/>
+                        </a:rPr>
+                        <a:t>Breve Descripción</a:t>
+                      </a:r>
+                    </a:p>
+                  </a:txBody>
+                  <a:tcPr horzOverflow="overflow">
+                    <a:lnL w="12700" cap="flat" cmpd="sng" algn="ctr">
+                      <a:solidFill>
+                        <a:schemeClr val="accent1"/>
+                      </a:solidFill>
+                      <a:prstDash val="solid"/>
+                      <a:round/>
+                      <a:headEnd type="none" w="med" len="med"/>
+                      <a:tailEnd type="none" w="med" len="med"/>
+                    </a:lnL>
+                    <a:lnR w="12700" cap="flat" cmpd="sng" algn="ctr">
+                      <a:solidFill>
+                        <a:schemeClr val="accent1"/>
+                      </a:solidFill>
+                      <a:prstDash val="solid"/>
+                      <a:round/>
+                      <a:headEnd type="none" w="med" len="med"/>
+                      <a:tailEnd type="none" w="med" len="med"/>
+                    </a:lnR>
+                    <a:lnT w="12700" cap="flat" cmpd="sng" algn="ctr">
+                      <a:solidFill>
+                        <a:schemeClr val="accent1"/>
+                      </a:solidFill>
+                      <a:prstDash val="solid"/>
+                      <a:round/>
+                      <a:headEnd type="none" w="med" len="med"/>
+                      <a:tailEnd type="none" w="med" len="med"/>
+                    </a:lnT>
+                    <a:lnB w="12700" cap="flat" cmpd="sng" algn="ctr">
+                      <a:solidFill>
+                        <a:schemeClr val="accent1"/>
+                      </a:solidFill>
+                      <a:prstDash val="solid"/>
+                      <a:round/>
+                      <a:headEnd type="none" w="med" len="med"/>
+                      <a:tailEnd type="none" w="med" len="med"/>
+                    </a:lnB>
+                    <a:lnTlToBr>
+                      <a:noFill/>
+                    </a:lnTlToBr>
+                    <a:lnBlToTr>
+                      <a:noFill/>
+                    </a:lnBlToTr>
+                    <a:noFill/>
+                  </a:tcPr>
+                </a:tc>
+                <a:tc>
+                  <a:txBody>
+                    <a:bodyPr/>
+                    <a:lstStyle/>
+                    <a:p>
+                      <a:pPr marL="0" marR="0" lvl="0" indent="0" algn="just" defTabSz="914400" rtl="0" eaLnBrk="1" fontAlgn="base" latinLnBrk="0" hangingPunct="1">
+                        <a:lnSpc>
+                          <a:spcPct val="100000"/>
+                        </a:lnSpc>
+                        <a:spcBef>
+                          <a:spcPct val="0"/>
+                        </a:spcBef>
+                        <a:spcAft>
+                          <a:spcPct val="0"/>
+                        </a:spcAft>
+                        <a:buClrTx/>
+                        <a:buSzTx/>
+                        <a:buFontTx/>
+                        <a:buNone/>
+                        <a:tabLst/>
+                      </a:pPr>
+                      <a:endParaRPr kumimoji="0" lang="es-ES" sz="1800" b="0" i="0" u="none" strike="noStrike" cap="none" normalizeH="0" baseline="0" smtClean="0">
+                        <a:ln>
+                          <a:noFill/>
+                        </a:ln>
+                        <a:solidFill>
+                          <a:schemeClr val="tx1"/>
+                        </a:solidFill>
+                        <a:effectLst/>
+                        <a:latin typeface="Candara" pitchFamily="34" charset="0"/>
+                      </a:endParaRPr>
+                    </a:p>
+                  </a:txBody>
+                  <a:tcPr horzOverflow="overflow">
+                    <a:lnL w="12700" cap="flat" cmpd="sng" algn="ctr">
+                      <a:solidFill>
+                        <a:schemeClr val="accent1"/>
+                      </a:solidFill>
+                      <a:prstDash val="solid"/>
+                      <a:round/>
+                      <a:headEnd type="none" w="med" len="med"/>
+                      <a:tailEnd type="none" w="med" len="med"/>
+                    </a:lnL>
+                    <a:lnR w="12700" cap="flat" cmpd="sng" algn="ctr">
+                      <a:solidFill>
+                        <a:schemeClr val="accent1"/>
+                      </a:solidFill>
+                      <a:prstDash val="solid"/>
+                      <a:round/>
+                      <a:headEnd type="none" w="med" len="med"/>
+                      <a:tailEnd type="none" w="med" len="med"/>
+                    </a:lnR>
+                    <a:lnT w="12700" cap="flat" cmpd="sng" algn="ctr">
+                      <a:solidFill>
+                        <a:schemeClr val="accent1"/>
+                      </a:solidFill>
+                      <a:prstDash val="solid"/>
+                      <a:round/>
+                      <a:headEnd type="none" w="med" len="med"/>
+                      <a:tailEnd type="none" w="med" len="med"/>
+                    </a:lnT>
+                    <a:lnB w="12700" cap="flat" cmpd="sng" algn="ctr">
+                      <a:solidFill>
+                        <a:schemeClr val="accent1"/>
+                      </a:solidFill>
+                      <a:prstDash val="solid"/>
+                      <a:round/>
+                      <a:headEnd type="none" w="med" len="med"/>
+                      <a:tailEnd type="none" w="med" len="med"/>
+                    </a:lnB>
+                    <a:lnTlToBr>
+                      <a:noFill/>
+                    </a:lnTlToBr>
+                    <a:lnBlToTr>
+                      <a:noFill/>
+                    </a:lnBlToTr>
+                    <a:noFill/>
+                  </a:tcPr>
+                </a:tc>
+              </a:tr>
+              <a:tr h="623888">
+                <a:tc>
+                  <a:txBody>
+                    <a:bodyPr/>
+                    <a:lstStyle/>
+                    <a:p>
+                      <a:pPr marL="0" marR="0" lvl="0" indent="0" algn="l" defTabSz="914400" rtl="0" eaLnBrk="1" fontAlgn="base" latinLnBrk="0" hangingPunct="1">
+                        <a:lnSpc>
+                          <a:spcPct val="100000"/>
+                        </a:lnSpc>
+                        <a:spcBef>
+                          <a:spcPct val="0"/>
+                        </a:spcBef>
+                        <a:spcAft>
+                          <a:spcPct val="0"/>
+                        </a:spcAft>
+                        <a:buClrTx/>
+                        <a:buSzTx/>
+                        <a:buFontTx/>
+                        <a:buNone/>
+                        <a:tabLst/>
+                      </a:pPr>
+                      <a:r>
+                        <a:rPr kumimoji="0" lang="en-US" sz="1800" b="1" i="0" u="none" strike="noStrike" cap="none" normalizeH="0" baseline="0" smtClean="0">
+                          <a:ln>
+                            <a:noFill/>
+                          </a:ln>
+                          <a:solidFill>
+                            <a:schemeClr val="tx1"/>
+                          </a:solidFill>
+                          <a:effectLst/>
+                          <a:latin typeface="Candara" pitchFamily="34" charset="0"/>
+                        </a:rPr>
+                        <a:t>Flujo de Eventos</a:t>
+                      </a:r>
+                      <a:endParaRPr kumimoji="0" lang="es-PE" sz="1800" b="1" i="0" u="none" strike="noStrike" cap="none" normalizeH="0" baseline="0" smtClean="0">
+                        <a:ln>
+                          <a:noFill/>
+                        </a:ln>
+                        <a:solidFill>
+                          <a:schemeClr val="tx1"/>
+                        </a:solidFill>
+                        <a:effectLst/>
+                        <a:latin typeface="Candara" pitchFamily="34" charset="0"/>
+                      </a:endParaRPr>
+                    </a:p>
+                  </a:txBody>
+                  <a:tcPr horzOverflow="overflow">
+                    <a:lnL w="12700" cap="flat" cmpd="sng" algn="ctr">
+                      <a:solidFill>
+                        <a:schemeClr val="accent1"/>
+                      </a:solidFill>
+                      <a:prstDash val="solid"/>
+                      <a:round/>
+                      <a:headEnd type="none" w="med" len="med"/>
+                      <a:tailEnd type="none" w="med" len="med"/>
+                    </a:lnL>
+                    <a:lnR w="12700" cap="flat" cmpd="sng" algn="ctr">
+                      <a:solidFill>
+                        <a:schemeClr val="accent1"/>
+                      </a:solidFill>
+                      <a:prstDash val="solid"/>
+                      <a:round/>
+                      <a:headEnd type="none" w="med" len="med"/>
+                      <a:tailEnd type="none" w="med" len="med"/>
+                    </a:lnR>
+                    <a:lnT w="12700" cap="flat" cmpd="sng" algn="ctr">
+                      <a:solidFill>
+                        <a:schemeClr val="accent1"/>
+                      </a:solidFill>
+                      <a:prstDash val="solid"/>
+                      <a:round/>
+                      <a:headEnd type="none" w="med" len="med"/>
+                      <a:tailEnd type="none" w="med" len="med"/>
+                    </a:lnT>
+                    <a:lnB w="12700" cap="flat" cmpd="sng" algn="ctr">
+                      <a:solidFill>
+                        <a:schemeClr val="accent1"/>
+                      </a:solidFill>
+                      <a:prstDash val="solid"/>
+                      <a:round/>
+                      <a:headEnd type="none" w="med" len="med"/>
+                      <a:tailEnd type="none" w="med" len="med"/>
+                    </a:lnB>
+                    <a:lnTlToBr>
+                      <a:noFill/>
+                    </a:lnTlToBr>
+                    <a:lnBlToTr>
+                      <a:noFill/>
+                    </a:lnBlToTr>
+                    <a:solidFill>
+                      <a:schemeClr val="accent1">
+                        <a:alpha val="20000"/>
+                      </a:schemeClr>
+                    </a:solidFill>
+                  </a:tcPr>
+                </a:tc>
+                <a:tc>
+                  <a:txBody>
+                    <a:bodyPr/>
+                    <a:lstStyle/>
+                    <a:p>
+                      <a:pPr marL="0" marR="0" lvl="0" indent="0" algn="l" defTabSz="914400" rtl="0" eaLnBrk="1" fontAlgn="base" latinLnBrk="0" hangingPunct="1">
+                        <a:lnSpc>
+                          <a:spcPct val="100000"/>
+                        </a:lnSpc>
+                        <a:spcBef>
+                          <a:spcPct val="0"/>
+                        </a:spcBef>
+                        <a:spcAft>
+                          <a:spcPct val="0"/>
+                        </a:spcAft>
+                        <a:buClrTx/>
+                        <a:buSzTx/>
+                        <a:buFontTx/>
+                        <a:buNone/>
+                        <a:tabLst/>
+                      </a:pPr>
+                      <a:endParaRPr kumimoji="0" lang="es-ES" sz="1800" b="0" i="0" u="none" strike="noStrike" cap="none" normalizeH="0" baseline="0" smtClean="0">
+                        <a:ln>
+                          <a:noFill/>
+                        </a:ln>
+                        <a:solidFill>
+                          <a:schemeClr val="tx1"/>
+                        </a:solidFill>
+                        <a:effectLst/>
+                        <a:latin typeface="Candara" pitchFamily="34" charset="0"/>
+                      </a:endParaRPr>
+                    </a:p>
+                  </a:txBody>
+                  <a:tcPr horzOverflow="overflow">
+                    <a:lnL w="12700" cap="flat" cmpd="sng" algn="ctr">
+                      <a:solidFill>
+                        <a:schemeClr val="accent1"/>
+                      </a:solidFill>
+                      <a:prstDash val="solid"/>
+                      <a:round/>
+                      <a:headEnd type="none" w="med" len="med"/>
+                      <a:tailEnd type="none" w="med" len="med"/>
+                    </a:lnL>
+                    <a:lnR w="12700" cap="flat" cmpd="sng" algn="ctr">
+                      <a:solidFill>
+                        <a:schemeClr val="accent1"/>
+                      </a:solidFill>
+                      <a:prstDash val="solid"/>
+                      <a:round/>
+                      <a:headEnd type="none" w="med" len="med"/>
+                      <a:tailEnd type="none" w="med" len="med"/>
+                    </a:lnR>
+                    <a:lnT w="12700" cap="flat" cmpd="sng" algn="ctr">
+                      <a:solidFill>
+                        <a:schemeClr val="accent1"/>
+                      </a:solidFill>
+                      <a:prstDash val="solid"/>
+                      <a:round/>
+                      <a:headEnd type="none" w="med" len="med"/>
+                      <a:tailEnd type="none" w="med" len="med"/>
+                    </a:lnT>
+                    <a:lnB w="12700" cap="flat" cmpd="sng" algn="ctr">
+                      <a:solidFill>
+                        <a:schemeClr val="accent1"/>
+                      </a:solidFill>
+                      <a:prstDash val="solid"/>
+                      <a:round/>
+                      <a:headEnd type="none" w="med" len="med"/>
+                      <a:tailEnd type="none" w="med" len="med"/>
+                    </a:lnB>
+                    <a:lnTlToBr>
+                      <a:noFill/>
+                    </a:lnTlToBr>
+                    <a:lnBlToTr>
+                      <a:noFill/>
+                    </a:lnBlToTr>
+                    <a:solidFill>
+                      <a:schemeClr val="accent1">
+                        <a:alpha val="20000"/>
+                      </a:schemeClr>
+                    </a:solidFill>
+                  </a:tcPr>
+                </a:tc>
+              </a:tr>
+            </a:tbl>
+          </a:graphicData>
+        </a:graphic>
+      </p:graphicFrame>
+    </p:spTree>
+  </p:cSld>
+  <p:clrMapOvr>
+    <a:masterClrMapping/>
+  </p:clrMapOvr>
+  <p:timing>
+    <p:tnLst>
+      <p:par>
+        <p:cTn id="1" dur="indefinite" restart="never" nodeType="tmRoot"/>
+      </p:par>
+    </p:tnLst>
+  </p:timing>
+</p:sld>
+</file>
+
+<file path=ppt/slides/slide17.xml><?xml version="1.0" encoding="utf-8"?>
+<p:sld xmlns:a="http://schemas.openxmlformats.org/drawingml/2006/main" xmlns:r="http://schemas.openxmlformats.org/officeDocument/2006/relationships" xmlns:p="http://schemas.openxmlformats.org/presentationml/2006/main">
+  <p:cSld>
+    <p:spTree>
+      <p:nvGrpSpPr>
+        <p:cNvPr id="1" name=""/>
+        <p:cNvGrpSpPr/>
+        <p:nvPr/>
+      </p:nvGrpSpPr>
+      <p:grpSpPr>
+        <a:xfrm>
+          <a:off x="0" y="0"/>
+          <a:ext cx="0" cy="0"/>
+          <a:chOff x="0" y="0"/>
+          <a:chExt cx="0" cy="0"/>
+        </a:xfrm>
+      </p:grpSpPr>
+      <p:sp>
+        <p:nvSpPr>
+          <p:cNvPr id="29697" name="2 Título"/>
+          <p:cNvSpPr>
+            <a:spLocks noGrp="1"/>
+          </p:cNvSpPr>
+          <p:nvPr>
+            <p:ph type="title" idx="4294967295"/>
+          </p:nvPr>
+        </p:nvSpPr>
+        <p:spPr>
+          <a:xfrm>
+            <a:off x="395288" y="404813"/>
+            <a:ext cx="8497887" cy="1252537"/>
+          </a:xfrm>
+        </p:spPr>
+        <p:txBody>
+          <a:bodyPr/>
+          <a:lstStyle/>
+          <a:p>
+            <a:pPr eaLnBrk="1" hangingPunct="1"/>
+            <a:r>
+              <a:rPr lang="es-PE" sz="4000" b="1" smtClean="0">
+                <a:solidFill>
+                  <a:schemeClr val="tx2"/>
+                </a:solidFill>
+              </a:rPr>
+              <a:t>CC_CUS014_Agregar_Incumplimiento</a:t>
+            </a:r>
+          </a:p>
+        </p:txBody>
+      </p:sp>
+      <p:graphicFrame>
+        <p:nvGraphicFramePr>
+          <p:cNvPr id="44035" name="Group 3"/>
+          <p:cNvGraphicFramePr>
+            <a:graphicFrameLocks noGrp="1"/>
+          </p:cNvGraphicFramePr>
+          <p:nvPr/>
+        </p:nvGraphicFramePr>
+        <p:xfrm>
+          <a:off x="252413" y="1811338"/>
+          <a:ext cx="8640762" cy="623887"/>
+        </p:xfrm>
+        <a:graphic>
+          <a:graphicData uri="http://schemas.openxmlformats.org/drawingml/2006/table">
+            <a:tbl>
+              <a:tblPr/>
+              <a:tblGrid>
+                <a:gridCol w="8640762"/>
+              </a:tblGrid>
+              <a:tr h="623888">
+                <a:tc>
+                  <a:txBody>
+                    <a:bodyPr/>
+                    <a:lstStyle/>
+                    <a:p>
+                      <a:pPr marL="0" marR="0" lvl="2" indent="0" algn="l" defTabSz="914400" rtl="0" eaLnBrk="1" fontAlgn="base" latinLnBrk="0" hangingPunct="1">
+                        <a:lnSpc>
+                          <a:spcPct val="100000"/>
+                        </a:lnSpc>
+                        <a:spcBef>
+                          <a:spcPct val="0"/>
+                        </a:spcBef>
+                        <a:spcAft>
+                          <a:spcPct val="0"/>
+                        </a:spcAft>
+                        <a:buClrTx/>
+                        <a:buSzTx/>
+                        <a:buFontTx/>
+                        <a:buNone/>
+                        <a:tabLst/>
+                      </a:pPr>
+                      <a:r>
+                        <a:rPr kumimoji="0" lang="en-US" sz="1800" b="1" i="0" u="none" strike="noStrike" cap="none" normalizeH="0" baseline="0" smtClean="0">
+                          <a:ln>
+                            <a:noFill/>
+                          </a:ln>
+                          <a:solidFill>
+                            <a:schemeClr val="tx1"/>
+                          </a:solidFill>
+                          <a:effectLst/>
+                          <a:latin typeface="Candara" pitchFamily="34" charset="0"/>
+                        </a:rPr>
+                        <a:t>Flujo Básico</a:t>
+                      </a:r>
+                      <a:endParaRPr kumimoji="0" lang="es-PE" sz="1800" b="1" i="0" u="none" strike="noStrike" cap="none" normalizeH="0" baseline="0" smtClean="0">
+                        <a:ln>
+                          <a:noFill/>
+                        </a:ln>
+                        <a:solidFill>
+                          <a:schemeClr val="tx1"/>
+                        </a:solidFill>
+                        <a:effectLst/>
+                        <a:latin typeface="Candara" pitchFamily="34" charset="0"/>
+                      </a:endParaRPr>
+                    </a:p>
+                  </a:txBody>
+                  <a:tcPr horzOverflow="overflow">
+                    <a:lnL w="12700" cap="flat" cmpd="sng" algn="ctr">
+                      <a:solidFill>
+                        <a:schemeClr val="accent1"/>
+                      </a:solidFill>
+                      <a:prstDash val="solid"/>
+                      <a:round/>
+                      <a:headEnd type="none" w="med" len="med"/>
+                      <a:tailEnd type="none" w="med" len="med"/>
+                    </a:lnL>
+                    <a:lnR w="12700" cap="flat" cmpd="sng" algn="ctr">
+                      <a:solidFill>
+                        <a:schemeClr val="accent1"/>
+                      </a:solidFill>
+                      <a:prstDash val="solid"/>
+                      <a:round/>
+                      <a:headEnd type="none" w="med" len="med"/>
+                      <a:tailEnd type="none" w="med" len="med"/>
+                    </a:lnR>
+                    <a:lnT w="12700" cap="flat" cmpd="sng" algn="ctr">
+                      <a:solidFill>
+                        <a:schemeClr val="accent1"/>
+                      </a:solidFill>
+                      <a:prstDash val="solid"/>
+                      <a:round/>
+                      <a:headEnd type="none" w="med" len="med"/>
+                      <a:tailEnd type="none" w="med" len="med"/>
+                    </a:lnT>
+                    <a:lnB w="25400" cap="flat" cmpd="sng" algn="ctr">
+                      <a:solidFill>
+                        <a:schemeClr val="accent1"/>
+                      </a:solidFill>
+                      <a:prstDash val="solid"/>
+                      <a:round/>
+                      <a:headEnd type="none" w="med" len="med"/>
+                      <a:tailEnd type="none" w="med" len="med"/>
+                    </a:lnB>
+                    <a:lnTlToBr>
+                      <a:noFill/>
+                    </a:lnTlToBr>
+                    <a:lnBlToTr>
+                      <a:noFill/>
+                    </a:lnBlToTr>
+                    <a:noFill/>
+                  </a:tcPr>
+                </a:tc>
+              </a:tr>
+            </a:tbl>
+          </a:graphicData>
+        </a:graphic>
+      </p:graphicFrame>
+    </p:spTree>
+  </p:cSld>
+  <p:clrMapOvr>
+    <a:masterClrMapping/>
+  </p:clrMapOvr>
+  <p:timing>
+    <p:tnLst>
+      <p:par>
+        <p:cTn id="1" dur="indefinite" restart="never" nodeType="tmRoot"/>
+      </p:par>
+    </p:tnLst>
+  </p:timing>
+</p:sld>
+</file>
+
+<file path=ppt/slides/slide18.xml><?xml version="1.0" encoding="utf-8"?>
+<p:sld xmlns:a="http://schemas.openxmlformats.org/drawingml/2006/main" xmlns:r="http://schemas.openxmlformats.org/officeDocument/2006/relationships" xmlns:p="http://schemas.openxmlformats.org/presentationml/2006/main">
+  <p:cSld>
+    <p:spTree>
+      <p:nvGrpSpPr>
+        <p:cNvPr id="1" name=""/>
+        <p:cNvGrpSpPr/>
+        <p:nvPr/>
+      </p:nvGrpSpPr>
+      <p:grpSpPr>
+        <a:xfrm>
+          <a:off x="0" y="0"/>
+          <a:ext cx="0" cy="0"/>
+          <a:chOff x="0" y="0"/>
+          <a:chExt cx="0" cy="0"/>
+        </a:xfrm>
+      </p:grpSpPr>
+      <p:sp>
+        <p:nvSpPr>
+          <p:cNvPr id="30721" name="2 Título"/>
+          <p:cNvSpPr>
+            <a:spLocks noGrp="1"/>
+          </p:cNvSpPr>
+          <p:nvPr>
+            <p:ph type="title" idx="4294967295"/>
+          </p:nvPr>
+        </p:nvSpPr>
+        <p:spPr>
+          <a:xfrm>
+            <a:off x="395288" y="404813"/>
+            <a:ext cx="8497887" cy="1252537"/>
+          </a:xfrm>
+        </p:spPr>
+        <p:txBody>
+          <a:bodyPr/>
+          <a:lstStyle/>
+          <a:p>
+            <a:pPr eaLnBrk="1" hangingPunct="1"/>
+            <a:r>
+              <a:rPr lang="es-PE" sz="4000" b="1" smtClean="0">
+                <a:solidFill>
+                  <a:schemeClr val="tx2"/>
+                </a:solidFill>
+              </a:rPr>
+              <a:t>CC_CUS014_Agregar_Incumplimiento</a:t>
+            </a:r>
+          </a:p>
+        </p:txBody>
+      </p:sp>
+      <p:graphicFrame>
+        <p:nvGraphicFramePr>
+          <p:cNvPr id="45059" name="Group 3"/>
+          <p:cNvGraphicFramePr>
+            <a:graphicFrameLocks noGrp="1"/>
+          </p:cNvGraphicFramePr>
+          <p:nvPr/>
+        </p:nvGraphicFramePr>
+        <p:xfrm>
+          <a:off x="250825" y="2060575"/>
+          <a:ext cx="8642350" cy="3441700"/>
+        </p:xfrm>
+        <a:graphic>
+          <a:graphicData uri="http://schemas.openxmlformats.org/drawingml/2006/table">
+            <a:tbl>
+              <a:tblPr/>
+              <a:tblGrid>
+                <a:gridCol w="2881313"/>
+                <a:gridCol w="5761037"/>
+              </a:tblGrid>
+              <a:tr h="623888">
+                <a:tc>
+                  <a:txBody>
+                    <a:bodyPr/>
+                    <a:lstStyle/>
+                    <a:p>
+                      <a:pPr marL="0" marR="0" lvl="1" indent="0" algn="l" defTabSz="914400" rtl="0" eaLnBrk="1" fontAlgn="base" latinLnBrk="0" hangingPunct="1">
+                        <a:lnSpc>
+                          <a:spcPct val="100000"/>
+                        </a:lnSpc>
+                        <a:spcBef>
+                          <a:spcPct val="0"/>
+                        </a:spcBef>
+                        <a:spcAft>
+                          <a:spcPct val="0"/>
+                        </a:spcAft>
+                        <a:buClrTx/>
+                        <a:buSzTx/>
+                        <a:buFontTx/>
+                        <a:buNone/>
+                        <a:tabLst/>
+                      </a:pPr>
+                      <a:r>
+                        <a:rPr kumimoji="0" lang="es-PE" sz="1800" b="1" i="0" u="none" strike="noStrike" cap="none" normalizeH="0" baseline="0" smtClean="0">
+                          <a:ln>
+                            <a:noFill/>
+                          </a:ln>
+                          <a:solidFill>
+                            <a:schemeClr val="tx1"/>
+                          </a:solidFill>
+                          <a:effectLst/>
+                          <a:latin typeface="Candara" pitchFamily="34" charset="0"/>
+                        </a:rPr>
+                        <a:t>Subflujos</a:t>
+                      </a:r>
+                    </a:p>
+                    <a:p>
+                      <a:pPr marL="0" marR="0" lvl="0" indent="0" algn="l" defTabSz="914400" rtl="0" eaLnBrk="1" fontAlgn="base" latinLnBrk="0" hangingPunct="1">
+                        <a:lnSpc>
+                          <a:spcPct val="100000"/>
+                        </a:lnSpc>
+                        <a:spcBef>
+                          <a:spcPct val="0"/>
+                        </a:spcBef>
+                        <a:spcAft>
+                          <a:spcPct val="0"/>
+                        </a:spcAft>
+                        <a:buClrTx/>
+                        <a:buSzTx/>
+                        <a:buFontTx/>
+                        <a:buNone/>
+                        <a:tabLst/>
+                      </a:pPr>
+                      <a:endParaRPr kumimoji="0" lang="es-PE" sz="1800" b="0" i="0" u="none" strike="noStrike" cap="none" normalizeH="0" baseline="0" smtClean="0">
+                        <a:ln>
+                          <a:noFill/>
+                        </a:ln>
+                        <a:solidFill>
+                          <a:schemeClr val="tx1"/>
+                        </a:solidFill>
+                        <a:effectLst/>
+                        <a:latin typeface="Candara" pitchFamily="34" charset="0"/>
+                      </a:endParaRPr>
+                    </a:p>
+                  </a:txBody>
+                  <a:tcPr horzOverflow="overflow">
+                    <a:lnL w="12700" cap="flat" cmpd="sng" algn="ctr">
+                      <a:solidFill>
+                        <a:schemeClr val="accent1"/>
+                      </a:solidFill>
+                      <a:prstDash val="solid"/>
+                      <a:round/>
+                      <a:headEnd type="none" w="med" len="med"/>
+                      <a:tailEnd type="none" w="med" len="med"/>
+                    </a:lnL>
+                    <a:lnR w="12700" cap="flat" cmpd="sng" algn="ctr">
+                      <a:solidFill>
+                        <a:schemeClr val="accent1"/>
+                      </a:solidFill>
+                      <a:prstDash val="solid"/>
+                      <a:round/>
+                      <a:headEnd type="none" w="med" len="med"/>
+                      <a:tailEnd type="none" w="med" len="med"/>
+                    </a:lnR>
+                    <a:lnT w="12700" cap="flat" cmpd="sng" algn="ctr">
+                      <a:solidFill>
+                        <a:schemeClr val="accent1"/>
+                      </a:solidFill>
+                      <a:prstDash val="solid"/>
+                      <a:round/>
+                      <a:headEnd type="none" w="med" len="med"/>
+                      <a:tailEnd type="none" w="med" len="med"/>
+                    </a:lnT>
+                    <a:lnB w="25400" cap="flat" cmpd="sng" algn="ctr">
+                      <a:solidFill>
+                        <a:schemeClr val="accent1"/>
+                      </a:solidFill>
+                      <a:prstDash val="solid"/>
+                      <a:round/>
+                      <a:headEnd type="none" w="med" len="med"/>
+                      <a:tailEnd type="none" w="med" len="med"/>
+                    </a:lnB>
+                    <a:lnTlToBr>
+                      <a:noFill/>
+                    </a:lnTlToBr>
+                    <a:lnBlToTr>
+                      <a:noFill/>
+                    </a:lnBlToTr>
+                    <a:noFill/>
+                  </a:tcPr>
+                </a:tc>
+                <a:tc>
+                  <a:txBody>
+                    <a:bodyPr/>
+                    <a:lstStyle/>
+                    <a:p>
+                      <a:pPr marL="0" marR="0" lvl="0" indent="0" algn="l" defTabSz="914400" rtl="0" eaLnBrk="1" fontAlgn="base" latinLnBrk="0" hangingPunct="1">
+                        <a:lnSpc>
+                          <a:spcPct val="100000"/>
+                        </a:lnSpc>
+                        <a:spcBef>
+                          <a:spcPct val="0"/>
+                        </a:spcBef>
+                        <a:spcAft>
+                          <a:spcPct val="0"/>
+                        </a:spcAft>
+                        <a:buClrTx/>
+                        <a:buSzTx/>
+                        <a:buFontTx/>
+                        <a:buNone/>
+                        <a:tabLst/>
+                      </a:pPr>
+                      <a:endParaRPr kumimoji="0" lang="es-ES" sz="1800" b="0" i="0" u="none" strike="noStrike" cap="none" normalizeH="0" baseline="0" smtClean="0">
+                        <a:ln>
+                          <a:noFill/>
+                        </a:ln>
+                        <a:solidFill>
+                          <a:schemeClr val="tx1"/>
+                        </a:solidFill>
+                        <a:effectLst/>
+                        <a:latin typeface="Candara" pitchFamily="34" charset="0"/>
+                      </a:endParaRPr>
+                    </a:p>
+                  </a:txBody>
+                  <a:tcPr horzOverflow="overflow">
+                    <a:lnL w="12700" cap="flat" cmpd="sng" algn="ctr">
+                      <a:solidFill>
+                        <a:schemeClr val="accent1"/>
+                      </a:solidFill>
+                      <a:prstDash val="solid"/>
+                      <a:round/>
+                      <a:headEnd type="none" w="med" len="med"/>
+                      <a:tailEnd type="none" w="med" len="med"/>
+                    </a:lnL>
+                    <a:lnR w="12700" cap="flat" cmpd="sng" algn="ctr">
+                      <a:solidFill>
+                        <a:schemeClr val="accent1"/>
+                      </a:solidFill>
+                      <a:prstDash val="solid"/>
+                      <a:round/>
+                      <a:headEnd type="none" w="med" len="med"/>
+                      <a:tailEnd type="none" w="med" len="med"/>
+                    </a:lnR>
+                    <a:lnT w="12700" cap="flat" cmpd="sng" algn="ctr">
+                      <a:solidFill>
+                        <a:schemeClr val="accent1"/>
+                      </a:solidFill>
+                      <a:prstDash val="solid"/>
+                      <a:round/>
+                      <a:headEnd type="none" w="med" len="med"/>
+                      <a:tailEnd type="none" w="med" len="med"/>
+                    </a:lnT>
+                    <a:lnB w="25400" cap="flat" cmpd="sng" algn="ctr">
+                      <a:solidFill>
+                        <a:schemeClr val="accent1"/>
+                      </a:solidFill>
+                      <a:prstDash val="solid"/>
+                      <a:round/>
+                      <a:headEnd type="none" w="med" len="med"/>
+                      <a:tailEnd type="none" w="med" len="med"/>
+                    </a:lnB>
+                    <a:lnTlToBr>
+                      <a:noFill/>
+                    </a:lnTlToBr>
+                    <a:lnBlToTr>
+                      <a:noFill/>
+                    </a:lnBlToTr>
+                    <a:noFill/>
+                  </a:tcPr>
+                </a:tc>
+              </a:tr>
+              <a:tr h="623888">
+                <a:tc>
+                  <a:txBody>
+                    <a:bodyPr/>
+                    <a:lstStyle/>
+                    <a:p>
+                      <a:pPr marL="0" marR="0" lvl="1" indent="0" algn="l" defTabSz="914400" rtl="0" eaLnBrk="1" fontAlgn="base" latinLnBrk="0" hangingPunct="1">
+                        <a:lnSpc>
+                          <a:spcPct val="100000"/>
+                        </a:lnSpc>
+                        <a:spcBef>
+                          <a:spcPct val="0"/>
+                        </a:spcBef>
+                        <a:spcAft>
+                          <a:spcPct val="0"/>
+                        </a:spcAft>
+                        <a:buClrTx/>
+                        <a:buSzTx/>
+                        <a:buFontTx/>
+                        <a:buNone/>
+                        <a:tabLst/>
+                      </a:pPr>
+                      <a:r>
+                        <a:rPr kumimoji="0" lang="es-PE" sz="1800" b="1" i="0" u="none" strike="noStrike" cap="none" normalizeH="0" baseline="0" smtClean="0">
+                          <a:ln>
+                            <a:noFill/>
+                          </a:ln>
+                          <a:solidFill>
+                            <a:schemeClr val="tx1"/>
+                          </a:solidFill>
+                          <a:effectLst/>
+                          <a:latin typeface="Candara" pitchFamily="34" charset="0"/>
+                        </a:rPr>
+                        <a:t>Flujos Alternos</a:t>
+                      </a:r>
+                    </a:p>
+                    <a:p>
+                      <a:pPr marL="0" marR="0" lvl="1" indent="0" algn="l" defTabSz="914400" rtl="0" eaLnBrk="1" fontAlgn="base" latinLnBrk="0" hangingPunct="1">
+                        <a:lnSpc>
+                          <a:spcPct val="100000"/>
+                        </a:lnSpc>
+                        <a:spcBef>
+                          <a:spcPct val="0"/>
+                        </a:spcBef>
+                        <a:spcAft>
+                          <a:spcPct val="0"/>
+                        </a:spcAft>
+                        <a:buClrTx/>
+                        <a:buSzTx/>
+                        <a:buFontTx/>
+                        <a:buNone/>
+                        <a:tabLst/>
+                      </a:pPr>
+                      <a:r>
+                        <a:rPr kumimoji="0" lang="es-PE" sz="1800" b="0" i="0" u="none" strike="noStrike" cap="none" normalizeH="0" baseline="0" smtClean="0">
+                          <a:ln>
+                            <a:noFill/>
+                          </a:ln>
+                          <a:solidFill>
+                            <a:schemeClr val="tx1"/>
+                          </a:solidFill>
+                          <a:effectLst/>
+                          <a:latin typeface="Candara" pitchFamily="34" charset="0"/>
+                        </a:rPr>
+                        <a:t>No aplica</a:t>
+                      </a:r>
+                    </a:p>
+                    <a:p>
+                      <a:pPr marL="0" marR="0" lvl="0" indent="0" algn="l" defTabSz="914400" rtl="0" eaLnBrk="1" fontAlgn="base" latinLnBrk="0" hangingPunct="1">
+                        <a:lnSpc>
+                          <a:spcPct val="100000"/>
+                        </a:lnSpc>
+                        <a:spcBef>
+                          <a:spcPct val="0"/>
+                        </a:spcBef>
+                        <a:spcAft>
+                          <a:spcPct val="0"/>
+                        </a:spcAft>
+                        <a:buClrTx/>
+                        <a:buSzTx/>
+                        <a:buFontTx/>
+                        <a:buNone/>
+                        <a:tabLst/>
+                      </a:pPr>
+                      <a:endParaRPr kumimoji="0" lang="es-PE" sz="1800" b="0" i="0" u="none" strike="noStrike" cap="none" normalizeH="0" baseline="0" smtClean="0">
+                        <a:ln>
+                          <a:noFill/>
+                        </a:ln>
+                        <a:solidFill>
+                          <a:schemeClr val="tx1"/>
+                        </a:solidFill>
+                        <a:effectLst/>
+                        <a:latin typeface="Candara" pitchFamily="34" charset="0"/>
+                      </a:endParaRPr>
+                    </a:p>
+                  </a:txBody>
+                  <a:tcPr horzOverflow="overflow">
+                    <a:lnL w="12700" cap="flat" cmpd="sng" algn="ctr">
+                      <a:solidFill>
+                        <a:schemeClr val="accent1"/>
+                      </a:solidFill>
+                      <a:prstDash val="solid"/>
+                      <a:round/>
+                      <a:headEnd type="none" w="med" len="med"/>
+                      <a:tailEnd type="none" w="med" len="med"/>
+                    </a:lnL>
+                    <a:lnR w="12700" cap="flat" cmpd="sng" algn="ctr">
+                      <a:solidFill>
+                        <a:schemeClr val="accent1"/>
+                      </a:solidFill>
+                      <a:prstDash val="solid"/>
+                      <a:round/>
+                      <a:headEnd type="none" w="med" len="med"/>
+                      <a:tailEnd type="none" w="med" len="med"/>
+                    </a:lnR>
+                    <a:lnT w="25400" cap="flat" cmpd="sng" algn="ctr">
+                      <a:solidFill>
+                        <a:schemeClr val="accent1"/>
+                      </a:solidFill>
+                      <a:prstDash val="solid"/>
+                      <a:round/>
+                      <a:headEnd type="none" w="med" len="med"/>
+                      <a:tailEnd type="none" w="med" len="med"/>
+                    </a:lnT>
+                    <a:lnB w="12700" cap="flat" cmpd="sng" algn="ctr">
+                      <a:solidFill>
+                        <a:schemeClr val="accent1"/>
+                      </a:solidFill>
+                      <a:prstDash val="solid"/>
+                      <a:round/>
+                      <a:headEnd type="none" w="med" len="med"/>
+                      <a:tailEnd type="none" w="med" len="med"/>
+                    </a:lnB>
+                    <a:lnTlToBr>
+                      <a:noFill/>
+                    </a:lnTlToBr>
+                    <a:lnBlToTr>
+                      <a:noFill/>
+                    </a:lnBlToTr>
+                    <a:solidFill>
+                      <a:schemeClr val="accent1">
+                        <a:alpha val="20000"/>
+                      </a:schemeClr>
+                    </a:solidFill>
+                  </a:tcPr>
+                </a:tc>
+                <a:tc>
+                  <a:txBody>
+                    <a:bodyPr/>
+                    <a:lstStyle/>
+                    <a:p>
+                      <a:pPr marL="0" marR="0" lvl="0" indent="0" algn="l" defTabSz="914400" rtl="0" eaLnBrk="1" fontAlgn="base" latinLnBrk="0" hangingPunct="1">
+                        <a:lnSpc>
+                          <a:spcPct val="100000"/>
+                        </a:lnSpc>
+                        <a:spcBef>
+                          <a:spcPct val="0"/>
+                        </a:spcBef>
+                        <a:spcAft>
+                          <a:spcPct val="0"/>
+                        </a:spcAft>
+                        <a:buClrTx/>
+                        <a:buSzTx/>
+                        <a:buFontTx/>
+                        <a:buNone/>
+                        <a:tabLst/>
+                      </a:pPr>
+                      <a:endParaRPr kumimoji="0" lang="es-ES" sz="1800" b="0" i="0" u="none" strike="noStrike" cap="none" normalizeH="0" baseline="0" smtClean="0">
+                        <a:ln>
+                          <a:noFill/>
+                        </a:ln>
+                        <a:solidFill>
+                          <a:schemeClr val="tx1"/>
+                        </a:solidFill>
+                        <a:effectLst/>
+                        <a:latin typeface="Candara" pitchFamily="34" charset="0"/>
+                      </a:endParaRPr>
+                    </a:p>
+                  </a:txBody>
+                  <a:tcPr horzOverflow="overflow">
+                    <a:lnL w="12700" cap="flat" cmpd="sng" algn="ctr">
+                      <a:solidFill>
+                        <a:schemeClr val="accent1"/>
+                      </a:solidFill>
+                      <a:prstDash val="solid"/>
+                      <a:round/>
+                      <a:headEnd type="none" w="med" len="med"/>
+                      <a:tailEnd type="none" w="med" len="med"/>
+                    </a:lnL>
+                    <a:lnR w="12700" cap="flat" cmpd="sng" algn="ctr">
+                      <a:solidFill>
+                        <a:schemeClr val="accent1"/>
+                      </a:solidFill>
+                      <a:prstDash val="solid"/>
+                      <a:round/>
+                      <a:headEnd type="none" w="med" len="med"/>
+                      <a:tailEnd type="none" w="med" len="med"/>
+                    </a:lnR>
+                    <a:lnT w="25400" cap="flat" cmpd="sng" algn="ctr">
+                      <a:solidFill>
+                        <a:schemeClr val="accent1"/>
+                      </a:solidFill>
+                      <a:prstDash val="solid"/>
+                      <a:round/>
+                      <a:headEnd type="none" w="med" len="med"/>
+                      <a:tailEnd type="none" w="med" len="med"/>
+                    </a:lnT>
+                    <a:lnB w="12700" cap="flat" cmpd="sng" algn="ctr">
+                      <a:solidFill>
+                        <a:schemeClr val="accent1"/>
+                      </a:solidFill>
+                      <a:prstDash val="solid"/>
+                      <a:round/>
+                      <a:headEnd type="none" w="med" len="med"/>
+                      <a:tailEnd type="none" w="med" len="med"/>
+                    </a:lnB>
+                    <a:lnTlToBr>
+                      <a:noFill/>
+                    </a:lnTlToBr>
+                    <a:lnBlToTr>
+                      <a:noFill/>
+                    </a:lnBlToTr>
+                    <a:solidFill>
+                      <a:schemeClr val="accent1">
+                        <a:alpha val="20000"/>
+                      </a:schemeClr>
+                    </a:solidFill>
+                  </a:tcPr>
+                </a:tc>
+              </a:tr>
+              <a:tr h="623888">
+                <a:tc>
+                  <a:txBody>
+                    <a:bodyPr/>
+                    <a:lstStyle/>
+                    <a:p>
+                      <a:pPr marL="0" marR="0" lvl="0" indent="0" algn="l" defTabSz="914400" rtl="0" eaLnBrk="1" fontAlgn="base" latinLnBrk="0" hangingPunct="1">
+                        <a:lnSpc>
+                          <a:spcPct val="100000"/>
+                        </a:lnSpc>
+                        <a:spcBef>
+                          <a:spcPct val="0"/>
+                        </a:spcBef>
+                        <a:spcAft>
+                          <a:spcPct val="0"/>
+                        </a:spcAft>
+                        <a:buClrTx/>
+                        <a:buSzTx/>
+                        <a:buFontTx/>
+                        <a:buNone/>
+                        <a:tabLst/>
+                      </a:pPr>
+                      <a:r>
+                        <a:rPr kumimoji="0" lang="es-PE" sz="1800" b="1" i="0" u="none" strike="noStrike" cap="none" normalizeH="0" baseline="0" smtClean="0">
+                          <a:ln>
+                            <a:noFill/>
+                          </a:ln>
+                          <a:solidFill>
+                            <a:schemeClr val="tx1"/>
+                          </a:solidFill>
+                          <a:effectLst/>
+                          <a:latin typeface="Candara" pitchFamily="34" charset="0"/>
+                        </a:rPr>
+                        <a:t>Precondiciones</a:t>
+                      </a:r>
+                    </a:p>
+                    <a:p>
+                      <a:pPr marL="0" marR="0" lvl="0" indent="0" algn="l" defTabSz="914400" rtl="0" eaLnBrk="1" fontAlgn="base" latinLnBrk="0" hangingPunct="1">
+                        <a:lnSpc>
+                          <a:spcPct val="100000"/>
+                        </a:lnSpc>
+                        <a:spcBef>
+                          <a:spcPct val="0"/>
+                        </a:spcBef>
+                        <a:spcAft>
+                          <a:spcPct val="0"/>
+                        </a:spcAft>
+                        <a:buClrTx/>
+                        <a:buSzTx/>
+                        <a:buFontTx/>
+                        <a:buNone/>
+                        <a:tabLst/>
+                      </a:pPr>
+                      <a:endParaRPr kumimoji="0" lang="es-PE" sz="1800" b="0" i="0" u="none" strike="noStrike" cap="none" normalizeH="0" baseline="0" smtClean="0">
+                        <a:ln>
+                          <a:noFill/>
+                        </a:ln>
+                        <a:solidFill>
+                          <a:schemeClr val="tx1"/>
+                        </a:solidFill>
+                        <a:effectLst/>
+                        <a:latin typeface="Candara" pitchFamily="34" charset="0"/>
+                      </a:endParaRPr>
+                    </a:p>
+                  </a:txBody>
+                  <a:tcPr horzOverflow="overflow">
+                    <a:lnL w="12700" cap="flat" cmpd="sng" algn="ctr">
+                      <a:solidFill>
+                        <a:schemeClr val="accent1"/>
+                      </a:solidFill>
+                      <a:prstDash val="solid"/>
+                      <a:round/>
+                      <a:headEnd type="none" w="med" len="med"/>
+                      <a:tailEnd type="none" w="med" len="med"/>
+                    </a:lnL>
+                    <a:lnR w="12700" cap="flat" cmpd="sng" algn="ctr">
+                      <a:solidFill>
+                        <a:schemeClr val="accent1"/>
+                      </a:solidFill>
+                      <a:prstDash val="solid"/>
+                      <a:round/>
+                      <a:headEnd type="none" w="med" len="med"/>
+                      <a:tailEnd type="none" w="med" len="med"/>
+                    </a:lnR>
+                    <a:lnT w="12700" cap="flat" cmpd="sng" algn="ctr">
+                      <a:solidFill>
+                        <a:schemeClr val="accent1"/>
+                      </a:solidFill>
+                      <a:prstDash val="solid"/>
+                      <a:round/>
+                      <a:headEnd type="none" w="med" len="med"/>
+                      <a:tailEnd type="none" w="med" len="med"/>
+                    </a:lnT>
+                    <a:lnB w="12700" cap="flat" cmpd="sng" algn="ctr">
+                      <a:solidFill>
+                        <a:schemeClr val="accent1"/>
+                      </a:solidFill>
+                      <a:prstDash val="solid"/>
+                      <a:round/>
+                      <a:headEnd type="none" w="med" len="med"/>
+                      <a:tailEnd type="none" w="med" len="med"/>
+                    </a:lnB>
+                    <a:lnTlToBr>
+                      <a:noFill/>
+                    </a:lnTlToBr>
+                    <a:lnBlToTr>
+                      <a:noFill/>
+                    </a:lnBlToTr>
+                    <a:noFill/>
+                  </a:tcPr>
+                </a:tc>
+                <a:tc>
+                  <a:txBody>
+                    <a:bodyPr/>
+                    <a:lstStyle/>
+                    <a:p>
+                      <a:pPr marL="0" marR="0" lvl="0" indent="-457200" algn="l" defTabSz="914400" rtl="0" eaLnBrk="1" fontAlgn="base" latinLnBrk="0" hangingPunct="1">
+                        <a:lnSpc>
+                          <a:spcPct val="100000"/>
+                        </a:lnSpc>
+                        <a:spcBef>
+                          <a:spcPct val="0"/>
+                        </a:spcBef>
+                        <a:spcAft>
+                          <a:spcPct val="0"/>
+                        </a:spcAft>
+                        <a:buClrTx/>
+                        <a:buSzTx/>
+                        <a:buFontTx/>
+                        <a:buNone/>
+                        <a:tabLst/>
+                      </a:pPr>
+                      <a:endParaRPr kumimoji="0" lang="es-ES" sz="1800" b="0" i="0" u="none" strike="noStrike" cap="none" normalizeH="0" baseline="0" smtClean="0">
+                        <a:ln>
+                          <a:noFill/>
+                        </a:ln>
+                        <a:solidFill>
+                          <a:schemeClr val="tx1"/>
+                        </a:solidFill>
+                        <a:effectLst/>
+                        <a:latin typeface="Candara" pitchFamily="34" charset="0"/>
+                      </a:endParaRPr>
+                    </a:p>
+                  </a:txBody>
+                  <a:tcPr horzOverflow="overflow">
+                    <a:lnL w="12700" cap="flat" cmpd="sng" algn="ctr">
+                      <a:solidFill>
+                        <a:schemeClr val="accent1"/>
+                      </a:solidFill>
+                      <a:prstDash val="solid"/>
+                      <a:round/>
+                      <a:headEnd type="none" w="med" len="med"/>
+                      <a:tailEnd type="none" w="med" len="med"/>
+                    </a:lnL>
+                    <a:lnR w="12700" cap="flat" cmpd="sng" algn="ctr">
+                      <a:solidFill>
+                        <a:schemeClr val="accent1"/>
+                      </a:solidFill>
+                      <a:prstDash val="solid"/>
+                      <a:round/>
+                      <a:headEnd type="none" w="med" len="med"/>
+                      <a:tailEnd type="none" w="med" len="med"/>
+                    </a:lnR>
+                    <a:lnT w="12700" cap="flat" cmpd="sng" algn="ctr">
+                      <a:solidFill>
+                        <a:schemeClr val="accent1"/>
+                      </a:solidFill>
+                      <a:prstDash val="solid"/>
+                      <a:round/>
+                      <a:headEnd type="none" w="med" len="med"/>
+                      <a:tailEnd type="none" w="med" len="med"/>
+                    </a:lnT>
+                    <a:lnB w="12700" cap="flat" cmpd="sng" algn="ctr">
+                      <a:solidFill>
+                        <a:schemeClr val="accent1"/>
+                      </a:solidFill>
+                      <a:prstDash val="solid"/>
+                      <a:round/>
+                      <a:headEnd type="none" w="med" len="med"/>
+                      <a:tailEnd type="none" w="med" len="med"/>
+                    </a:lnB>
+                    <a:lnTlToBr>
+                      <a:noFill/>
+                    </a:lnTlToBr>
+                    <a:lnBlToTr>
+                      <a:noFill/>
+                    </a:lnBlToTr>
+                    <a:noFill/>
+                  </a:tcPr>
+                </a:tc>
+              </a:tr>
+              <a:tr h="623888">
+                <a:tc>
+                  <a:txBody>
+                    <a:bodyPr/>
+                    <a:lstStyle/>
+                    <a:p>
+                      <a:pPr marL="0" marR="0" lvl="0" indent="0" algn="l" defTabSz="914400" rtl="0" eaLnBrk="1" fontAlgn="base" latinLnBrk="0" hangingPunct="1">
+                        <a:lnSpc>
+                          <a:spcPct val="100000"/>
+                        </a:lnSpc>
+                        <a:spcBef>
+                          <a:spcPct val="0"/>
+                        </a:spcBef>
+                        <a:spcAft>
+                          <a:spcPct val="0"/>
+                        </a:spcAft>
+                        <a:buClrTx/>
+                        <a:buSzTx/>
+                        <a:buFontTx/>
+                        <a:buNone/>
+                        <a:tabLst/>
+                      </a:pPr>
+                      <a:r>
+                        <a:rPr kumimoji="0" lang="es-PE" sz="1800" b="1" i="0" u="none" strike="noStrike" cap="none" normalizeH="0" baseline="0" smtClean="0">
+                          <a:ln>
+                            <a:noFill/>
+                          </a:ln>
+                          <a:solidFill>
+                            <a:schemeClr val="tx1"/>
+                          </a:solidFill>
+                          <a:effectLst/>
+                          <a:latin typeface="Candara" pitchFamily="34" charset="0"/>
+                        </a:rPr>
+                        <a:t>Poscondiciones</a:t>
+                      </a:r>
+                      <a:endParaRPr kumimoji="0" lang="es-PE" sz="1800" b="0" i="0" u="none" strike="noStrike" cap="none" normalizeH="0" baseline="0" smtClean="0">
+                        <a:ln>
+                          <a:noFill/>
+                        </a:ln>
+                        <a:solidFill>
+                          <a:schemeClr val="tx1"/>
+                        </a:solidFill>
+                        <a:effectLst/>
+                        <a:latin typeface="Candara" pitchFamily="34" charset="0"/>
+                      </a:endParaRPr>
+                    </a:p>
+                  </a:txBody>
+                  <a:tcPr horzOverflow="overflow">
+                    <a:lnL w="12700" cap="flat" cmpd="sng" algn="ctr">
+                      <a:solidFill>
+                        <a:schemeClr val="accent1"/>
+                      </a:solidFill>
+                      <a:prstDash val="solid"/>
+                      <a:round/>
+                      <a:headEnd type="none" w="med" len="med"/>
+                      <a:tailEnd type="none" w="med" len="med"/>
+                    </a:lnL>
+                    <a:lnR w="12700" cap="flat" cmpd="sng" algn="ctr">
+                      <a:solidFill>
+                        <a:schemeClr val="accent1"/>
+                      </a:solidFill>
+                      <a:prstDash val="solid"/>
+                      <a:round/>
+                      <a:headEnd type="none" w="med" len="med"/>
+                      <a:tailEnd type="none" w="med" len="med"/>
+                    </a:lnR>
+                    <a:lnT w="12700" cap="flat" cmpd="sng" algn="ctr">
+                      <a:solidFill>
+                        <a:schemeClr val="accent1"/>
+                      </a:solidFill>
+                      <a:prstDash val="solid"/>
+                      <a:round/>
+                      <a:headEnd type="none" w="med" len="med"/>
+                      <a:tailEnd type="none" w="med" len="med"/>
+                    </a:lnT>
+                    <a:lnB w="12700" cap="flat" cmpd="sng" algn="ctr">
+                      <a:solidFill>
+                        <a:schemeClr val="accent1"/>
+                      </a:solidFill>
+                      <a:prstDash val="solid"/>
+                      <a:round/>
+                      <a:headEnd type="none" w="med" len="med"/>
+                      <a:tailEnd type="none" w="med" len="med"/>
+                    </a:lnB>
+                    <a:lnTlToBr>
+                      <a:noFill/>
+                    </a:lnTlToBr>
+                    <a:lnBlToTr>
+                      <a:noFill/>
+                    </a:lnBlToTr>
+                    <a:solidFill>
+                      <a:schemeClr val="accent1">
+                        <a:alpha val="20000"/>
+                      </a:schemeClr>
+                    </a:solidFill>
+                  </a:tcPr>
+                </a:tc>
+                <a:tc>
+                  <a:txBody>
+                    <a:bodyPr/>
+                    <a:lstStyle/>
+                    <a:p>
+                      <a:pPr marL="0" marR="0" lvl="0" indent="0" algn="l" defTabSz="914400" rtl="0" eaLnBrk="1" fontAlgn="base" latinLnBrk="0" hangingPunct="1">
+                        <a:lnSpc>
+                          <a:spcPct val="100000"/>
+                        </a:lnSpc>
+                        <a:spcBef>
+                          <a:spcPct val="0"/>
+                        </a:spcBef>
+                        <a:spcAft>
+                          <a:spcPct val="0"/>
+                        </a:spcAft>
+                        <a:buClrTx/>
+                        <a:buSzTx/>
+                        <a:buFontTx/>
+                        <a:buNone/>
+                        <a:tabLst/>
+                      </a:pPr>
+                      <a:endParaRPr kumimoji="0" lang="es-ES" sz="1800" b="0" i="0" u="none" strike="noStrike" cap="none" normalizeH="0" baseline="0" smtClean="0">
+                        <a:ln>
+                          <a:noFill/>
+                        </a:ln>
+                        <a:solidFill>
+                          <a:schemeClr val="tx1"/>
+                        </a:solidFill>
+                        <a:effectLst/>
+                        <a:latin typeface="Candara" pitchFamily="34" charset="0"/>
+                      </a:endParaRPr>
+                    </a:p>
+                  </a:txBody>
+                  <a:tcPr horzOverflow="overflow">
+                    <a:lnL w="12700" cap="flat" cmpd="sng" algn="ctr">
+                      <a:solidFill>
+                        <a:schemeClr val="accent1"/>
+                      </a:solidFill>
+                      <a:prstDash val="solid"/>
+                      <a:round/>
+                      <a:headEnd type="none" w="med" len="med"/>
+                      <a:tailEnd type="none" w="med" len="med"/>
+                    </a:lnL>
+                    <a:lnR w="12700" cap="flat" cmpd="sng" algn="ctr">
+                      <a:solidFill>
+                        <a:schemeClr val="accent1"/>
+                      </a:solidFill>
+                      <a:prstDash val="solid"/>
+                      <a:round/>
+                      <a:headEnd type="none" w="med" len="med"/>
+                      <a:tailEnd type="none" w="med" len="med"/>
+                    </a:lnR>
+                    <a:lnT w="12700" cap="flat" cmpd="sng" algn="ctr">
+                      <a:solidFill>
+                        <a:schemeClr val="accent1"/>
+                      </a:solidFill>
+                      <a:prstDash val="solid"/>
+                      <a:round/>
+                      <a:headEnd type="none" w="med" len="med"/>
+                      <a:tailEnd type="none" w="med" len="med"/>
+                    </a:lnT>
+                    <a:lnB w="12700" cap="flat" cmpd="sng" algn="ctr">
+                      <a:solidFill>
+                        <a:schemeClr val="accent1"/>
+                      </a:solidFill>
+                      <a:prstDash val="solid"/>
+                      <a:round/>
+                      <a:headEnd type="none" w="med" len="med"/>
+                      <a:tailEnd type="none" w="med" len="med"/>
+                    </a:lnB>
+                    <a:lnTlToBr>
+                      <a:noFill/>
+                    </a:lnTlToBr>
+                    <a:lnBlToTr>
+                      <a:noFill/>
+                    </a:lnBlToTr>
+                    <a:solidFill>
+                      <a:schemeClr val="accent1">
+                        <a:alpha val="20000"/>
+                      </a:schemeClr>
+                    </a:solidFill>
+                  </a:tcPr>
+                </a:tc>
+              </a:tr>
+              <a:tr h="623888">
+                <a:tc>
+                  <a:txBody>
+                    <a:bodyPr/>
+                    <a:lstStyle/>
+                    <a:p>
+                      <a:pPr marL="0" marR="0" lvl="0" indent="0" algn="l" defTabSz="914400" rtl="0" eaLnBrk="1" fontAlgn="base" latinLnBrk="0" hangingPunct="1">
+                        <a:lnSpc>
+                          <a:spcPct val="100000"/>
+                        </a:lnSpc>
+                        <a:spcBef>
+                          <a:spcPct val="0"/>
+                        </a:spcBef>
+                        <a:spcAft>
+                          <a:spcPct val="0"/>
+                        </a:spcAft>
+                        <a:buClrTx/>
+                        <a:buSzTx/>
+                        <a:buFontTx/>
+                        <a:buNone/>
+                        <a:tabLst/>
+                      </a:pPr>
+                      <a:r>
+                        <a:rPr kumimoji="0" lang="es-PE" sz="1800" b="1" i="0" u="none" strike="noStrike" cap="none" normalizeH="0" baseline="0" smtClean="0">
+                          <a:ln>
+                            <a:noFill/>
+                          </a:ln>
+                          <a:solidFill>
+                            <a:schemeClr val="tx1"/>
+                          </a:solidFill>
+                          <a:effectLst/>
+                          <a:latin typeface="Candara" pitchFamily="34" charset="0"/>
+                        </a:rPr>
+                        <a:t>Puntos de Extensión</a:t>
+                      </a:r>
+                      <a:endParaRPr kumimoji="0" lang="es-PE" sz="1800" b="0" i="0" u="none" strike="noStrike" cap="none" normalizeH="0" baseline="0" smtClean="0">
+                        <a:ln>
+                          <a:noFill/>
+                        </a:ln>
+                        <a:solidFill>
+                          <a:schemeClr val="tx1"/>
+                        </a:solidFill>
+                        <a:effectLst/>
+                        <a:latin typeface="Candara" pitchFamily="34" charset="0"/>
+                      </a:endParaRPr>
+                    </a:p>
+                  </a:txBody>
+                  <a:tcPr horzOverflow="overflow">
+                    <a:lnL w="12700" cap="flat" cmpd="sng" algn="ctr">
+                      <a:solidFill>
+                        <a:schemeClr val="accent1"/>
+                      </a:solidFill>
+                      <a:prstDash val="solid"/>
+                      <a:round/>
+                      <a:headEnd type="none" w="med" len="med"/>
+                      <a:tailEnd type="none" w="med" len="med"/>
+                    </a:lnL>
+                    <a:lnR w="12700" cap="flat" cmpd="sng" algn="ctr">
+                      <a:solidFill>
+                        <a:schemeClr val="accent1"/>
+                      </a:solidFill>
+                      <a:prstDash val="solid"/>
+                      <a:round/>
+                      <a:headEnd type="none" w="med" len="med"/>
+                      <a:tailEnd type="none" w="med" len="med"/>
+                    </a:lnR>
+                    <a:lnT w="12700" cap="flat" cmpd="sng" algn="ctr">
+                      <a:solidFill>
+                        <a:schemeClr val="accent1"/>
+                      </a:solidFill>
+                      <a:prstDash val="solid"/>
+                      <a:round/>
+                      <a:headEnd type="none" w="med" len="med"/>
+                      <a:tailEnd type="none" w="med" len="med"/>
+                    </a:lnT>
+                    <a:lnB w="12700" cap="flat" cmpd="sng" algn="ctr">
+                      <a:solidFill>
+                        <a:schemeClr val="accent1"/>
+                      </a:solidFill>
+                      <a:prstDash val="solid"/>
+                      <a:round/>
+                      <a:headEnd type="none" w="med" len="med"/>
+                      <a:tailEnd type="none" w="med" len="med"/>
+                    </a:lnB>
+                    <a:lnTlToBr>
+                      <a:noFill/>
+                    </a:lnTlToBr>
+                    <a:lnBlToTr>
+                      <a:noFill/>
+                    </a:lnBlToTr>
+                    <a:noFill/>
+                  </a:tcPr>
+                </a:tc>
+                <a:tc>
+                  <a:txBody>
+                    <a:bodyPr/>
+                    <a:lstStyle/>
+                    <a:p>
+                      <a:pPr marL="0" marR="0" lvl="0" indent="0" algn="l" defTabSz="914400" rtl="0" eaLnBrk="1" fontAlgn="base" latinLnBrk="0" hangingPunct="1">
+                        <a:lnSpc>
+                          <a:spcPct val="100000"/>
+                        </a:lnSpc>
+                        <a:spcBef>
+                          <a:spcPct val="0"/>
+                        </a:spcBef>
+                        <a:spcAft>
+                          <a:spcPct val="0"/>
+                        </a:spcAft>
+                        <a:buClrTx/>
+                        <a:buSzTx/>
+                        <a:buFontTx/>
+                        <a:buNone/>
+                        <a:tabLst/>
+                      </a:pPr>
+                      <a:endParaRPr kumimoji="0" lang="es-ES" sz="1800" b="0" i="0" u="none" strike="noStrike" cap="none" normalizeH="0" baseline="0" smtClean="0">
+                        <a:ln>
+                          <a:noFill/>
+                        </a:ln>
+                        <a:solidFill>
+                          <a:schemeClr val="tx1"/>
+                        </a:solidFill>
+                        <a:effectLst/>
+                        <a:latin typeface="Candara" pitchFamily="34" charset="0"/>
+                      </a:endParaRPr>
+                    </a:p>
+                  </a:txBody>
+                  <a:tcPr horzOverflow="overflow">
+                    <a:lnL w="12700" cap="flat" cmpd="sng" algn="ctr">
+                      <a:solidFill>
+                        <a:schemeClr val="accent1"/>
+                      </a:solidFill>
+                      <a:prstDash val="solid"/>
+                      <a:round/>
+                      <a:headEnd type="none" w="med" len="med"/>
+                      <a:tailEnd type="none" w="med" len="med"/>
+                    </a:lnL>
+                    <a:lnR w="12700" cap="flat" cmpd="sng" algn="ctr">
+                      <a:solidFill>
+                        <a:schemeClr val="accent1"/>
+                      </a:solidFill>
+                      <a:prstDash val="solid"/>
+                      <a:round/>
+                      <a:headEnd type="none" w="med" len="med"/>
+                      <a:tailEnd type="none" w="med" len="med"/>
+                    </a:lnR>
+                    <a:lnT w="12700" cap="flat" cmpd="sng" algn="ctr">
+                      <a:solidFill>
+                        <a:schemeClr val="accent1"/>
+                      </a:solidFill>
+                      <a:prstDash val="solid"/>
+                      <a:round/>
+                      <a:headEnd type="none" w="med" len="med"/>
+                      <a:tailEnd type="none" w="med" len="med"/>
+                    </a:lnT>
+                    <a:lnB w="12700" cap="flat" cmpd="sng" algn="ctr">
+                      <a:solidFill>
+                        <a:schemeClr val="accent1"/>
+                      </a:solidFill>
+                      <a:prstDash val="solid"/>
+                      <a:round/>
+                      <a:headEnd type="none" w="med" len="med"/>
+                      <a:tailEnd type="none" w="med" len="med"/>
+                    </a:lnB>
+                    <a:lnTlToBr>
+                      <a:noFill/>
+                    </a:lnTlToBr>
+                    <a:lnBlToTr>
+                      <a:noFill/>
+                    </a:lnBlToTr>
+                    <a:noFill/>
+                  </a:tcPr>
+                </a:tc>
+              </a:tr>
+            </a:tbl>
+          </a:graphicData>
+        </a:graphic>
+      </p:graphicFrame>
+    </p:spTree>
+  </p:cSld>
+  <p:clrMapOvr>
+    <a:masterClrMapping/>
+  </p:clrMapOvr>
+  <p:timing>
+    <p:tnLst>
+      <p:par>
+        <p:cTn id="1" dur="indefinite" restart="never" nodeType="tmRoot"/>
+      </p:par>
+    </p:tnLst>
+  </p:timing>
+</p:sld>
+</file>
+
+<file path=ppt/slides/slide19.xml><?xml version="1.0" encoding="utf-8"?>
+<p:sld xmlns:a="http://schemas.openxmlformats.org/drawingml/2006/main" xmlns:r="http://schemas.openxmlformats.org/officeDocument/2006/relationships" xmlns:p="http://schemas.openxmlformats.org/presentationml/2006/main">
+  <p:cSld>
+    <p:spTree>
+      <p:nvGrpSpPr>
+        <p:cNvPr id="1" name=""/>
+        <p:cNvGrpSpPr/>
+        <p:nvPr/>
+      </p:nvGrpSpPr>
+      <p:grpSpPr>
+        <a:xfrm>
+          <a:off x="0" y="0"/>
+          <a:ext cx="0" cy="0"/>
+          <a:chOff x="0" y="0"/>
+          <a:chExt cx="0" cy="0"/>
+        </a:xfrm>
+      </p:grpSpPr>
+      <p:sp>
+        <p:nvSpPr>
+          <p:cNvPr id="31745" name="2 Título"/>
           <p:cNvSpPr>
             <a:spLocks noGrp="1"/>
           </p:cNvSpPr>
@@ -16204,7 +22382,7 @@
 </p:sld>
 </file>
 
-<file path=ppt/slides/slide13.xml><?xml version="1.0" encoding="utf-8"?>
+<file path=ppt/slides/slide2.xml><?xml version="1.0" encoding="utf-8"?>
 <p:sld xmlns:a="http://schemas.openxmlformats.org/drawingml/2006/main" xmlns:r="http://schemas.openxmlformats.org/officeDocument/2006/relationships" xmlns:p="http://schemas.openxmlformats.org/presentationml/2006/main">
   <p:cSld>
     <p:spTree>
@@ -16223,7 +22401,71 @@
       </p:grpSpPr>
       <p:sp>
         <p:nvSpPr>
-          <p:cNvPr id="21505" name="2 Título"/>
+          <p:cNvPr id="16385" name="2 Título"/>
+          <p:cNvSpPr>
+            <a:spLocks noGrp="1"/>
+          </p:cNvSpPr>
+          <p:nvPr>
+            <p:ph type="title" idx="4294967295"/>
+          </p:nvPr>
+        </p:nvSpPr>
+        <p:spPr>
+          <a:xfrm>
+            <a:off x="611188" y="2852738"/>
+            <a:ext cx="8229600" cy="1252537"/>
+          </a:xfrm>
+        </p:spPr>
+        <p:txBody>
+          <a:bodyPr/>
+          <a:lstStyle/>
+          <a:p>
+            <a:pPr eaLnBrk="1" hangingPunct="1"/>
+            <a:r>
+              <a:rPr lang="es-PE" sz="4000" b="1" smtClean="0">
+                <a:solidFill>
+                  <a:schemeClr val="tx2"/>
+                </a:solidFill>
+              </a:rPr>
+              <a:t>CASOS DE USO SIGNIFICATIVOS PARA LA ARQUITECTURA</a:t>
+            </a:r>
+          </a:p>
+        </p:txBody>
+      </p:sp>
+    </p:spTree>
+  </p:cSld>
+  <p:clrMapOvr>
+    <a:masterClrMapping/>
+  </p:clrMapOvr>
+  <p:timing>
+    <p:tnLst>
+      <p:par>
+        <p:cTn id="1" dur="indefinite" restart="never" nodeType="tmRoot"/>
+      </p:par>
+    </p:tnLst>
+  </p:timing>
+</p:sld>
+</file>
+
+<file path=ppt/slides/slide20.xml><?xml version="1.0" encoding="utf-8"?>
+<p:sld xmlns:a="http://schemas.openxmlformats.org/drawingml/2006/main" xmlns:r="http://schemas.openxmlformats.org/officeDocument/2006/relationships" xmlns:p="http://schemas.openxmlformats.org/presentationml/2006/main">
+  <p:cSld>
+    <p:spTree>
+      <p:nvGrpSpPr>
+        <p:cNvPr id="1" name=""/>
+        <p:cNvGrpSpPr/>
+        <p:nvPr/>
+      </p:nvGrpSpPr>
+      <p:grpSpPr>
+        <a:xfrm>
+          <a:off x="0" y="0"/>
+          <a:ext cx="0" cy="0"/>
+          <a:chOff x="0" y="0"/>
+          <a:chExt cx="0" cy="0"/>
+        </a:xfrm>
+      </p:grpSpPr>
+      <p:sp>
+        <p:nvSpPr>
+          <p:cNvPr id="32769" name="2 Título"/>
           <p:cNvSpPr>
             <a:spLocks noGrp="1"/>
           </p:cNvSpPr>
@@ -16260,7 +22502,7 @@
       </p:sp>
       <p:pic>
         <p:nvPicPr>
-          <p:cNvPr id="21507" name="Picture 5" descr="ANd9GcS6oPp7N2gJcZxWtmCGGDnHTpl03Qup-L1NKJy3SbveMdnNbT3R52kW_Vuc"/>
+          <p:cNvPr id="32770" name="Picture 5" descr="ANd9GcS6oPp7N2gJcZxWtmCGGDnHTpl03Qup-L1NKJy3SbveMdnNbT3R52kW_Vuc"/>
           <p:cNvPicPr>
             <a:picLocks noChangeAspect="1" noChangeArrowheads="1"/>
           </p:cNvPicPr>
@@ -16305,7 +22547,7 @@
 </p:sld>
 </file>
 
-<file path=ppt/slides/slide14.xml><?xml version="1.0" encoding="utf-8"?>
+<file path=ppt/slides/slide21.xml><?xml version="1.0" encoding="utf-8"?>
 <p:sld xmlns:a="http://schemas.openxmlformats.org/drawingml/2006/main" xmlns:r="http://schemas.openxmlformats.org/officeDocument/2006/relationships" xmlns:p="http://schemas.openxmlformats.org/presentationml/2006/main">
   <p:cSld>
     <p:spTree>
@@ -16324,7 +22566,7 @@
       </p:grpSpPr>
       <p:sp>
         <p:nvSpPr>
-          <p:cNvPr id="22529" name="2 Título"/>
+          <p:cNvPr id="33793" name="2 Título"/>
           <p:cNvSpPr>
             <a:spLocks noGrp="1"/>
           </p:cNvSpPr>
@@ -16361,7 +22603,7 @@
       </p:sp>
       <p:pic>
         <p:nvPicPr>
-          <p:cNvPr id="22531" name="Picture 4" descr="webportal_"/>
+          <p:cNvPr id="33794" name="Picture 4" descr="webportal_"/>
           <p:cNvPicPr>
             <a:picLocks noChangeAspect="1" noChangeArrowheads="1"/>
           </p:cNvPicPr>
@@ -16406,7 +22648,7 @@
 </p:sld>
 </file>
 
-<file path=ppt/slides/slide15.xml><?xml version="1.0" encoding="utf-8"?>
+<file path=ppt/slides/slide22.xml><?xml version="1.0" encoding="utf-8"?>
 <p:sld xmlns:a="http://schemas.openxmlformats.org/drawingml/2006/main" xmlns:r="http://schemas.openxmlformats.org/officeDocument/2006/relationships" xmlns:p="http://schemas.openxmlformats.org/presentationml/2006/main">
   <p:cSld>
     <p:spTree>
@@ -16425,7 +22667,7 @@
       </p:grpSpPr>
       <p:sp>
         <p:nvSpPr>
-          <p:cNvPr id="23553" name="2 Título"/>
+          <p:cNvPr id="34817" name="2 Título"/>
           <p:cNvSpPr>
             <a:spLocks noGrp="1"/>
           </p:cNvSpPr>
@@ -16462,7 +22704,7 @@
       </p:sp>
       <p:pic>
         <p:nvPicPr>
-          <p:cNvPr id="23555" name="Picture 7" descr="database"/>
+          <p:cNvPr id="34818" name="Picture 7" descr="database"/>
           <p:cNvPicPr>
             <a:picLocks noChangeAspect="1" noChangeArrowheads="1"/>
           </p:cNvPicPr>
@@ -16507,7 +22749,7 @@
 </p:sld>
 </file>
 
-<file path=ppt/slides/slide16.xml><?xml version="1.0" encoding="utf-8"?>
+<file path=ppt/slides/slide23.xml><?xml version="1.0" encoding="utf-8"?>
 <p:sld xmlns:a="http://schemas.openxmlformats.org/drawingml/2006/main" xmlns:r="http://schemas.openxmlformats.org/officeDocument/2006/relationships" xmlns:p="http://schemas.openxmlformats.org/presentationml/2006/main">
   <p:cSld>
     <p:spTree>
@@ -16526,7 +22768,7 @@
       </p:grpSpPr>
       <p:sp>
         <p:nvSpPr>
-          <p:cNvPr id="24577" name="2 Título"/>
+          <p:cNvPr id="35841" name="2 Título"/>
           <p:cNvSpPr>
             <a:spLocks noGrp="1"/>
           </p:cNvSpPr>
@@ -16563,7 +22805,7 @@
       </p:sp>
       <p:pic>
         <p:nvPicPr>
-          <p:cNvPr id="24580" name="Picture 4"/>
+          <p:cNvPr id="35842" name="Picture 4"/>
           <p:cNvPicPr>
             <a:picLocks noChangeAspect="1" noChangeArrowheads="1"/>
           </p:cNvPicPr>
@@ -16591,7 +22833,6 @@
             <a:headEnd/>
             <a:tailEnd/>
           </a:ln>
-          <a:effectLst/>
         </p:spPr>
       </p:pic>
     </p:spTree>
@@ -16609,7 +22850,7 @@
 </p:sld>
 </file>
 
-<file path=ppt/slides/slide17.xml><?xml version="1.0" encoding="utf-8"?>
+<file path=ppt/slides/slide24.xml><?xml version="1.0" encoding="utf-8"?>
 <p:sld xmlns:a="http://schemas.openxmlformats.org/drawingml/2006/main" xmlns:r="http://schemas.openxmlformats.org/officeDocument/2006/relationships" xmlns:p="http://schemas.openxmlformats.org/presentationml/2006/main">
   <p:cSld>
     <p:spTree>
@@ -16628,7 +22869,7 @@
       </p:grpSpPr>
       <p:sp>
         <p:nvSpPr>
-          <p:cNvPr id="30721" name="Text Box 2"/>
+          <p:cNvPr id="36865" name="Text Box 2"/>
           <p:cNvSpPr txBox="1">
             <a:spLocks noChangeArrowheads="1"/>
           </p:cNvSpPr>
@@ -16688,7 +22929,7 @@
 </p:sld>
 </file>
 
-<file path=ppt/slides/slide18.xml><?xml version="1.0" encoding="utf-8"?>
+<file path=ppt/slides/slide25.xml><?xml version="1.0" encoding="utf-8"?>
 <p:sld xmlns:a="http://schemas.openxmlformats.org/drawingml/2006/main" xmlns:r="http://schemas.openxmlformats.org/officeDocument/2006/relationships" xmlns:p="http://schemas.openxmlformats.org/presentationml/2006/main">
   <p:cSld>
     <p:spTree>
@@ -16707,7 +22948,7 @@
       </p:grpSpPr>
       <p:sp>
         <p:nvSpPr>
-          <p:cNvPr id="31745" name="1 Título"/>
+          <p:cNvPr id="37889" name="1 Título"/>
           <p:cNvSpPr>
             <a:spLocks noGrp="1"/>
           </p:cNvSpPr>
@@ -16736,7 +22977,7 @@
       </p:sp>
       <p:sp>
         <p:nvSpPr>
-          <p:cNvPr id="31746" name="3 CuadroTexto"/>
+          <p:cNvPr id="37890" name="3 CuadroTexto"/>
           <p:cNvSpPr txBox="1">
             <a:spLocks noChangeArrowheads="1"/>
           </p:cNvSpPr>
@@ -16830,7 +23071,7 @@
       </p:sp>
       <p:sp>
         <p:nvSpPr>
-          <p:cNvPr id="31747" name="4 CuadroTexto"/>
+          <p:cNvPr id="37891" name="4 CuadroTexto"/>
           <p:cNvSpPr txBox="1">
             <a:spLocks noChangeArrowheads="1"/>
           </p:cNvSpPr>
@@ -16894,70 +23135,6 @@
 </p:sld>
 </file>
 
-<file path=ppt/slides/slide2.xml><?xml version="1.0" encoding="utf-8"?>
-<p:sld xmlns:a="http://schemas.openxmlformats.org/drawingml/2006/main" xmlns:r="http://schemas.openxmlformats.org/officeDocument/2006/relationships" xmlns:p="http://schemas.openxmlformats.org/presentationml/2006/main">
-  <p:cSld>
-    <p:spTree>
-      <p:nvGrpSpPr>
-        <p:cNvPr id="1" name=""/>
-        <p:cNvGrpSpPr/>
-        <p:nvPr/>
-      </p:nvGrpSpPr>
-      <p:grpSpPr>
-        <a:xfrm>
-          <a:off x="0" y="0"/>
-          <a:ext cx="0" cy="0"/>
-          <a:chOff x="0" y="0"/>
-          <a:chExt cx="0" cy="0"/>
-        </a:xfrm>
-      </p:grpSpPr>
-      <p:sp>
-        <p:nvSpPr>
-          <p:cNvPr id="16385" name="2 Título"/>
-          <p:cNvSpPr>
-            <a:spLocks noGrp="1"/>
-          </p:cNvSpPr>
-          <p:nvPr>
-            <p:ph type="title" idx="4294967295"/>
-          </p:nvPr>
-        </p:nvSpPr>
-        <p:spPr>
-          <a:xfrm>
-            <a:off x="611188" y="2852738"/>
-            <a:ext cx="8229600" cy="1252537"/>
-          </a:xfrm>
-        </p:spPr>
-        <p:txBody>
-          <a:bodyPr/>
-          <a:lstStyle/>
-          <a:p>
-            <a:pPr eaLnBrk="1" hangingPunct="1"/>
-            <a:r>
-              <a:rPr lang="es-PE" sz="4000" b="1" smtClean="0">
-                <a:solidFill>
-                  <a:schemeClr val="tx2"/>
-                </a:solidFill>
-              </a:rPr>
-              <a:t>DIAGRAMA DE CASOS DE USO SIGNIFICATIVOS</a:t>
-            </a:r>
-          </a:p>
-        </p:txBody>
-      </p:sp>
-    </p:spTree>
-  </p:cSld>
-  <p:clrMapOvr>
-    <a:masterClrMapping/>
-  </p:clrMapOvr>
-  <p:timing>
-    <p:tnLst>
-      <p:par>
-        <p:cTn id="1" dur="indefinite" restart="never" nodeType="tmRoot"/>
-      </p:par>
-    </p:tnLst>
-  </p:timing>
-</p:sld>
-</file>
-
 <file path=ppt/slides/slide3.xml><?xml version="1.0" encoding="utf-8"?>
 <p:sld xmlns:a="http://schemas.openxmlformats.org/drawingml/2006/main" xmlns:r="http://schemas.openxmlformats.org/officeDocument/2006/relationships" xmlns:p="http://schemas.openxmlformats.org/presentationml/2006/main">
   <p:cSld>
@@ -16975,9 +23152,42 @@
           <a:chExt cx="0" cy="0"/>
         </a:xfrm>
       </p:grpSpPr>
+      <p:pic>
+        <p:nvPicPr>
+          <p:cNvPr id="17416" name="Picture 8"/>
+          <p:cNvPicPr>
+            <a:picLocks noChangeAspect="1" noChangeArrowheads="1"/>
+          </p:cNvPicPr>
+          <p:nvPr/>
+        </p:nvPicPr>
+        <p:blipFill>
+          <a:blip r:embed="rId2"/>
+          <a:srcRect l="4254" r="4208"/>
+          <a:stretch>
+            <a:fillRect/>
+          </a:stretch>
+        </p:blipFill>
+        <p:spPr bwMode="auto">
+          <a:xfrm>
+            <a:off x="-36513" y="2130425"/>
+            <a:ext cx="9074151" cy="2951163"/>
+          </a:xfrm>
+          <a:prstGeom prst="rect">
+            <a:avLst/>
+          </a:prstGeom>
+          <a:noFill/>
+          <a:ln w="9525">
+            <a:noFill/>
+            <a:miter lim="800000"/>
+            <a:headEnd/>
+            <a:tailEnd/>
+          </a:ln>
+          <a:effectLst/>
+        </p:spPr>
+      </p:pic>
       <p:sp>
         <p:nvSpPr>
-          <p:cNvPr id="38914" name="2 Título"/>
+          <p:cNvPr id="17409" name="2 Título"/>
           <p:cNvSpPr>
             <a:spLocks noGrp="1"/>
           </p:cNvSpPr>
@@ -17012,42 +23222,9 @@
           </a:p>
         </p:txBody>
       </p:sp>
-      <p:pic>
-        <p:nvPicPr>
-          <p:cNvPr id="38919" name="Picture 7"/>
-          <p:cNvPicPr>
-            <a:picLocks noChangeAspect="1" noChangeArrowheads="1"/>
-          </p:cNvPicPr>
-          <p:nvPr/>
-        </p:nvPicPr>
-        <p:blipFill>
-          <a:blip r:embed="rId2"/>
-          <a:srcRect l="3795" t="3947" r="3795" b="3947"/>
-          <a:stretch>
-            <a:fillRect/>
-          </a:stretch>
-        </p:blipFill>
-        <p:spPr bwMode="auto">
-          <a:xfrm>
-            <a:off x="0" y="1885950"/>
-            <a:ext cx="9144000" cy="2713038"/>
-          </a:xfrm>
-          <a:prstGeom prst="rect">
-            <a:avLst/>
-          </a:prstGeom>
-          <a:noFill/>
-          <a:ln w="9525">
-            <a:noFill/>
-            <a:miter lim="800000"/>
-            <a:headEnd/>
-            <a:tailEnd/>
-          </a:ln>
-          <a:effectLst/>
-        </p:spPr>
-      </p:pic>
       <p:sp>
         <p:nvSpPr>
-          <p:cNvPr id="38920" name="Oval 8"/>
+          <p:cNvPr id="17411" name="Oval 8"/>
           <p:cNvSpPr>
             <a:spLocks noChangeArrowheads="1"/>
           </p:cNvSpPr>
@@ -17055,8 +23232,8 @@
         </p:nvSpPr>
         <p:spPr bwMode="auto">
           <a:xfrm>
-            <a:off x="468313" y="3573463"/>
-            <a:ext cx="574675" cy="360362"/>
+            <a:off x="395288" y="3933825"/>
+            <a:ext cx="574675" cy="360363"/>
           </a:xfrm>
           <a:prstGeom prst="ellipse">
             <a:avLst/>
@@ -17070,7 +23247,6 @@
             <a:headEnd/>
             <a:tailEnd/>
           </a:ln>
-          <a:effectLst/>
         </p:spPr>
         <p:txBody>
           <a:bodyPr wrap="none" anchor="ctr"/>
@@ -17082,7 +23258,7 @@
       </p:sp>
       <p:sp>
         <p:nvSpPr>
-          <p:cNvPr id="38923" name="Oval 11"/>
+          <p:cNvPr id="17412" name="Oval 11"/>
           <p:cNvSpPr>
             <a:spLocks noChangeArrowheads="1"/>
           </p:cNvSpPr>
@@ -17090,8 +23266,8 @@
         </p:nvSpPr>
         <p:spPr bwMode="auto">
           <a:xfrm>
-            <a:off x="4067175" y="4005263"/>
-            <a:ext cx="649288" cy="360362"/>
+            <a:off x="3995738" y="4365625"/>
+            <a:ext cx="649287" cy="360363"/>
           </a:xfrm>
           <a:prstGeom prst="ellipse">
             <a:avLst/>
@@ -17105,7 +23281,6 @@
             <a:headEnd/>
             <a:tailEnd/>
           </a:ln>
-          <a:effectLst/>
         </p:spPr>
         <p:txBody>
           <a:bodyPr wrap="none" anchor="ctr"/>
@@ -17117,7 +23292,7 @@
       </p:sp>
       <p:sp>
         <p:nvSpPr>
-          <p:cNvPr id="38924" name="Oval 12"/>
+          <p:cNvPr id="17413" name="Oval 12"/>
           <p:cNvSpPr>
             <a:spLocks noChangeArrowheads="1"/>
           </p:cNvSpPr>
@@ -17125,7 +23300,7 @@
         </p:nvSpPr>
         <p:spPr bwMode="auto">
           <a:xfrm>
-            <a:off x="5940425" y="3933825"/>
+            <a:off x="5867400" y="4292600"/>
             <a:ext cx="719138" cy="358775"/>
           </a:xfrm>
           <a:prstGeom prst="ellipse">
@@ -17140,7 +23315,6 @@
             <a:headEnd/>
             <a:tailEnd/>
           </a:ln>
-          <a:effectLst/>
         </p:spPr>
         <p:txBody>
           <a:bodyPr wrap="none" anchor="ctr"/>
@@ -17184,7 +23358,7 @@
       </p:grpSpPr>
       <p:sp>
         <p:nvSpPr>
-          <p:cNvPr id="39938" name="2 Título"/>
+          <p:cNvPr id="18433" name="2 Título"/>
           <p:cNvSpPr>
             <a:spLocks noGrp="1"/>
           </p:cNvSpPr>
@@ -17221,7 +23395,7 @@
       </p:sp>
       <p:pic>
         <p:nvPicPr>
-          <p:cNvPr id="39941" name="Picture 5"/>
+          <p:cNvPr id="18434" name="Picture 5"/>
           <p:cNvPicPr>
             <a:picLocks noChangeAspect="1" noChangeArrowheads="1"/>
           </p:cNvPicPr>
@@ -17249,7 +23423,6 @@
             <a:headEnd/>
             <a:tailEnd/>
           </a:ln>
-          <a:effectLst/>
         </p:spPr>
       </p:pic>
     </p:spTree>
@@ -17286,7 +23459,7 @@
       </p:grpSpPr>
       <p:sp>
         <p:nvSpPr>
-          <p:cNvPr id="17409" name="2 Título"/>
+          <p:cNvPr id="19457" name="2 Título"/>
           <p:cNvSpPr>
             <a:spLocks noGrp="1"/>
           </p:cNvSpPr>
@@ -17323,7 +23496,7 @@
       </p:sp>
       <p:pic>
         <p:nvPicPr>
-          <p:cNvPr id="17413" name="Picture 5"/>
+          <p:cNvPr id="19460" name="Picture 4"/>
           <p:cNvPicPr>
             <a:picLocks noChangeAspect="1" noChangeArrowheads="1"/>
           </p:cNvPicPr>
@@ -17338,8 +23511,8 @@
         </p:blipFill>
         <p:spPr bwMode="auto">
           <a:xfrm>
-            <a:off x="1403350" y="1484313"/>
-            <a:ext cx="6264275" cy="4713287"/>
+            <a:off x="1763713" y="1628775"/>
+            <a:ext cx="6121400" cy="4651375"/>
           </a:xfrm>
           <a:prstGeom prst="rect">
             <a:avLst/>
@@ -17388,214 +23561,7 @@
       </p:grpSpPr>
       <p:sp>
         <p:nvSpPr>
-          <p:cNvPr id="18433" name="2 Título"/>
-          <p:cNvSpPr>
-            <a:spLocks noGrp="1"/>
-          </p:cNvSpPr>
-          <p:nvPr>
-            <p:ph type="title" idx="4294967295"/>
-          </p:nvPr>
-        </p:nvSpPr>
-        <p:spPr>
-          <a:xfrm>
-            <a:off x="611188" y="2852738"/>
-            <a:ext cx="8229600" cy="1252537"/>
-          </a:xfrm>
-        </p:spPr>
-        <p:txBody>
-          <a:bodyPr/>
-          <a:lstStyle/>
-          <a:p>
-            <a:pPr eaLnBrk="1" hangingPunct="1"/>
-            <a:r>
-              <a:rPr lang="es-PE" sz="4000" b="1" smtClean="0">
-                <a:solidFill>
-                  <a:schemeClr val="tx2"/>
-                </a:solidFill>
-              </a:rPr>
-              <a:t>DIAGRAMA DE CASOS DE USO MAS SIGNIFICATIVOS</a:t>
-            </a:r>
-          </a:p>
-        </p:txBody>
-      </p:sp>
-    </p:spTree>
-  </p:cSld>
-  <p:clrMapOvr>
-    <a:masterClrMapping/>
-  </p:clrMapOvr>
-  <p:timing>
-    <p:tnLst>
-      <p:par>
-        <p:cTn id="1" dur="indefinite" restart="never" nodeType="tmRoot"/>
-      </p:par>
-    </p:tnLst>
-  </p:timing>
-</p:sld>
-</file>
-
-<file path=ppt/slides/slide7.xml><?xml version="1.0" encoding="utf-8"?>
-<p:sld xmlns:a="http://schemas.openxmlformats.org/drawingml/2006/main" xmlns:r="http://schemas.openxmlformats.org/officeDocument/2006/relationships" xmlns:p="http://schemas.openxmlformats.org/presentationml/2006/main">
-  <p:cSld>
-    <p:spTree>
-      <p:nvGrpSpPr>
-        <p:cNvPr id="1" name=""/>
-        <p:cNvGrpSpPr/>
-        <p:nvPr/>
-      </p:nvGrpSpPr>
-      <p:grpSpPr>
-        <a:xfrm>
-          <a:off x="0" y="0"/>
-          <a:ext cx="0" cy="0"/>
-          <a:chOff x="0" y="0"/>
-          <a:chExt cx="0" cy="0"/>
-        </a:xfrm>
-      </p:grpSpPr>
-      <p:sp>
-        <p:nvSpPr>
-          <p:cNvPr id="19457" name="2 Título"/>
-          <p:cNvSpPr>
-            <a:spLocks noGrp="1"/>
-          </p:cNvSpPr>
-          <p:nvPr>
-            <p:ph type="title" idx="4294967295"/>
-          </p:nvPr>
-        </p:nvSpPr>
-        <p:spPr>
-          <a:xfrm>
-            <a:off x="468313" y="404813"/>
-            <a:ext cx="8229600" cy="936625"/>
-          </a:xfrm>
-        </p:spPr>
-        <p:txBody>
-          <a:bodyPr/>
-          <a:lstStyle/>
-          <a:p>
-            <a:pPr eaLnBrk="1" hangingPunct="1"/>
-            <a:r>
-              <a:rPr lang="en-US" b="1" smtClean="0">
-                <a:solidFill>
-                  <a:schemeClr val="tx2"/>
-                </a:solidFill>
-              </a:rPr>
-              <a:t>Diagrama de Casos de uso</a:t>
-            </a:r>
-            <a:endParaRPr lang="es-PE" b="1" smtClean="0">
-              <a:solidFill>
-                <a:schemeClr val="tx2"/>
-              </a:solidFill>
-            </a:endParaRPr>
-          </a:p>
-        </p:txBody>
-      </p:sp>
-      <p:sp>
-        <p:nvSpPr>
-          <p:cNvPr id="19458" name="3 CuadroTexto"/>
-          <p:cNvSpPr txBox="1">
-            <a:spLocks noChangeArrowheads="1"/>
-          </p:cNvSpPr>
-          <p:nvPr/>
-        </p:nvSpPr>
-        <p:spPr bwMode="auto">
-          <a:xfrm>
-            <a:off x="7667625" y="6237288"/>
-            <a:ext cx="1295400" cy="366712"/>
-          </a:xfrm>
-          <a:prstGeom prst="rect">
-            <a:avLst/>
-          </a:prstGeom>
-          <a:noFill/>
-          <a:ln w="9525">
-            <a:noFill/>
-            <a:miter lim="800000"/>
-            <a:headEnd/>
-            <a:tailEnd/>
-          </a:ln>
-        </p:spPr>
-        <p:txBody>
-          <a:bodyPr>
-            <a:spAutoFit/>
-          </a:bodyPr>
-          <a:lstStyle/>
-          <a:p>
-            <a:pPr algn="just"/>
-            <a:r>
-              <a:rPr lang="es-PE">
-                <a:solidFill>
-                  <a:srgbClr val="8C2902"/>
-                </a:solidFill>
-              </a:rPr>
-              <a:t>Solicitud</a:t>
-            </a:r>
-          </a:p>
-        </p:txBody>
-      </p:sp>
-      <p:pic>
-        <p:nvPicPr>
-          <p:cNvPr id="19459" name="Picture 7"/>
-          <p:cNvPicPr>
-            <a:picLocks noChangeAspect="1" noChangeArrowheads="1"/>
-          </p:cNvPicPr>
-          <p:nvPr/>
-        </p:nvPicPr>
-        <p:blipFill>
-          <a:blip r:embed="rId2"/>
-          <a:srcRect/>
-          <a:stretch>
-            <a:fillRect/>
-          </a:stretch>
-        </p:blipFill>
-        <p:spPr bwMode="auto">
-          <a:xfrm>
-            <a:off x="179388" y="2211388"/>
-            <a:ext cx="8785225" cy="3738562"/>
-          </a:xfrm>
-          <a:prstGeom prst="rect">
-            <a:avLst/>
-          </a:prstGeom>
-          <a:noFill/>
-          <a:ln w="9525">
-            <a:noFill/>
-            <a:miter lim="800000"/>
-            <a:headEnd/>
-            <a:tailEnd/>
-          </a:ln>
-        </p:spPr>
-      </p:pic>
-    </p:spTree>
-  </p:cSld>
-  <p:clrMapOvr>
-    <a:masterClrMapping/>
-  </p:clrMapOvr>
-  <p:timing>
-    <p:tnLst>
-      <p:par>
-        <p:cTn id="1" dur="indefinite" restart="never" nodeType="tmRoot"/>
-      </p:par>
-    </p:tnLst>
-  </p:timing>
-</p:sld>
-</file>
-
-<file path=ppt/slides/slide8.xml><?xml version="1.0" encoding="utf-8"?>
-<p:sld xmlns:a="http://schemas.openxmlformats.org/drawingml/2006/main" xmlns:r="http://schemas.openxmlformats.org/officeDocument/2006/relationships" xmlns:p="http://schemas.openxmlformats.org/presentationml/2006/main">
-  <p:cSld>
-    <p:spTree>
-      <p:nvGrpSpPr>
-        <p:cNvPr id="1" name=""/>
-        <p:cNvGrpSpPr/>
-        <p:nvPr/>
-      </p:nvGrpSpPr>
-      <p:grpSpPr>
-        <a:xfrm>
-          <a:off x="0" y="0"/>
-          <a:ext cx="0" cy="0"/>
-          <a:chOff x="0" y="0"/>
-          <a:chExt cx="0" cy="0"/>
-        </a:xfrm>
-      </p:grpSpPr>
-      <p:sp>
-        <p:nvSpPr>
-          <p:cNvPr id="40962" name="2 Título"/>
+          <p:cNvPr id="20481" name="2 Título"/>
           <p:cNvSpPr>
             <a:spLocks noGrp="1"/>
           </p:cNvSpPr>
@@ -17640,7 +23606,7 @@
 </p:sld>
 </file>
 
-<file path=ppt/slides/slide9.xml><?xml version="1.0" encoding="utf-8"?>
+<file path=ppt/slides/slide7.xml><?xml version="1.0" encoding="utf-8"?>
 <p:sld xmlns:a="http://schemas.openxmlformats.org/drawingml/2006/main" xmlns:r="http://schemas.openxmlformats.org/officeDocument/2006/relationships" xmlns:p="http://schemas.openxmlformats.org/presentationml/2006/main">
   <p:cSld>
     <p:spTree>
@@ -17659,7 +23625,7 @@
       </p:grpSpPr>
       <p:sp>
         <p:nvSpPr>
-          <p:cNvPr id="41986" name="2 Título"/>
+          <p:cNvPr id="21505" name="2 Título"/>
           <p:cNvSpPr>
             <a:spLocks noGrp="1"/>
           </p:cNvSpPr>
@@ -17689,6 +23655,1790 @@
           </a:p>
         </p:txBody>
       </p:sp>
+      <p:graphicFrame>
+        <p:nvGraphicFramePr>
+          <p:cNvPr id="23574" name="Group 22"/>
+          <p:cNvGraphicFramePr>
+            <a:graphicFrameLocks noGrp="1"/>
+          </p:cNvGraphicFramePr>
+          <p:nvPr/>
+        </p:nvGraphicFramePr>
+        <p:xfrm>
+          <a:off x="250825" y="2349500"/>
+          <a:ext cx="8642350" cy="3030538"/>
+        </p:xfrm>
+        <a:graphic>
+          <a:graphicData uri="http://schemas.openxmlformats.org/drawingml/2006/table">
+            <a:tbl>
+              <a:tblPr/>
+              <a:tblGrid>
+                <a:gridCol w="2724150"/>
+                <a:gridCol w="5918200"/>
+              </a:tblGrid>
+              <a:tr h="623888">
+                <a:tc>
+                  <a:txBody>
+                    <a:bodyPr/>
+                    <a:lstStyle/>
+                    <a:p>
+                      <a:pPr marL="0" marR="0" lvl="0" indent="0" algn="l" defTabSz="914400" rtl="0" eaLnBrk="1" fontAlgn="base" latinLnBrk="0" hangingPunct="1">
+                        <a:lnSpc>
+                          <a:spcPct val="100000"/>
+                        </a:lnSpc>
+                        <a:spcBef>
+                          <a:spcPct val="0"/>
+                        </a:spcBef>
+                        <a:spcAft>
+                          <a:spcPct val="0"/>
+                        </a:spcAft>
+                        <a:buClrTx/>
+                        <a:buSzTx/>
+                        <a:buFontTx/>
+                        <a:buNone/>
+                        <a:tabLst/>
+                      </a:pPr>
+                      <a:r>
+                        <a:rPr kumimoji="0" lang="en-US" sz="1800" b="1" i="0" u="none" strike="noStrike" cap="none" normalizeH="0" baseline="0" smtClean="0">
+                          <a:ln>
+                            <a:noFill/>
+                          </a:ln>
+                          <a:solidFill>
+                            <a:schemeClr val="tx1"/>
+                          </a:solidFill>
+                          <a:effectLst/>
+                          <a:latin typeface="Candara" pitchFamily="34" charset="0"/>
+                        </a:rPr>
+                        <a:t>Actores de Negocio</a:t>
+                      </a:r>
+                      <a:endParaRPr kumimoji="0" lang="es-PE" sz="1800" b="1" i="0" u="none" strike="noStrike" cap="none" normalizeH="0" baseline="0" smtClean="0">
+                        <a:ln>
+                          <a:noFill/>
+                        </a:ln>
+                        <a:solidFill>
+                          <a:schemeClr val="tx1"/>
+                        </a:solidFill>
+                        <a:effectLst/>
+                        <a:latin typeface="Candara" pitchFamily="34" charset="0"/>
+                      </a:endParaRPr>
+                    </a:p>
+                  </a:txBody>
+                  <a:tcPr horzOverflow="overflow">
+                    <a:lnL w="12700" cap="flat" cmpd="sng" algn="ctr">
+                      <a:solidFill>
+                        <a:schemeClr val="accent1"/>
+                      </a:solidFill>
+                      <a:prstDash val="solid"/>
+                      <a:round/>
+                      <a:headEnd type="none" w="med" len="med"/>
+                      <a:tailEnd type="none" w="med" len="med"/>
+                    </a:lnL>
+                    <a:lnR w="12700" cap="flat" cmpd="sng" algn="ctr">
+                      <a:solidFill>
+                        <a:schemeClr val="accent1"/>
+                      </a:solidFill>
+                      <a:prstDash val="solid"/>
+                      <a:round/>
+                      <a:headEnd type="none" w="med" len="med"/>
+                      <a:tailEnd type="none" w="med" len="med"/>
+                    </a:lnR>
+                    <a:lnT w="12700" cap="flat" cmpd="sng" algn="ctr">
+                      <a:solidFill>
+                        <a:schemeClr val="accent1"/>
+                      </a:solidFill>
+                      <a:prstDash val="solid"/>
+                      <a:round/>
+                      <a:headEnd type="none" w="med" len="med"/>
+                      <a:tailEnd type="none" w="med" len="med"/>
+                    </a:lnT>
+                    <a:lnB w="25400" cap="flat" cmpd="sng" algn="ctr">
+                      <a:solidFill>
+                        <a:schemeClr val="accent1"/>
+                      </a:solidFill>
+                      <a:prstDash val="solid"/>
+                      <a:round/>
+                      <a:headEnd type="none" w="med" len="med"/>
+                      <a:tailEnd type="none" w="med" len="med"/>
+                    </a:lnB>
+                    <a:lnTlToBr>
+                      <a:noFill/>
+                    </a:lnTlToBr>
+                    <a:lnBlToTr>
+                      <a:noFill/>
+                    </a:lnBlToTr>
+                    <a:noFill/>
+                  </a:tcPr>
+                </a:tc>
+                <a:tc>
+                  <a:txBody>
+                    <a:bodyPr/>
+                    <a:lstStyle/>
+                    <a:p>
+                      <a:pPr marL="0" marR="0" lvl="0" indent="0" algn="l" defTabSz="914400" rtl="0" eaLnBrk="1" fontAlgn="base" latinLnBrk="0" hangingPunct="1">
+                        <a:lnSpc>
+                          <a:spcPct val="100000"/>
+                        </a:lnSpc>
+                        <a:spcBef>
+                          <a:spcPct val="0"/>
+                        </a:spcBef>
+                        <a:spcAft>
+                          <a:spcPct val="0"/>
+                        </a:spcAft>
+                        <a:buClrTx/>
+                        <a:buSzTx/>
+                        <a:buFontTx/>
+                        <a:buNone/>
+                        <a:tabLst/>
+                      </a:pPr>
+                      <a:r>
+                        <a:rPr kumimoji="0" lang="es-PE" sz="1800" b="0" i="0" u="none" strike="noStrike" cap="none" normalizeH="0" baseline="0" smtClean="0">
+                          <a:ln>
+                            <a:noFill/>
+                          </a:ln>
+                          <a:solidFill>
+                            <a:schemeClr val="tx2"/>
+                          </a:solidFill>
+                          <a:effectLst/>
+                          <a:latin typeface="Candara" pitchFamily="34" charset="0"/>
+                        </a:rPr>
+                        <a:t>CC_AS004_Jefe_Legal</a:t>
+                      </a:r>
+                      <a:r>
+                        <a:rPr kumimoji="0" lang="es-ES" sz="1800" b="0" i="0" u="none" strike="noStrike" cap="none" normalizeH="0" baseline="0" smtClean="0">
+                          <a:ln>
+                            <a:noFill/>
+                          </a:ln>
+                          <a:solidFill>
+                            <a:schemeClr val="tx2"/>
+                          </a:solidFill>
+                          <a:effectLst/>
+                          <a:latin typeface="Candara" pitchFamily="34" charset="0"/>
+                        </a:rPr>
+                        <a:t> </a:t>
+                      </a:r>
+                    </a:p>
+                  </a:txBody>
+                  <a:tcPr horzOverflow="overflow">
+                    <a:lnL w="12700" cap="flat" cmpd="sng" algn="ctr">
+                      <a:solidFill>
+                        <a:schemeClr val="accent1"/>
+                      </a:solidFill>
+                      <a:prstDash val="solid"/>
+                      <a:round/>
+                      <a:headEnd type="none" w="med" len="med"/>
+                      <a:tailEnd type="none" w="med" len="med"/>
+                    </a:lnL>
+                    <a:lnR w="12700" cap="flat" cmpd="sng" algn="ctr">
+                      <a:solidFill>
+                        <a:schemeClr val="accent1"/>
+                      </a:solidFill>
+                      <a:prstDash val="solid"/>
+                      <a:round/>
+                      <a:headEnd type="none" w="med" len="med"/>
+                      <a:tailEnd type="none" w="med" len="med"/>
+                    </a:lnR>
+                    <a:lnT w="12700" cap="flat" cmpd="sng" algn="ctr">
+                      <a:solidFill>
+                        <a:schemeClr val="accent1"/>
+                      </a:solidFill>
+                      <a:prstDash val="solid"/>
+                      <a:round/>
+                      <a:headEnd type="none" w="med" len="med"/>
+                      <a:tailEnd type="none" w="med" len="med"/>
+                    </a:lnT>
+                    <a:lnB w="25400" cap="flat" cmpd="sng" algn="ctr">
+                      <a:solidFill>
+                        <a:schemeClr val="accent1"/>
+                      </a:solidFill>
+                      <a:prstDash val="solid"/>
+                      <a:round/>
+                      <a:headEnd type="none" w="med" len="med"/>
+                      <a:tailEnd type="none" w="med" len="med"/>
+                    </a:lnB>
+                    <a:lnTlToBr>
+                      <a:noFill/>
+                    </a:lnTlToBr>
+                    <a:lnBlToTr>
+                      <a:noFill/>
+                    </a:lnBlToTr>
+                    <a:noFill/>
+                  </a:tcPr>
+                </a:tc>
+              </a:tr>
+              <a:tr h="623888">
+                <a:tc>
+                  <a:txBody>
+                    <a:bodyPr/>
+                    <a:lstStyle/>
+                    <a:p>
+                      <a:pPr marL="0" marR="0" lvl="0" indent="0" algn="l" defTabSz="914400" rtl="0" eaLnBrk="1" fontAlgn="base" latinLnBrk="0" hangingPunct="1">
+                        <a:lnSpc>
+                          <a:spcPct val="100000"/>
+                        </a:lnSpc>
+                        <a:spcBef>
+                          <a:spcPct val="0"/>
+                        </a:spcBef>
+                        <a:spcAft>
+                          <a:spcPct val="0"/>
+                        </a:spcAft>
+                        <a:buClrTx/>
+                        <a:buSzTx/>
+                        <a:buFontTx/>
+                        <a:buNone/>
+                        <a:tabLst/>
+                      </a:pPr>
+                      <a:r>
+                        <a:rPr kumimoji="0" lang="es-PE" sz="1800" b="1" i="0" u="none" strike="noStrike" cap="none" normalizeH="0" baseline="0" smtClean="0">
+                          <a:ln>
+                            <a:noFill/>
+                          </a:ln>
+                          <a:solidFill>
+                            <a:schemeClr val="tx1"/>
+                          </a:solidFill>
+                          <a:effectLst/>
+                          <a:latin typeface="Candara" pitchFamily="34" charset="0"/>
+                        </a:rPr>
+                        <a:t>Propósito</a:t>
+                      </a:r>
+                    </a:p>
+                  </a:txBody>
+                  <a:tcPr horzOverflow="overflow">
+                    <a:lnL w="12700" cap="flat" cmpd="sng" algn="ctr">
+                      <a:solidFill>
+                        <a:schemeClr val="accent1"/>
+                      </a:solidFill>
+                      <a:prstDash val="solid"/>
+                      <a:round/>
+                      <a:headEnd type="none" w="med" len="med"/>
+                      <a:tailEnd type="none" w="med" len="med"/>
+                    </a:lnL>
+                    <a:lnR w="12700" cap="flat" cmpd="sng" algn="ctr">
+                      <a:solidFill>
+                        <a:schemeClr val="accent1"/>
+                      </a:solidFill>
+                      <a:prstDash val="solid"/>
+                      <a:round/>
+                      <a:headEnd type="none" w="med" len="med"/>
+                      <a:tailEnd type="none" w="med" len="med"/>
+                    </a:lnR>
+                    <a:lnT w="25400" cap="flat" cmpd="sng" algn="ctr">
+                      <a:solidFill>
+                        <a:schemeClr val="accent1"/>
+                      </a:solidFill>
+                      <a:prstDash val="solid"/>
+                      <a:round/>
+                      <a:headEnd type="none" w="med" len="med"/>
+                      <a:tailEnd type="none" w="med" len="med"/>
+                    </a:lnT>
+                    <a:lnB w="12700" cap="flat" cmpd="sng" algn="ctr">
+                      <a:solidFill>
+                        <a:schemeClr val="accent1"/>
+                      </a:solidFill>
+                      <a:prstDash val="solid"/>
+                      <a:round/>
+                      <a:headEnd type="none" w="med" len="med"/>
+                      <a:tailEnd type="none" w="med" len="med"/>
+                    </a:lnB>
+                    <a:lnTlToBr>
+                      <a:noFill/>
+                    </a:lnTlToBr>
+                    <a:lnBlToTr>
+                      <a:noFill/>
+                    </a:lnBlToTr>
+                    <a:solidFill>
+                      <a:schemeClr val="accent1">
+                        <a:alpha val="20000"/>
+                      </a:schemeClr>
+                    </a:solidFill>
+                  </a:tcPr>
+                </a:tc>
+                <a:tc>
+                  <a:txBody>
+                    <a:bodyPr/>
+                    <a:lstStyle/>
+                    <a:p>
+                      <a:pPr marL="0" marR="0" lvl="0" indent="0" algn="l" defTabSz="914400" rtl="0" eaLnBrk="1" fontAlgn="base" latinLnBrk="0" hangingPunct="1">
+                        <a:lnSpc>
+                          <a:spcPct val="100000"/>
+                        </a:lnSpc>
+                        <a:spcBef>
+                          <a:spcPct val="0"/>
+                        </a:spcBef>
+                        <a:spcAft>
+                          <a:spcPct val="0"/>
+                        </a:spcAft>
+                        <a:buClrTx/>
+                        <a:buSzTx/>
+                        <a:buFontTx/>
+                        <a:buNone/>
+                        <a:tabLst/>
+                      </a:pPr>
+                      <a:r>
+                        <a:rPr kumimoji="0" lang="es-PE" sz="1800" b="0" i="0" u="none" strike="noStrike" cap="none" normalizeH="0" baseline="0" smtClean="0">
+                          <a:ln>
+                            <a:noFill/>
+                          </a:ln>
+                          <a:solidFill>
+                            <a:schemeClr val="tx2"/>
+                          </a:solidFill>
+                          <a:effectLst/>
+                          <a:latin typeface="Candara" pitchFamily="34" charset="0"/>
+                        </a:rPr>
+                        <a:t>Registrar el contrato de un Cliente.</a:t>
+                      </a:r>
+                      <a:endParaRPr kumimoji="0" lang="es-ES" sz="1800" b="0" i="0" u="none" strike="noStrike" cap="none" normalizeH="0" baseline="0" smtClean="0">
+                        <a:ln>
+                          <a:noFill/>
+                        </a:ln>
+                        <a:solidFill>
+                          <a:schemeClr val="tx2"/>
+                        </a:solidFill>
+                        <a:effectLst/>
+                        <a:latin typeface="Candara" pitchFamily="34" charset="0"/>
+                      </a:endParaRPr>
+                    </a:p>
+                  </a:txBody>
+                  <a:tcPr horzOverflow="overflow">
+                    <a:lnL w="12700" cap="flat" cmpd="sng" algn="ctr">
+                      <a:solidFill>
+                        <a:schemeClr val="accent1"/>
+                      </a:solidFill>
+                      <a:prstDash val="solid"/>
+                      <a:round/>
+                      <a:headEnd type="none" w="med" len="med"/>
+                      <a:tailEnd type="none" w="med" len="med"/>
+                    </a:lnL>
+                    <a:lnR w="12700" cap="flat" cmpd="sng" algn="ctr">
+                      <a:solidFill>
+                        <a:schemeClr val="accent1"/>
+                      </a:solidFill>
+                      <a:prstDash val="solid"/>
+                      <a:round/>
+                      <a:headEnd type="none" w="med" len="med"/>
+                      <a:tailEnd type="none" w="med" len="med"/>
+                    </a:lnR>
+                    <a:lnT w="25400" cap="flat" cmpd="sng" algn="ctr">
+                      <a:solidFill>
+                        <a:schemeClr val="accent1"/>
+                      </a:solidFill>
+                      <a:prstDash val="solid"/>
+                      <a:round/>
+                      <a:headEnd type="none" w="med" len="med"/>
+                      <a:tailEnd type="none" w="med" len="med"/>
+                    </a:lnT>
+                    <a:lnB w="12700" cap="flat" cmpd="sng" algn="ctr">
+                      <a:solidFill>
+                        <a:schemeClr val="accent1"/>
+                      </a:solidFill>
+                      <a:prstDash val="solid"/>
+                      <a:round/>
+                      <a:headEnd type="none" w="med" len="med"/>
+                      <a:tailEnd type="none" w="med" len="med"/>
+                    </a:lnB>
+                    <a:lnTlToBr>
+                      <a:noFill/>
+                    </a:lnTlToBr>
+                    <a:lnBlToTr>
+                      <a:noFill/>
+                    </a:lnBlToTr>
+                    <a:solidFill>
+                      <a:schemeClr val="accent1">
+                        <a:alpha val="20000"/>
+                      </a:schemeClr>
+                    </a:solidFill>
+                  </a:tcPr>
+                </a:tc>
+              </a:tr>
+              <a:tr h="623888">
+                <a:tc>
+                  <a:txBody>
+                    <a:bodyPr/>
+                    <a:lstStyle/>
+                    <a:p>
+                      <a:pPr marL="0" marR="0" lvl="0" indent="0" algn="l" defTabSz="914400" rtl="0" eaLnBrk="1" fontAlgn="base" latinLnBrk="0" hangingPunct="1">
+                        <a:lnSpc>
+                          <a:spcPct val="100000"/>
+                        </a:lnSpc>
+                        <a:spcBef>
+                          <a:spcPct val="0"/>
+                        </a:spcBef>
+                        <a:spcAft>
+                          <a:spcPct val="0"/>
+                        </a:spcAft>
+                        <a:buClrTx/>
+                        <a:buSzTx/>
+                        <a:buFontTx/>
+                        <a:buNone/>
+                        <a:tabLst/>
+                      </a:pPr>
+                      <a:r>
+                        <a:rPr kumimoji="0" lang="es-PE" sz="1800" b="1" i="0" u="none" strike="noStrike" cap="none" normalizeH="0" baseline="0" smtClean="0">
+                          <a:ln>
+                            <a:noFill/>
+                          </a:ln>
+                          <a:solidFill>
+                            <a:schemeClr val="tx1"/>
+                          </a:solidFill>
+                          <a:effectLst/>
+                          <a:latin typeface="Candara" pitchFamily="34" charset="0"/>
+                        </a:rPr>
+                        <a:t>Breve Descripción</a:t>
+                      </a:r>
+                    </a:p>
+                  </a:txBody>
+                  <a:tcPr horzOverflow="overflow">
+                    <a:lnL w="12700" cap="flat" cmpd="sng" algn="ctr">
+                      <a:solidFill>
+                        <a:schemeClr val="accent1"/>
+                      </a:solidFill>
+                      <a:prstDash val="solid"/>
+                      <a:round/>
+                      <a:headEnd type="none" w="med" len="med"/>
+                      <a:tailEnd type="none" w="med" len="med"/>
+                    </a:lnL>
+                    <a:lnR w="12700" cap="flat" cmpd="sng" algn="ctr">
+                      <a:solidFill>
+                        <a:schemeClr val="accent1"/>
+                      </a:solidFill>
+                      <a:prstDash val="solid"/>
+                      <a:round/>
+                      <a:headEnd type="none" w="med" len="med"/>
+                      <a:tailEnd type="none" w="med" len="med"/>
+                    </a:lnR>
+                    <a:lnT w="12700" cap="flat" cmpd="sng" algn="ctr">
+                      <a:solidFill>
+                        <a:schemeClr val="accent1"/>
+                      </a:solidFill>
+                      <a:prstDash val="solid"/>
+                      <a:round/>
+                      <a:headEnd type="none" w="med" len="med"/>
+                      <a:tailEnd type="none" w="med" len="med"/>
+                    </a:lnT>
+                    <a:lnB w="12700" cap="flat" cmpd="sng" algn="ctr">
+                      <a:solidFill>
+                        <a:schemeClr val="accent1"/>
+                      </a:solidFill>
+                      <a:prstDash val="solid"/>
+                      <a:round/>
+                      <a:headEnd type="none" w="med" len="med"/>
+                      <a:tailEnd type="none" w="med" len="med"/>
+                    </a:lnB>
+                    <a:lnTlToBr>
+                      <a:noFill/>
+                    </a:lnTlToBr>
+                    <a:lnBlToTr>
+                      <a:noFill/>
+                    </a:lnBlToTr>
+                    <a:noFill/>
+                  </a:tcPr>
+                </a:tc>
+                <a:tc>
+                  <a:txBody>
+                    <a:bodyPr/>
+                    <a:lstStyle/>
+                    <a:p>
+                      <a:pPr marL="0" marR="0" lvl="0" indent="0" algn="just" defTabSz="914400" rtl="0" eaLnBrk="1" fontAlgn="base" latinLnBrk="0" hangingPunct="1">
+                        <a:lnSpc>
+                          <a:spcPct val="100000"/>
+                        </a:lnSpc>
+                        <a:spcBef>
+                          <a:spcPct val="0"/>
+                        </a:spcBef>
+                        <a:spcAft>
+                          <a:spcPct val="0"/>
+                        </a:spcAft>
+                        <a:buClrTx/>
+                        <a:buSzTx/>
+                        <a:buFontTx/>
+                        <a:buNone/>
+                        <a:tabLst/>
+                      </a:pPr>
+                      <a:r>
+                        <a:rPr kumimoji="0" lang="es-PE" sz="1800" b="0" i="0" u="none" strike="noStrike" cap="none" normalizeH="0" baseline="0" smtClean="0">
+                          <a:ln>
+                            <a:noFill/>
+                          </a:ln>
+                          <a:solidFill>
+                            <a:schemeClr val="tx2"/>
+                          </a:solidFill>
+                          <a:effectLst/>
+                          <a:latin typeface="Candara" pitchFamily="34" charset="0"/>
+                        </a:rPr>
+                        <a:t>El caso de uso comienza cuando el CC_AS004_Jefe_Legal selecciona la opción Agregar Contrato.  El CC_AS004_Jefe_Legal registra un contrato. Por último se guarda el registro de Contrato.</a:t>
+                      </a:r>
+                      <a:endParaRPr kumimoji="0" lang="es-ES" sz="1800" b="0" i="0" u="none" strike="noStrike" cap="none" normalizeH="0" baseline="0" smtClean="0">
+                        <a:ln>
+                          <a:noFill/>
+                        </a:ln>
+                        <a:solidFill>
+                          <a:schemeClr val="tx2"/>
+                        </a:solidFill>
+                        <a:effectLst/>
+                        <a:latin typeface="Candara" pitchFamily="34" charset="0"/>
+                      </a:endParaRPr>
+                    </a:p>
+                  </a:txBody>
+                  <a:tcPr horzOverflow="overflow">
+                    <a:lnL w="12700" cap="flat" cmpd="sng" algn="ctr">
+                      <a:solidFill>
+                        <a:schemeClr val="accent1"/>
+                      </a:solidFill>
+                      <a:prstDash val="solid"/>
+                      <a:round/>
+                      <a:headEnd type="none" w="med" len="med"/>
+                      <a:tailEnd type="none" w="med" len="med"/>
+                    </a:lnL>
+                    <a:lnR w="12700" cap="flat" cmpd="sng" algn="ctr">
+                      <a:solidFill>
+                        <a:schemeClr val="accent1"/>
+                      </a:solidFill>
+                      <a:prstDash val="solid"/>
+                      <a:round/>
+                      <a:headEnd type="none" w="med" len="med"/>
+                      <a:tailEnd type="none" w="med" len="med"/>
+                    </a:lnR>
+                    <a:lnT w="12700" cap="flat" cmpd="sng" algn="ctr">
+                      <a:solidFill>
+                        <a:schemeClr val="accent1"/>
+                      </a:solidFill>
+                      <a:prstDash val="solid"/>
+                      <a:round/>
+                      <a:headEnd type="none" w="med" len="med"/>
+                      <a:tailEnd type="none" w="med" len="med"/>
+                    </a:lnT>
+                    <a:lnB w="12700" cap="flat" cmpd="sng" algn="ctr">
+                      <a:solidFill>
+                        <a:schemeClr val="accent1"/>
+                      </a:solidFill>
+                      <a:prstDash val="solid"/>
+                      <a:round/>
+                      <a:headEnd type="none" w="med" len="med"/>
+                      <a:tailEnd type="none" w="med" len="med"/>
+                    </a:lnB>
+                    <a:lnTlToBr>
+                      <a:noFill/>
+                    </a:lnTlToBr>
+                    <a:lnBlToTr>
+                      <a:noFill/>
+                    </a:lnBlToTr>
+                    <a:noFill/>
+                  </a:tcPr>
+                </a:tc>
+              </a:tr>
+              <a:tr h="593725">
+                <a:tc>
+                  <a:txBody>
+                    <a:bodyPr/>
+                    <a:lstStyle/>
+                    <a:p>
+                      <a:pPr marL="0" marR="0" lvl="0" indent="0" algn="l" defTabSz="914400" rtl="0" eaLnBrk="1" fontAlgn="base" latinLnBrk="0" hangingPunct="1">
+                        <a:lnSpc>
+                          <a:spcPct val="100000"/>
+                        </a:lnSpc>
+                        <a:spcBef>
+                          <a:spcPct val="0"/>
+                        </a:spcBef>
+                        <a:spcAft>
+                          <a:spcPct val="0"/>
+                        </a:spcAft>
+                        <a:buClrTx/>
+                        <a:buSzTx/>
+                        <a:buFontTx/>
+                        <a:buNone/>
+                        <a:tabLst/>
+                      </a:pPr>
+                      <a:r>
+                        <a:rPr kumimoji="0" lang="en-US" sz="1800" b="1" i="0" u="none" strike="noStrike" cap="none" normalizeH="0" baseline="0" smtClean="0">
+                          <a:ln>
+                            <a:noFill/>
+                          </a:ln>
+                          <a:solidFill>
+                            <a:schemeClr val="tx1"/>
+                          </a:solidFill>
+                          <a:effectLst/>
+                          <a:latin typeface="Candara" pitchFamily="34" charset="0"/>
+                        </a:rPr>
+                        <a:t>Flujo de Eventos</a:t>
+                      </a:r>
+                      <a:endParaRPr kumimoji="0" lang="es-PE" sz="1800" b="1" i="0" u="none" strike="noStrike" cap="none" normalizeH="0" baseline="0" smtClean="0">
+                        <a:ln>
+                          <a:noFill/>
+                        </a:ln>
+                        <a:solidFill>
+                          <a:schemeClr val="tx1"/>
+                        </a:solidFill>
+                        <a:effectLst/>
+                        <a:latin typeface="Candara" pitchFamily="34" charset="0"/>
+                      </a:endParaRPr>
+                    </a:p>
+                  </a:txBody>
+                  <a:tcPr horzOverflow="overflow">
+                    <a:lnL w="12700" cap="flat" cmpd="sng" algn="ctr">
+                      <a:solidFill>
+                        <a:schemeClr val="accent1"/>
+                      </a:solidFill>
+                      <a:prstDash val="solid"/>
+                      <a:round/>
+                      <a:headEnd type="none" w="med" len="med"/>
+                      <a:tailEnd type="none" w="med" len="med"/>
+                    </a:lnL>
+                    <a:lnR w="12700" cap="flat" cmpd="sng" algn="ctr">
+                      <a:solidFill>
+                        <a:schemeClr val="accent1"/>
+                      </a:solidFill>
+                      <a:prstDash val="solid"/>
+                      <a:round/>
+                      <a:headEnd type="none" w="med" len="med"/>
+                      <a:tailEnd type="none" w="med" len="med"/>
+                    </a:lnR>
+                    <a:lnT w="12700" cap="flat" cmpd="sng" algn="ctr">
+                      <a:solidFill>
+                        <a:schemeClr val="accent1"/>
+                      </a:solidFill>
+                      <a:prstDash val="solid"/>
+                      <a:round/>
+                      <a:headEnd type="none" w="med" len="med"/>
+                      <a:tailEnd type="none" w="med" len="med"/>
+                    </a:lnT>
+                    <a:lnB w="12700" cap="flat" cmpd="sng" algn="ctr">
+                      <a:solidFill>
+                        <a:schemeClr val="accent1"/>
+                      </a:solidFill>
+                      <a:prstDash val="solid"/>
+                      <a:round/>
+                      <a:headEnd type="none" w="med" len="med"/>
+                      <a:tailEnd type="none" w="med" len="med"/>
+                    </a:lnB>
+                    <a:lnTlToBr>
+                      <a:noFill/>
+                    </a:lnTlToBr>
+                    <a:lnBlToTr>
+                      <a:noFill/>
+                    </a:lnBlToTr>
+                    <a:solidFill>
+                      <a:schemeClr val="accent1">
+                        <a:alpha val="20000"/>
+                      </a:schemeClr>
+                    </a:solidFill>
+                  </a:tcPr>
+                </a:tc>
+                <a:tc>
+                  <a:txBody>
+                    <a:bodyPr/>
+                    <a:lstStyle/>
+                    <a:p>
+                      <a:pPr marL="0" marR="0" lvl="0" indent="0" algn="l" defTabSz="914400" rtl="0" eaLnBrk="1" fontAlgn="base" latinLnBrk="0" hangingPunct="1">
+                        <a:lnSpc>
+                          <a:spcPct val="100000"/>
+                        </a:lnSpc>
+                        <a:spcBef>
+                          <a:spcPct val="0"/>
+                        </a:spcBef>
+                        <a:spcAft>
+                          <a:spcPct val="0"/>
+                        </a:spcAft>
+                        <a:buClrTx/>
+                        <a:buSzTx/>
+                        <a:buFontTx/>
+                        <a:buNone/>
+                        <a:tabLst/>
+                      </a:pPr>
+                      <a:endParaRPr kumimoji="0" lang="es-ES" sz="1800" b="0" i="0" u="none" strike="noStrike" cap="none" normalizeH="0" baseline="0" smtClean="0">
+                        <a:ln>
+                          <a:noFill/>
+                        </a:ln>
+                        <a:solidFill>
+                          <a:schemeClr val="tx1"/>
+                        </a:solidFill>
+                        <a:effectLst/>
+                        <a:latin typeface="Candara" pitchFamily="34" charset="0"/>
+                      </a:endParaRPr>
+                    </a:p>
+                  </a:txBody>
+                  <a:tcPr horzOverflow="overflow">
+                    <a:lnL w="12700" cap="flat" cmpd="sng" algn="ctr">
+                      <a:solidFill>
+                        <a:schemeClr val="accent1"/>
+                      </a:solidFill>
+                      <a:prstDash val="solid"/>
+                      <a:round/>
+                      <a:headEnd type="none" w="med" len="med"/>
+                      <a:tailEnd type="none" w="med" len="med"/>
+                    </a:lnL>
+                    <a:lnR w="12700" cap="flat" cmpd="sng" algn="ctr">
+                      <a:solidFill>
+                        <a:schemeClr val="accent1"/>
+                      </a:solidFill>
+                      <a:prstDash val="solid"/>
+                      <a:round/>
+                      <a:headEnd type="none" w="med" len="med"/>
+                      <a:tailEnd type="none" w="med" len="med"/>
+                    </a:lnR>
+                    <a:lnT w="12700" cap="flat" cmpd="sng" algn="ctr">
+                      <a:solidFill>
+                        <a:schemeClr val="accent1"/>
+                      </a:solidFill>
+                      <a:prstDash val="solid"/>
+                      <a:round/>
+                      <a:headEnd type="none" w="med" len="med"/>
+                      <a:tailEnd type="none" w="med" len="med"/>
+                    </a:lnT>
+                    <a:lnB w="12700" cap="flat" cmpd="sng" algn="ctr">
+                      <a:solidFill>
+                        <a:schemeClr val="accent1"/>
+                      </a:solidFill>
+                      <a:prstDash val="solid"/>
+                      <a:round/>
+                      <a:headEnd type="none" w="med" len="med"/>
+                      <a:tailEnd type="none" w="med" len="med"/>
+                    </a:lnB>
+                    <a:lnTlToBr>
+                      <a:noFill/>
+                    </a:lnTlToBr>
+                    <a:lnBlToTr>
+                      <a:noFill/>
+                    </a:lnBlToTr>
+                    <a:solidFill>
+                      <a:schemeClr val="accent1">
+                        <a:alpha val="20000"/>
+                      </a:schemeClr>
+                    </a:solidFill>
+                  </a:tcPr>
+                </a:tc>
+              </a:tr>
+            </a:tbl>
+          </a:graphicData>
+        </a:graphic>
+      </p:graphicFrame>
+    </p:spTree>
+  </p:cSld>
+  <p:clrMapOvr>
+    <a:masterClrMapping/>
+  </p:clrMapOvr>
+  <p:timing>
+    <p:tnLst>
+      <p:par>
+        <p:cTn id="1" dur="indefinite" restart="never" nodeType="tmRoot"/>
+      </p:par>
+    </p:tnLst>
+  </p:timing>
+</p:sld>
+</file>
+
+<file path=ppt/slides/slide8.xml><?xml version="1.0" encoding="utf-8"?>
+<p:sld xmlns:a="http://schemas.openxmlformats.org/drawingml/2006/main" xmlns:r="http://schemas.openxmlformats.org/officeDocument/2006/relationships" xmlns:p="http://schemas.openxmlformats.org/presentationml/2006/main">
+  <p:cSld>
+    <p:spTree>
+      <p:nvGrpSpPr>
+        <p:cNvPr id="1" name=""/>
+        <p:cNvGrpSpPr/>
+        <p:nvPr/>
+      </p:nvGrpSpPr>
+      <p:grpSpPr>
+        <a:xfrm>
+          <a:off x="0" y="0"/>
+          <a:ext cx="0" cy="0"/>
+          <a:chOff x="0" y="0"/>
+          <a:chExt cx="0" cy="0"/>
+        </a:xfrm>
+      </p:grpSpPr>
+      <p:sp>
+        <p:nvSpPr>
+          <p:cNvPr id="22529" name="2 Título"/>
+          <p:cNvSpPr>
+            <a:spLocks noGrp="1"/>
+          </p:cNvSpPr>
+          <p:nvPr>
+            <p:ph type="title" idx="4294967295"/>
+          </p:nvPr>
+        </p:nvSpPr>
+        <p:spPr>
+          <a:xfrm>
+            <a:off x="468313" y="115888"/>
+            <a:ext cx="8229600" cy="1252537"/>
+          </a:xfrm>
+        </p:spPr>
+        <p:txBody>
+          <a:bodyPr/>
+          <a:lstStyle/>
+          <a:p>
+            <a:pPr eaLnBrk="1" hangingPunct="1"/>
+            <a:r>
+              <a:rPr lang="es-PE" sz="4000" b="1" smtClean="0">
+                <a:solidFill>
+                  <a:schemeClr val="tx2"/>
+                </a:solidFill>
+              </a:rPr>
+              <a:t>CC_CUS011_Agregar_Contrato</a:t>
+            </a:r>
+          </a:p>
+        </p:txBody>
+      </p:sp>
+      <p:graphicFrame>
+        <p:nvGraphicFramePr>
+          <p:cNvPr id="22540" name="Group 12"/>
+          <p:cNvGraphicFramePr>
+            <a:graphicFrameLocks noGrp="1"/>
+          </p:cNvGraphicFramePr>
+          <p:nvPr/>
+        </p:nvGraphicFramePr>
+        <p:xfrm>
+          <a:off x="71438" y="1052513"/>
+          <a:ext cx="8893175" cy="5813425"/>
+        </p:xfrm>
+        <a:graphic>
+          <a:graphicData uri="http://schemas.openxmlformats.org/drawingml/2006/table">
+            <a:tbl>
+              <a:tblPr/>
+              <a:tblGrid>
+                <a:gridCol w="8893175"/>
+              </a:tblGrid>
+              <a:tr h="623888">
+                <a:tc>
+                  <a:txBody>
+                    <a:bodyPr/>
+                    <a:lstStyle/>
+                    <a:p>
+                      <a:pPr marL="342900" marR="0" lvl="2" indent="-342900" algn="l" defTabSz="914400" rtl="0" eaLnBrk="1" fontAlgn="base" latinLnBrk="0" hangingPunct="1">
+                        <a:lnSpc>
+                          <a:spcPct val="100000"/>
+                        </a:lnSpc>
+                        <a:spcBef>
+                          <a:spcPct val="0"/>
+                        </a:spcBef>
+                        <a:spcAft>
+                          <a:spcPct val="0"/>
+                        </a:spcAft>
+                        <a:buClrTx/>
+                        <a:buSzTx/>
+                        <a:buFontTx/>
+                        <a:buNone/>
+                        <a:tabLst/>
+                      </a:pPr>
+                      <a:r>
+                        <a:rPr kumimoji="0" lang="en-US" sz="1600" b="1" i="0" u="none" strike="noStrike" cap="none" normalizeH="0" baseline="0" smtClean="0">
+                          <a:ln>
+                            <a:noFill/>
+                          </a:ln>
+                          <a:solidFill>
+                            <a:schemeClr val="tx1"/>
+                          </a:solidFill>
+                          <a:effectLst/>
+                          <a:latin typeface="Candara" pitchFamily="34" charset="0"/>
+                        </a:rPr>
+                        <a:t>Flujo Básico</a:t>
+                      </a:r>
+                    </a:p>
+                    <a:p>
+                      <a:pPr marL="342900" marR="0" lvl="2" indent="-342900" algn="l" defTabSz="914400" rtl="0" eaLnBrk="1" fontAlgn="base" latinLnBrk="0" hangingPunct="1">
+                        <a:lnSpc>
+                          <a:spcPct val="100000"/>
+                        </a:lnSpc>
+                        <a:spcBef>
+                          <a:spcPct val="0"/>
+                        </a:spcBef>
+                        <a:spcAft>
+                          <a:spcPct val="0"/>
+                        </a:spcAft>
+                        <a:buClrTx/>
+                        <a:buSzTx/>
+                        <a:buFontTx/>
+                        <a:buNone/>
+                        <a:tabLst/>
+                      </a:pPr>
+                      <a:r>
+                        <a:rPr kumimoji="0" lang="es-PE" sz="1600" b="1" i="1" u="none" strike="noStrike" cap="none" normalizeH="0" baseline="0" smtClean="0">
+                          <a:ln>
+                            <a:noFill/>
+                          </a:ln>
+                          <a:solidFill>
+                            <a:schemeClr val="tx2"/>
+                          </a:solidFill>
+                          <a:effectLst/>
+                          <a:latin typeface="Candara" pitchFamily="34" charset="0"/>
+                        </a:rPr>
+                        <a:t>Agregar Contrato </a:t>
+                      </a:r>
+                      <a:endParaRPr kumimoji="0" lang="es-PE" sz="1600" b="0" i="1" u="none" strike="noStrike" cap="none" normalizeH="0" baseline="0" smtClean="0">
+                        <a:ln>
+                          <a:noFill/>
+                        </a:ln>
+                        <a:solidFill>
+                          <a:schemeClr val="tx2"/>
+                        </a:solidFill>
+                        <a:effectLst/>
+                        <a:latin typeface="Candara" pitchFamily="34" charset="0"/>
+                      </a:endParaRPr>
+                    </a:p>
+                    <a:p>
+                      <a:pPr marL="1676400" marR="0" lvl="3" indent="-304800" algn="l" defTabSz="914400" rtl="0" eaLnBrk="0" fontAlgn="base" latinLnBrk="0" hangingPunct="0">
+                        <a:lnSpc>
+                          <a:spcPct val="100000"/>
+                        </a:lnSpc>
+                        <a:spcBef>
+                          <a:spcPct val="20000"/>
+                        </a:spcBef>
+                        <a:spcAft>
+                          <a:spcPct val="0"/>
+                        </a:spcAft>
+                        <a:buClr>
+                          <a:schemeClr val="accent1"/>
+                        </a:buClr>
+                        <a:buSzPct val="100000"/>
+                        <a:buFont typeface="Symbol" pitchFamily="18" charset="2"/>
+                        <a:buAutoNum type="arabicPeriod"/>
+                        <a:tabLst/>
+                      </a:pPr>
+                      <a:r>
+                        <a:rPr kumimoji="0" lang="es-PE" sz="1700" b="0" i="0" u="none" strike="noStrike" cap="none" normalizeH="0" baseline="0" smtClean="0">
+                          <a:ln>
+                            <a:noFill/>
+                          </a:ln>
+                          <a:solidFill>
+                            <a:schemeClr val="tx2"/>
+                          </a:solidFill>
+                          <a:effectLst/>
+                          <a:latin typeface="Candara" pitchFamily="34" charset="0"/>
+                        </a:rPr>
+                        <a:t>El caso de uso se inicia cuando el CC_AS004_Jefe_Legal selecciona la opción “Agregar Contrato”.</a:t>
+                      </a:r>
+                    </a:p>
+                    <a:p>
+                      <a:pPr marL="1676400" marR="0" lvl="3" indent="-304800" algn="l" defTabSz="914400" rtl="0" eaLnBrk="0" fontAlgn="base" latinLnBrk="0" hangingPunct="0">
+                        <a:lnSpc>
+                          <a:spcPct val="100000"/>
+                        </a:lnSpc>
+                        <a:spcBef>
+                          <a:spcPct val="20000"/>
+                        </a:spcBef>
+                        <a:spcAft>
+                          <a:spcPct val="0"/>
+                        </a:spcAft>
+                        <a:buClr>
+                          <a:schemeClr val="accent1"/>
+                        </a:buClr>
+                        <a:buSzPct val="100000"/>
+                        <a:buFont typeface="Symbol" pitchFamily="18" charset="2"/>
+                        <a:buAutoNum type="arabicPeriod"/>
+                        <a:tabLst/>
+                      </a:pPr>
+                      <a:r>
+                        <a:rPr kumimoji="0" lang="es-PE" sz="1700" b="0" i="0" u="none" strike="noStrike" cap="none" normalizeH="0" baseline="0" smtClean="0">
+                          <a:ln>
+                            <a:noFill/>
+                          </a:ln>
+                          <a:solidFill>
+                            <a:schemeClr val="tx2"/>
+                          </a:solidFill>
+                          <a:effectLst/>
+                          <a:latin typeface="Candara" pitchFamily="34" charset="0"/>
+                        </a:rPr>
+                        <a:t>Se ingresa el RUC del cliente para realizar su búsqueda y elige la opción Buscar.</a:t>
+                      </a:r>
+                    </a:p>
+                    <a:p>
+                      <a:pPr marL="1676400" marR="0" lvl="3" indent="-304800" algn="l" defTabSz="914400" rtl="0" eaLnBrk="0" fontAlgn="base" latinLnBrk="0" hangingPunct="0">
+                        <a:lnSpc>
+                          <a:spcPct val="100000"/>
+                        </a:lnSpc>
+                        <a:spcBef>
+                          <a:spcPct val="20000"/>
+                        </a:spcBef>
+                        <a:spcAft>
+                          <a:spcPct val="0"/>
+                        </a:spcAft>
+                        <a:buClr>
+                          <a:schemeClr val="accent1"/>
+                        </a:buClr>
+                        <a:buSzPct val="100000"/>
+                        <a:buFont typeface="Symbol" pitchFamily="18" charset="2"/>
+                        <a:buAutoNum type="arabicPeriod"/>
+                        <a:tabLst/>
+                      </a:pPr>
+                      <a:r>
+                        <a:rPr kumimoji="0" lang="es-PE" sz="1700" b="0" i="0" u="none" strike="noStrike" cap="none" normalizeH="0" baseline="0" smtClean="0">
+                          <a:ln>
+                            <a:noFill/>
+                          </a:ln>
+                          <a:solidFill>
+                            <a:schemeClr val="tx2"/>
+                          </a:solidFill>
+                          <a:effectLst/>
+                          <a:latin typeface="Candara" pitchFamily="34" charset="0"/>
+                        </a:rPr>
+                        <a:t>El sistema carga el listado de Cliente con los campos: razón social, tipo y contacto del cliente. </a:t>
+                      </a:r>
+                    </a:p>
+                    <a:p>
+                      <a:pPr marL="1676400" marR="0" lvl="3" indent="-304800" algn="l" defTabSz="914400" rtl="0" eaLnBrk="0" fontAlgn="base" latinLnBrk="0" hangingPunct="0">
+                        <a:lnSpc>
+                          <a:spcPct val="100000"/>
+                        </a:lnSpc>
+                        <a:spcBef>
+                          <a:spcPct val="20000"/>
+                        </a:spcBef>
+                        <a:spcAft>
+                          <a:spcPct val="0"/>
+                        </a:spcAft>
+                        <a:buClr>
+                          <a:schemeClr val="accent1"/>
+                        </a:buClr>
+                        <a:buSzPct val="100000"/>
+                        <a:buFont typeface="Symbol" pitchFamily="18" charset="2"/>
+                        <a:buAutoNum type="arabicPeriod"/>
+                        <a:tabLst/>
+                      </a:pPr>
+                      <a:r>
+                        <a:rPr kumimoji="0" lang="es-PE" sz="1700" b="0" i="0" u="none" strike="noStrike" cap="none" normalizeH="0" baseline="0" smtClean="0">
+                          <a:ln>
+                            <a:noFill/>
+                          </a:ln>
+                          <a:solidFill>
+                            <a:schemeClr val="tx2"/>
+                          </a:solidFill>
+                          <a:effectLst/>
+                          <a:latin typeface="Candara" pitchFamily="34" charset="0"/>
+                        </a:rPr>
+                        <a:t>El CC_AS004_Jefe_Legal ingresa el código de la buena pro y de la carta fianza.</a:t>
+                      </a:r>
+                    </a:p>
+                    <a:p>
+                      <a:pPr marL="1676400" marR="0" lvl="3" indent="-304800" algn="l" defTabSz="914400" rtl="0" eaLnBrk="0" fontAlgn="base" latinLnBrk="0" hangingPunct="0">
+                        <a:lnSpc>
+                          <a:spcPct val="100000"/>
+                        </a:lnSpc>
+                        <a:spcBef>
+                          <a:spcPct val="20000"/>
+                        </a:spcBef>
+                        <a:spcAft>
+                          <a:spcPct val="0"/>
+                        </a:spcAft>
+                        <a:buClr>
+                          <a:schemeClr val="accent1"/>
+                        </a:buClr>
+                        <a:buSzPct val="100000"/>
+                        <a:buFont typeface="Symbol" pitchFamily="18" charset="2"/>
+                        <a:buAutoNum type="arabicPeriod"/>
+                        <a:tabLst/>
+                      </a:pPr>
+                      <a:r>
+                        <a:rPr kumimoji="0" lang="es-PE" sz="1700" b="0" i="0" u="none" strike="noStrike" cap="none" normalizeH="0" baseline="0" smtClean="0">
+                          <a:ln>
+                            <a:noFill/>
+                          </a:ln>
+                          <a:solidFill>
+                            <a:schemeClr val="tx2"/>
+                          </a:solidFill>
+                          <a:effectLst/>
+                          <a:latin typeface="Candara" pitchFamily="34" charset="0"/>
+                        </a:rPr>
+                        <a:t>El CC_AS004_Jefe_Legal ingresa la fecha de inicio y fin del contrato.</a:t>
+                      </a:r>
+                    </a:p>
+                    <a:p>
+                      <a:pPr marL="1676400" marR="0" lvl="3" indent="-304800" algn="l" defTabSz="914400" rtl="0" eaLnBrk="0" fontAlgn="base" latinLnBrk="0" hangingPunct="0">
+                        <a:lnSpc>
+                          <a:spcPct val="100000"/>
+                        </a:lnSpc>
+                        <a:spcBef>
+                          <a:spcPct val="20000"/>
+                        </a:spcBef>
+                        <a:spcAft>
+                          <a:spcPct val="0"/>
+                        </a:spcAft>
+                        <a:buClr>
+                          <a:schemeClr val="accent1"/>
+                        </a:buClr>
+                        <a:buSzPct val="100000"/>
+                        <a:buFont typeface="Symbol" pitchFamily="18" charset="2"/>
+                        <a:buAutoNum type="arabicPeriod"/>
+                        <a:tabLst/>
+                      </a:pPr>
+                      <a:r>
+                        <a:rPr kumimoji="0" lang="es-PE" sz="1700" b="0" i="0" u="none" strike="noStrike" cap="none" normalizeH="0" baseline="0" smtClean="0">
+                          <a:ln>
+                            <a:noFill/>
+                          </a:ln>
+                          <a:solidFill>
+                            <a:schemeClr val="tx2"/>
+                          </a:solidFill>
+                          <a:effectLst/>
+                          <a:latin typeface="Candara" pitchFamily="34" charset="0"/>
+                        </a:rPr>
+                        <a:t>El CC_AS004_Jefe_Legal ingresa la moneda y monto del contrato.</a:t>
+                      </a:r>
+                    </a:p>
+                    <a:p>
+                      <a:pPr marL="1676400" marR="0" lvl="3" indent="-304800" algn="l" defTabSz="914400" rtl="0" eaLnBrk="0" fontAlgn="base" latinLnBrk="0" hangingPunct="0">
+                        <a:lnSpc>
+                          <a:spcPct val="100000"/>
+                        </a:lnSpc>
+                        <a:spcBef>
+                          <a:spcPct val="20000"/>
+                        </a:spcBef>
+                        <a:spcAft>
+                          <a:spcPct val="0"/>
+                        </a:spcAft>
+                        <a:buClr>
+                          <a:schemeClr val="accent1"/>
+                        </a:buClr>
+                        <a:buSzPct val="100000"/>
+                        <a:buFont typeface="Symbol" pitchFamily="18" charset="2"/>
+                        <a:buAutoNum type="arabicPeriod"/>
+                        <a:tabLst/>
+                      </a:pPr>
+                      <a:r>
+                        <a:rPr kumimoji="0" lang="es-PE" sz="1700" b="0" i="0" u="none" strike="noStrike" cap="none" normalizeH="0" baseline="0" smtClean="0">
+                          <a:ln>
+                            <a:noFill/>
+                          </a:ln>
+                          <a:solidFill>
+                            <a:schemeClr val="tx2"/>
+                          </a:solidFill>
+                          <a:effectLst/>
+                          <a:latin typeface="Candara" pitchFamily="34" charset="0"/>
+                        </a:rPr>
+                        <a:t>El CC_AS004_Jefe_Legal ingresa la descripción del contrato.</a:t>
+                      </a:r>
+                    </a:p>
+                    <a:p>
+                      <a:pPr marL="1676400" marR="0" lvl="3" indent="-304800" algn="l" defTabSz="914400" rtl="0" eaLnBrk="0" fontAlgn="base" latinLnBrk="0" hangingPunct="0">
+                        <a:lnSpc>
+                          <a:spcPct val="100000"/>
+                        </a:lnSpc>
+                        <a:spcBef>
+                          <a:spcPct val="20000"/>
+                        </a:spcBef>
+                        <a:spcAft>
+                          <a:spcPct val="0"/>
+                        </a:spcAft>
+                        <a:buClr>
+                          <a:schemeClr val="accent1"/>
+                        </a:buClr>
+                        <a:buSzPct val="100000"/>
+                        <a:buFont typeface="Symbol" pitchFamily="18" charset="2"/>
+                        <a:buAutoNum type="arabicPeriod"/>
+                        <a:tabLst/>
+                      </a:pPr>
+                      <a:r>
+                        <a:rPr kumimoji="0" lang="es-PE" sz="1700" b="0" i="0" u="none" strike="noStrike" cap="none" normalizeH="0" baseline="0" smtClean="0">
+                          <a:ln>
+                            <a:noFill/>
+                          </a:ln>
+                          <a:solidFill>
+                            <a:schemeClr val="tx2"/>
+                          </a:solidFill>
+                          <a:effectLst/>
+                          <a:latin typeface="Candara" pitchFamily="34" charset="0"/>
+                        </a:rPr>
+                        <a:t>El CC_AS004_Jefe_Legal selecciona la línea de servicio y el servicio del contrato.</a:t>
+                      </a:r>
+                    </a:p>
+                    <a:p>
+                      <a:pPr marL="1676400" marR="0" lvl="3" indent="-304800" algn="l" defTabSz="914400" rtl="0" eaLnBrk="0" fontAlgn="base" latinLnBrk="0" hangingPunct="0">
+                        <a:lnSpc>
+                          <a:spcPct val="100000"/>
+                        </a:lnSpc>
+                        <a:spcBef>
+                          <a:spcPct val="20000"/>
+                        </a:spcBef>
+                        <a:spcAft>
+                          <a:spcPct val="0"/>
+                        </a:spcAft>
+                        <a:buClr>
+                          <a:schemeClr val="accent1"/>
+                        </a:buClr>
+                        <a:buSzPct val="100000"/>
+                        <a:buFont typeface="Symbol" pitchFamily="18" charset="2"/>
+                        <a:buAutoNum type="arabicPeriod"/>
+                        <a:tabLst/>
+                      </a:pPr>
+                      <a:r>
+                        <a:rPr kumimoji="0" lang="es-PE" sz="1700" b="0" i="0" u="none" strike="noStrike" cap="none" normalizeH="0" baseline="0" smtClean="0">
+                          <a:ln>
+                            <a:noFill/>
+                          </a:ln>
+                          <a:solidFill>
+                            <a:schemeClr val="tx2"/>
+                          </a:solidFill>
+                          <a:effectLst/>
+                          <a:latin typeface="Candara" pitchFamily="34" charset="0"/>
+                        </a:rPr>
+                        <a:t>El sistema desde otra interfaz permitirá la agregación de los roles, entregables, clausulas e indicadores.</a:t>
+                      </a:r>
+                    </a:p>
+                    <a:p>
+                      <a:pPr marL="1676400" marR="0" lvl="3" indent="-304800" algn="l" defTabSz="914400" rtl="0" eaLnBrk="0" fontAlgn="base" latinLnBrk="0" hangingPunct="0">
+                        <a:lnSpc>
+                          <a:spcPct val="100000"/>
+                        </a:lnSpc>
+                        <a:spcBef>
+                          <a:spcPct val="20000"/>
+                        </a:spcBef>
+                        <a:spcAft>
+                          <a:spcPct val="0"/>
+                        </a:spcAft>
+                        <a:buClr>
+                          <a:schemeClr val="accent1"/>
+                        </a:buClr>
+                        <a:buSzPct val="100000"/>
+                        <a:buFont typeface="Symbol" pitchFamily="18" charset="2"/>
+                        <a:buAutoNum type="arabicPeriod"/>
+                        <a:tabLst/>
+                      </a:pPr>
+                      <a:r>
+                        <a:rPr kumimoji="0" lang="es-PE" sz="1700" b="0" i="0" u="none" strike="noStrike" cap="none" normalizeH="0" baseline="0" smtClean="0">
+                          <a:ln>
+                            <a:noFill/>
+                          </a:ln>
+                          <a:solidFill>
+                            <a:schemeClr val="tx2"/>
+                          </a:solidFill>
+                          <a:effectLst/>
+                          <a:latin typeface="Candara" pitchFamily="34" charset="0"/>
+                        </a:rPr>
+                        <a:t>El CC_AS004_Jefe_Legal ingresa los roles con los datos: Código y Nombre.</a:t>
+                      </a:r>
+                    </a:p>
+                    <a:p>
+                      <a:pPr marL="1676400" marR="0" lvl="3" indent="-304800" algn="l" defTabSz="914400" rtl="0" eaLnBrk="0" fontAlgn="base" latinLnBrk="0" hangingPunct="0">
+                        <a:lnSpc>
+                          <a:spcPct val="100000"/>
+                        </a:lnSpc>
+                        <a:spcBef>
+                          <a:spcPct val="20000"/>
+                        </a:spcBef>
+                        <a:spcAft>
+                          <a:spcPct val="0"/>
+                        </a:spcAft>
+                        <a:buClr>
+                          <a:schemeClr val="accent1"/>
+                        </a:buClr>
+                        <a:buSzPct val="100000"/>
+                        <a:buFont typeface="Symbol" pitchFamily="18" charset="2"/>
+                        <a:buAutoNum type="arabicPeriod"/>
+                        <a:tabLst/>
+                      </a:pPr>
+                      <a:r>
+                        <a:rPr kumimoji="0" lang="es-PE" sz="1700" b="0" i="0" u="none" strike="noStrike" cap="none" normalizeH="0" baseline="0" smtClean="0">
+                          <a:ln>
+                            <a:noFill/>
+                          </a:ln>
+                          <a:solidFill>
+                            <a:schemeClr val="tx2"/>
+                          </a:solidFill>
+                          <a:effectLst/>
+                          <a:latin typeface="Candara" pitchFamily="34" charset="0"/>
+                        </a:rPr>
+                        <a:t>El CC_AS004_Jefe_Legal ingresa los entregables con los datos: Código, Descripción, Fecha pactada y rol responsable.</a:t>
+                      </a:r>
+                    </a:p>
+                  </a:txBody>
+                  <a:tcPr horzOverflow="overflow">
+                    <a:lnL w="12700" cap="flat" cmpd="sng" algn="ctr">
+                      <a:solidFill>
+                        <a:schemeClr val="accent1"/>
+                      </a:solidFill>
+                      <a:prstDash val="solid"/>
+                      <a:round/>
+                      <a:headEnd type="none" w="med" len="med"/>
+                      <a:tailEnd type="none" w="med" len="med"/>
+                    </a:lnL>
+                    <a:lnR w="12700" cap="flat" cmpd="sng" algn="ctr">
+                      <a:solidFill>
+                        <a:schemeClr val="accent1"/>
+                      </a:solidFill>
+                      <a:prstDash val="solid"/>
+                      <a:round/>
+                      <a:headEnd type="none" w="med" len="med"/>
+                      <a:tailEnd type="none" w="med" len="med"/>
+                    </a:lnR>
+                    <a:lnT w="12700" cap="flat" cmpd="sng" algn="ctr">
+                      <a:solidFill>
+                        <a:schemeClr val="accent1"/>
+                      </a:solidFill>
+                      <a:prstDash val="solid"/>
+                      <a:round/>
+                      <a:headEnd type="none" w="med" len="med"/>
+                      <a:tailEnd type="none" w="med" len="med"/>
+                    </a:lnT>
+                    <a:lnB w="25400" cap="flat" cmpd="sng" algn="ctr">
+                      <a:solidFill>
+                        <a:schemeClr val="accent1"/>
+                      </a:solidFill>
+                      <a:prstDash val="solid"/>
+                      <a:round/>
+                      <a:headEnd type="none" w="med" len="med"/>
+                      <a:tailEnd type="none" w="med" len="med"/>
+                    </a:lnB>
+                    <a:lnTlToBr>
+                      <a:noFill/>
+                    </a:lnTlToBr>
+                    <a:lnBlToTr>
+                      <a:noFill/>
+                    </a:lnBlToTr>
+                    <a:noFill/>
+                  </a:tcPr>
+                </a:tc>
+              </a:tr>
+            </a:tbl>
+          </a:graphicData>
+        </a:graphic>
+      </p:graphicFrame>
+    </p:spTree>
+  </p:cSld>
+  <p:clrMapOvr>
+    <a:masterClrMapping/>
+  </p:clrMapOvr>
+  <p:timing>
+    <p:tnLst>
+      <p:par>
+        <p:cTn id="1" dur="indefinite" restart="never" nodeType="tmRoot"/>
+      </p:par>
+    </p:tnLst>
+  </p:timing>
+</p:sld>
+</file>
+
+<file path=ppt/slides/slide9.xml><?xml version="1.0" encoding="utf-8"?>
+<p:sld xmlns:a="http://schemas.openxmlformats.org/drawingml/2006/main" xmlns:r="http://schemas.openxmlformats.org/officeDocument/2006/relationships" xmlns:p="http://schemas.openxmlformats.org/presentationml/2006/main">
+  <p:cSld>
+    <p:spTree>
+      <p:nvGrpSpPr>
+        <p:cNvPr id="1" name=""/>
+        <p:cNvGrpSpPr/>
+        <p:nvPr/>
+      </p:nvGrpSpPr>
+      <p:grpSpPr>
+        <a:xfrm>
+          <a:off x="0" y="0"/>
+          <a:ext cx="0" cy="0"/>
+          <a:chOff x="0" y="0"/>
+          <a:chExt cx="0" cy="0"/>
+        </a:xfrm>
+      </p:grpSpPr>
+      <p:sp>
+        <p:nvSpPr>
+          <p:cNvPr id="23553" name="2 Título"/>
+          <p:cNvSpPr>
+            <a:spLocks noGrp="1"/>
+          </p:cNvSpPr>
+          <p:nvPr>
+            <p:ph type="title" idx="4294967295"/>
+          </p:nvPr>
+        </p:nvSpPr>
+        <p:spPr>
+          <a:xfrm>
+            <a:off x="468313" y="404813"/>
+            <a:ext cx="8229600" cy="1252537"/>
+          </a:xfrm>
+        </p:spPr>
+        <p:txBody>
+          <a:bodyPr/>
+          <a:lstStyle/>
+          <a:p>
+            <a:pPr eaLnBrk="1" hangingPunct="1"/>
+            <a:r>
+              <a:rPr lang="es-PE" sz="4000" b="1" smtClean="0">
+                <a:solidFill>
+                  <a:schemeClr val="tx2"/>
+                </a:solidFill>
+              </a:rPr>
+              <a:t>CC_CUS011_Agregar_Contrato</a:t>
+            </a:r>
+          </a:p>
+        </p:txBody>
+      </p:sp>
+      <p:graphicFrame>
+        <p:nvGraphicFramePr>
+          <p:cNvPr id="23562" name="Group 10"/>
+          <p:cNvGraphicFramePr>
+            <a:graphicFrameLocks noGrp="1"/>
+          </p:cNvGraphicFramePr>
+          <p:nvPr/>
+        </p:nvGraphicFramePr>
+        <p:xfrm>
+          <a:off x="252413" y="1811338"/>
+          <a:ext cx="8640762" cy="4487862"/>
+        </p:xfrm>
+        <a:graphic>
+          <a:graphicData uri="http://schemas.openxmlformats.org/drawingml/2006/table">
+            <a:tbl>
+              <a:tblPr/>
+              <a:tblGrid>
+                <a:gridCol w="8640762"/>
+              </a:tblGrid>
+              <a:tr h="623888">
+                <a:tc>
+                  <a:txBody>
+                    <a:bodyPr/>
+                    <a:lstStyle/>
+                    <a:p>
+                      <a:pPr marL="342900" marR="0" lvl="2" indent="-342900" algn="l" defTabSz="914400" rtl="0" eaLnBrk="1" fontAlgn="base" latinLnBrk="0" hangingPunct="1">
+                        <a:lnSpc>
+                          <a:spcPct val="100000"/>
+                        </a:lnSpc>
+                        <a:spcBef>
+                          <a:spcPct val="0"/>
+                        </a:spcBef>
+                        <a:spcAft>
+                          <a:spcPct val="0"/>
+                        </a:spcAft>
+                        <a:buClrTx/>
+                        <a:buSzTx/>
+                        <a:buFontTx/>
+                        <a:buNone/>
+                        <a:tabLst/>
+                      </a:pPr>
+                      <a:r>
+                        <a:rPr kumimoji="0" lang="en-US" sz="1800" b="1" i="0" u="none" strike="noStrike" cap="none" normalizeH="0" baseline="0" smtClean="0">
+                          <a:ln>
+                            <a:noFill/>
+                          </a:ln>
+                          <a:solidFill>
+                            <a:schemeClr val="tx1"/>
+                          </a:solidFill>
+                          <a:effectLst/>
+                          <a:latin typeface="Candara" pitchFamily="34" charset="0"/>
+                        </a:rPr>
+                        <a:t>Flujo Básico</a:t>
+                      </a:r>
+                    </a:p>
+                    <a:p>
+                      <a:pPr marL="342900" marR="0" lvl="2" indent="-342900" algn="l" defTabSz="914400" rtl="0" eaLnBrk="1" fontAlgn="base" latinLnBrk="0" hangingPunct="1">
+                        <a:lnSpc>
+                          <a:spcPct val="100000"/>
+                        </a:lnSpc>
+                        <a:spcBef>
+                          <a:spcPct val="0"/>
+                        </a:spcBef>
+                        <a:spcAft>
+                          <a:spcPct val="0"/>
+                        </a:spcAft>
+                        <a:buClrTx/>
+                        <a:buSzTx/>
+                        <a:buFontTx/>
+                        <a:buNone/>
+                        <a:tabLst/>
+                      </a:pPr>
+                      <a:r>
+                        <a:rPr kumimoji="0" lang="es-PE" sz="1800" b="1" i="1" u="none" strike="noStrike" cap="none" normalizeH="0" baseline="0" smtClean="0">
+                          <a:ln>
+                            <a:noFill/>
+                          </a:ln>
+                          <a:solidFill>
+                            <a:schemeClr val="tx2"/>
+                          </a:solidFill>
+                          <a:effectLst/>
+                          <a:latin typeface="Candara" pitchFamily="34" charset="0"/>
+                        </a:rPr>
+                        <a:t>Agregar Contrato </a:t>
+                      </a:r>
+                      <a:endParaRPr kumimoji="0" lang="es-PE" sz="1800" b="0" i="1" u="none" strike="noStrike" cap="none" normalizeH="0" baseline="0" smtClean="0">
+                        <a:ln>
+                          <a:noFill/>
+                        </a:ln>
+                        <a:solidFill>
+                          <a:schemeClr val="tx2"/>
+                        </a:solidFill>
+                        <a:effectLst/>
+                        <a:latin typeface="Candara" pitchFamily="34" charset="0"/>
+                      </a:endParaRPr>
+                    </a:p>
+                    <a:p>
+                      <a:pPr marL="2095500" marR="0" lvl="4" indent="-266700" algn="l" defTabSz="914400" rtl="0" eaLnBrk="0" fontAlgn="base" latinLnBrk="0" hangingPunct="0">
+                        <a:lnSpc>
+                          <a:spcPct val="100000"/>
+                        </a:lnSpc>
+                        <a:spcBef>
+                          <a:spcPct val="20000"/>
+                        </a:spcBef>
+                        <a:spcAft>
+                          <a:spcPct val="0"/>
+                        </a:spcAft>
+                        <a:buClr>
+                          <a:schemeClr val="accent1"/>
+                        </a:buClr>
+                        <a:buSzPct val="100000"/>
+                        <a:buFont typeface="Symbol" pitchFamily="18" charset="2"/>
+                        <a:buNone/>
+                        <a:tabLst/>
+                      </a:pPr>
+                      <a:r>
+                        <a:rPr kumimoji="0" lang="es-PE" sz="1600" b="1" i="0" u="none" strike="noStrike" cap="none" normalizeH="0" baseline="0" smtClean="0">
+                          <a:ln>
+                            <a:noFill/>
+                          </a:ln>
+                          <a:solidFill>
+                            <a:schemeClr val="hlink"/>
+                          </a:solidFill>
+                          <a:effectLst/>
+                          <a:latin typeface="Candara" pitchFamily="34" charset="0"/>
+                        </a:rPr>
+                        <a:t>12.</a:t>
+                      </a:r>
+                      <a:r>
+                        <a:rPr kumimoji="0" lang="es-PE" sz="1600" b="1" i="0" u="none" strike="noStrike" cap="none" normalizeH="0" baseline="0" smtClean="0">
+                          <a:ln>
+                            <a:noFill/>
+                          </a:ln>
+                          <a:solidFill>
+                            <a:schemeClr val="tx2"/>
+                          </a:solidFill>
+                          <a:effectLst/>
+                          <a:latin typeface="Candara" pitchFamily="34" charset="0"/>
+                        </a:rPr>
+                        <a:t> </a:t>
+                      </a:r>
+                      <a:r>
+                        <a:rPr kumimoji="0" lang="es-PE" sz="1800" b="0" i="0" u="none" strike="noStrike" cap="none" normalizeH="0" baseline="0" smtClean="0">
+                          <a:ln>
+                            <a:noFill/>
+                          </a:ln>
+                          <a:solidFill>
+                            <a:schemeClr val="tx2"/>
+                          </a:solidFill>
+                          <a:effectLst/>
+                          <a:latin typeface="Candara" pitchFamily="34" charset="0"/>
+                        </a:rPr>
+                        <a:t>El CC_AS004_Jefe_Legal ingresa las cláusulas con los datos: Código, Descripción, Tipo de clausula y porcentaje de penalidad.</a:t>
+                      </a:r>
+                    </a:p>
+                    <a:p>
+                      <a:pPr marL="2095500" marR="0" lvl="4" indent="-266700" algn="l" defTabSz="914400" rtl="0" eaLnBrk="0" fontAlgn="base" latinLnBrk="0" hangingPunct="0">
+                        <a:lnSpc>
+                          <a:spcPct val="100000"/>
+                        </a:lnSpc>
+                        <a:spcBef>
+                          <a:spcPct val="20000"/>
+                        </a:spcBef>
+                        <a:spcAft>
+                          <a:spcPct val="0"/>
+                        </a:spcAft>
+                        <a:buClr>
+                          <a:schemeClr val="accent1"/>
+                        </a:buClr>
+                        <a:buSzPct val="100000"/>
+                        <a:buFont typeface="Symbol" pitchFamily="18" charset="2"/>
+                        <a:buNone/>
+                        <a:tabLst/>
+                      </a:pPr>
+                      <a:r>
+                        <a:rPr kumimoji="0" lang="es-PE" sz="1800" b="0" i="0" u="none" strike="noStrike" cap="none" normalizeH="0" baseline="0" smtClean="0">
+                          <a:ln>
+                            <a:noFill/>
+                          </a:ln>
+                          <a:solidFill>
+                            <a:schemeClr val="hlink"/>
+                          </a:solidFill>
+                          <a:effectLst/>
+                          <a:latin typeface="Candara" pitchFamily="34" charset="0"/>
+                        </a:rPr>
+                        <a:t>13.</a:t>
+                      </a:r>
+                      <a:r>
+                        <a:rPr kumimoji="0" lang="es-PE" sz="1800" b="0" i="0" u="none" strike="noStrike" cap="none" normalizeH="0" baseline="0" smtClean="0">
+                          <a:ln>
+                            <a:noFill/>
+                          </a:ln>
+                          <a:solidFill>
+                            <a:schemeClr val="tx2"/>
+                          </a:solidFill>
+                          <a:effectLst/>
+                          <a:latin typeface="Candara" pitchFamily="34" charset="0"/>
+                        </a:rPr>
+                        <a:t> El CC_AS004_Jefe_Legal ingresa los indicadores con los datos: Código, Descripción, Frecuencia y Valor objetivo.</a:t>
+                      </a:r>
+                    </a:p>
+                    <a:p>
+                      <a:pPr marL="2095500" marR="0" lvl="4" indent="-266700" algn="l" defTabSz="914400" rtl="0" eaLnBrk="0" fontAlgn="base" latinLnBrk="0" hangingPunct="0">
+                        <a:lnSpc>
+                          <a:spcPct val="100000"/>
+                        </a:lnSpc>
+                        <a:spcBef>
+                          <a:spcPct val="20000"/>
+                        </a:spcBef>
+                        <a:spcAft>
+                          <a:spcPct val="0"/>
+                        </a:spcAft>
+                        <a:buClr>
+                          <a:schemeClr val="accent1"/>
+                        </a:buClr>
+                        <a:buSzPct val="100000"/>
+                        <a:buFont typeface="Symbol" pitchFamily="18" charset="2"/>
+                        <a:buNone/>
+                        <a:tabLst/>
+                      </a:pPr>
+                      <a:r>
+                        <a:rPr kumimoji="0" lang="es-PE" sz="1800" b="0" i="0" u="none" strike="noStrike" cap="none" normalizeH="0" baseline="0" smtClean="0">
+                          <a:ln>
+                            <a:noFill/>
+                          </a:ln>
+                          <a:solidFill>
+                            <a:schemeClr val="hlink"/>
+                          </a:solidFill>
+                          <a:effectLst/>
+                          <a:latin typeface="Candara" pitchFamily="34" charset="0"/>
+                        </a:rPr>
+                        <a:t>14.</a:t>
+                      </a:r>
+                      <a:r>
+                        <a:rPr kumimoji="0" lang="es-PE" sz="1800" b="0" i="0" u="none" strike="noStrike" cap="none" normalizeH="0" baseline="0" smtClean="0">
+                          <a:ln>
+                            <a:noFill/>
+                          </a:ln>
+                          <a:solidFill>
+                            <a:schemeClr val="tx2"/>
+                          </a:solidFill>
+                          <a:effectLst/>
+                          <a:latin typeface="Candara" pitchFamily="34" charset="0"/>
+                        </a:rPr>
+                        <a:t> El CC_AS004_Jefe_Legal elige la opción grabar.</a:t>
+                      </a:r>
+                    </a:p>
+                    <a:p>
+                      <a:pPr marL="2095500" marR="0" lvl="4" indent="-266700" algn="l" defTabSz="914400" rtl="0" eaLnBrk="0" fontAlgn="base" latinLnBrk="0" hangingPunct="0">
+                        <a:lnSpc>
+                          <a:spcPct val="100000"/>
+                        </a:lnSpc>
+                        <a:spcBef>
+                          <a:spcPct val="20000"/>
+                        </a:spcBef>
+                        <a:spcAft>
+                          <a:spcPct val="0"/>
+                        </a:spcAft>
+                        <a:buClr>
+                          <a:schemeClr val="accent1"/>
+                        </a:buClr>
+                        <a:buSzPct val="100000"/>
+                        <a:buFont typeface="Symbol" pitchFamily="18" charset="2"/>
+                        <a:buNone/>
+                        <a:tabLst/>
+                      </a:pPr>
+                      <a:r>
+                        <a:rPr kumimoji="0" lang="es-PE" sz="1800" b="0" i="0" u="none" strike="noStrike" cap="none" normalizeH="0" baseline="0" smtClean="0">
+                          <a:ln>
+                            <a:noFill/>
+                          </a:ln>
+                          <a:solidFill>
+                            <a:schemeClr val="hlink"/>
+                          </a:solidFill>
+                          <a:effectLst/>
+                          <a:latin typeface="Candara" pitchFamily="34" charset="0"/>
+                        </a:rPr>
+                        <a:t>15.</a:t>
+                      </a:r>
+                      <a:r>
+                        <a:rPr kumimoji="0" lang="es-PE" sz="1800" b="0" i="0" u="none" strike="noStrike" cap="none" normalizeH="0" baseline="0" smtClean="0">
+                          <a:ln>
+                            <a:noFill/>
+                          </a:ln>
+                          <a:solidFill>
+                            <a:schemeClr val="tx2"/>
+                          </a:solidFill>
+                          <a:effectLst/>
+                          <a:latin typeface="Candara" pitchFamily="34" charset="0"/>
+                        </a:rPr>
+                        <a:t> El Sistema muestra la ventana de Confirmación “¿Está Seguro(a) de guardar registro?”</a:t>
+                      </a:r>
+                    </a:p>
+                    <a:p>
+                      <a:pPr marL="2095500" marR="0" lvl="4" indent="-266700" algn="l" defTabSz="914400" rtl="0" eaLnBrk="0" fontAlgn="base" latinLnBrk="0" hangingPunct="0">
+                        <a:lnSpc>
+                          <a:spcPct val="100000"/>
+                        </a:lnSpc>
+                        <a:spcBef>
+                          <a:spcPct val="20000"/>
+                        </a:spcBef>
+                        <a:spcAft>
+                          <a:spcPct val="0"/>
+                        </a:spcAft>
+                        <a:buClr>
+                          <a:schemeClr val="accent1"/>
+                        </a:buClr>
+                        <a:buSzPct val="100000"/>
+                        <a:buFont typeface="Symbol" pitchFamily="18" charset="2"/>
+                        <a:buNone/>
+                        <a:tabLst/>
+                      </a:pPr>
+                      <a:r>
+                        <a:rPr kumimoji="0" lang="es-PE" sz="1800" b="0" i="0" u="none" strike="noStrike" cap="none" normalizeH="0" baseline="0" smtClean="0">
+                          <a:ln>
+                            <a:noFill/>
+                          </a:ln>
+                          <a:solidFill>
+                            <a:schemeClr val="hlink"/>
+                          </a:solidFill>
+                          <a:effectLst/>
+                          <a:latin typeface="Candara" pitchFamily="34" charset="0"/>
+                        </a:rPr>
+                        <a:t>16.</a:t>
+                      </a:r>
+                      <a:r>
+                        <a:rPr kumimoji="0" lang="es-PE" sz="1800" b="0" i="0" u="none" strike="noStrike" cap="none" normalizeH="0" baseline="0" smtClean="0">
+                          <a:ln>
+                            <a:noFill/>
+                          </a:ln>
+                          <a:solidFill>
+                            <a:schemeClr val="tx2"/>
+                          </a:solidFill>
+                          <a:effectLst/>
+                          <a:latin typeface="Candara" pitchFamily="34" charset="0"/>
+                        </a:rPr>
+                        <a:t> El CC_AS004_Jefe_Legal elige la opción SI de la Ventana de Confirmación. El Sistema muestra el mensaje “Se creó Contrato correctamente”. El caso de uso termina. [CC_RN009_Generación_de_Contrato], [CC_RN010_Generación_de_Adenda] [CC_RN012_Vigencia_Contrato].</a:t>
+                      </a:r>
+                    </a:p>
+                  </a:txBody>
+                  <a:tcPr horzOverflow="overflow">
+                    <a:lnL w="12700" cap="flat" cmpd="sng" algn="ctr">
+                      <a:solidFill>
+                        <a:schemeClr val="accent1"/>
+                      </a:solidFill>
+                      <a:prstDash val="solid"/>
+                      <a:round/>
+                      <a:headEnd type="none" w="med" len="med"/>
+                      <a:tailEnd type="none" w="med" len="med"/>
+                    </a:lnL>
+                    <a:lnR w="12700" cap="flat" cmpd="sng" algn="ctr">
+                      <a:solidFill>
+                        <a:schemeClr val="accent1"/>
+                      </a:solidFill>
+                      <a:prstDash val="solid"/>
+                      <a:round/>
+                      <a:headEnd type="none" w="med" len="med"/>
+                      <a:tailEnd type="none" w="med" len="med"/>
+                    </a:lnR>
+                    <a:lnT w="12700" cap="flat" cmpd="sng" algn="ctr">
+                      <a:solidFill>
+                        <a:schemeClr val="accent1"/>
+                      </a:solidFill>
+                      <a:prstDash val="solid"/>
+                      <a:round/>
+                      <a:headEnd type="none" w="med" len="med"/>
+                      <a:tailEnd type="none" w="med" len="med"/>
+                    </a:lnT>
+                    <a:lnB w="25400" cap="flat" cmpd="sng" algn="ctr">
+                      <a:solidFill>
+                        <a:schemeClr val="accent1"/>
+                      </a:solidFill>
+                      <a:prstDash val="solid"/>
+                      <a:round/>
+                      <a:headEnd type="none" w="med" len="med"/>
+                      <a:tailEnd type="none" w="med" len="med"/>
+                    </a:lnB>
+                    <a:lnTlToBr>
+                      <a:noFill/>
+                    </a:lnTlToBr>
+                    <a:lnBlToTr>
+                      <a:noFill/>
+                    </a:lnBlToTr>
+                    <a:noFill/>
+                  </a:tcPr>
+                </a:tc>
+              </a:tr>
+            </a:tbl>
+          </a:graphicData>
+        </a:graphic>
+      </p:graphicFrame>
     </p:spTree>
   </p:cSld>
   <p:clrMapOvr>
